--- a/doc/第二次迭代答辩.pptx
+++ b/doc/第二次迭代答辩.pptx
@@ -5,32 +5,32 @@
     <p:sldMasterId id="2147483648" r:id="rId1"/>
   </p:sldMasterIdLst>
   <p:notesMasterIdLst>
-    <p:notesMasterId r:id="rId23"/>
+    <p:notesMasterId r:id="rId22"/>
   </p:notesMasterIdLst>
   <p:handoutMasterIdLst>
-    <p:handoutMasterId r:id="rId24"/>
+    <p:handoutMasterId r:id="rId23"/>
   </p:handoutMasterIdLst>
   <p:sldIdLst>
-    <p:sldId id="259" r:id="rId3"/>
-    <p:sldId id="260" r:id="rId4"/>
-    <p:sldId id="261" r:id="rId5"/>
-    <p:sldId id="262" r:id="rId6"/>
-    <p:sldId id="285" r:id="rId7"/>
-    <p:sldId id="264" r:id="rId8"/>
-    <p:sldId id="265" r:id="rId9"/>
-    <p:sldId id="266" r:id="rId10"/>
-    <p:sldId id="286" r:id="rId11"/>
-    <p:sldId id="298" r:id="rId12"/>
-    <p:sldId id="296" r:id="rId13"/>
-    <p:sldId id="297" r:id="rId14"/>
-    <p:sldId id="287" r:id="rId15"/>
-    <p:sldId id="288" r:id="rId16"/>
-    <p:sldId id="303" r:id="rId17"/>
-    <p:sldId id="304" r:id="rId18"/>
-    <p:sldId id="305" r:id="rId19"/>
-    <p:sldId id="289" r:id="rId20"/>
-    <p:sldId id="283" r:id="rId21"/>
-    <p:sldId id="282" r:id="rId22"/>
+    <p:sldId id="259" r:id="rId2"/>
+    <p:sldId id="260" r:id="rId3"/>
+    <p:sldId id="261" r:id="rId4"/>
+    <p:sldId id="262" r:id="rId5"/>
+    <p:sldId id="285" r:id="rId6"/>
+    <p:sldId id="264" r:id="rId7"/>
+    <p:sldId id="265" r:id="rId8"/>
+    <p:sldId id="266" r:id="rId9"/>
+    <p:sldId id="286" r:id="rId10"/>
+    <p:sldId id="298" r:id="rId11"/>
+    <p:sldId id="296" r:id="rId12"/>
+    <p:sldId id="297" r:id="rId13"/>
+    <p:sldId id="287" r:id="rId14"/>
+    <p:sldId id="288" r:id="rId15"/>
+    <p:sldId id="303" r:id="rId16"/>
+    <p:sldId id="304" r:id="rId17"/>
+    <p:sldId id="305" r:id="rId18"/>
+    <p:sldId id="289" r:id="rId19"/>
+    <p:sldId id="283" r:id="rId20"/>
+    <p:sldId id="282" r:id="rId21"/>
   </p:sldIdLst>
   <p:sldSz cx="9144000" cy="6858000" type="screen4x3"/>
   <p:notesSz cx="6858000" cy="9144000"/>
@@ -133,7 +133,7 @@
 </file>
 
 <file path=ppt/diagrams/colors1.xml><?xml version="1.0" encoding="utf-8"?>
-<dgm:colorsDef xmlns:dgm="http://schemas.openxmlformats.org/drawingml/2006/diagram" xmlns:a="http://schemas.openxmlformats.org/drawingml/2006/main" uniqueId="urn:microsoft.com/office/officeart/2005/8/colors/accent1_2">
+<dgm:colorsDef xmlns:dgm="http://schemas.openxmlformats.org/drawingml/2006/diagram" xmlns:a="http://schemas.openxmlformats.org/drawingml/2006/main" uniqueId="urn:microsoft.com/office/officeart/2005/8/colors/accent1_2#1">
   <dgm:title val=""/>
   <dgm:desc val=""/>
   <dgm:catLst>
@@ -880,7 +880,7 @@
 </file>
 
 <file path=ppt/diagrams/colors2.xml><?xml version="1.0" encoding="utf-8"?>
-<dgm:colorsDef xmlns:dgm="http://schemas.openxmlformats.org/drawingml/2006/diagram" xmlns:a="http://schemas.openxmlformats.org/drawingml/2006/main" uniqueId="urn:microsoft.com/office/officeart/2005/8/colors/accent1_2">
+<dgm:colorsDef xmlns:dgm="http://schemas.openxmlformats.org/drawingml/2006/diagram" xmlns:a="http://schemas.openxmlformats.org/drawingml/2006/main" uniqueId="urn:microsoft.com/office/officeart/2005/8/colors/accent1_2#2">
   <dgm:title val=""/>
   <dgm:desc val=""/>
   <dgm:catLst>
@@ -1627,7 +1627,7 @@
 </file>
 
 <file path=ppt/diagrams/colors3.xml><?xml version="1.0" encoding="utf-8"?>
-<dgm:colorsDef xmlns:dgm="http://schemas.openxmlformats.org/drawingml/2006/diagram" xmlns:a="http://schemas.openxmlformats.org/drawingml/2006/main" uniqueId="urn:microsoft.com/office/officeart/2005/8/colors/accent1_2">
+<dgm:colorsDef xmlns:dgm="http://schemas.openxmlformats.org/drawingml/2006/diagram" xmlns:a="http://schemas.openxmlformats.org/drawingml/2006/main" uniqueId="urn:microsoft.com/office/officeart/2005/8/colors/accent1_2#3">
   <dgm:title val=""/>
   <dgm:desc val=""/>
   <dgm:catLst>
@@ -2377,7 +2377,7 @@
 <dgm:dataModel xmlns:dgm="http://schemas.openxmlformats.org/drawingml/2006/diagram" xmlns:a="http://schemas.openxmlformats.org/drawingml/2006/main">
   <dgm:ptLst>
     <dgm:pt modelId="{F0B78CBC-CBDA-46C9-929E-85199E667CC4}" type="doc">
-      <dgm:prSet loTypeId="urn:microsoft.com/office/officeart/2005/8/layout/list1" loCatId="list" qsTypeId="urn:microsoft.com/office/officeart/2005/8/quickstyle/simple1" qsCatId="simple" csTypeId="urn:microsoft.com/office/officeart/2005/8/colors/accent1_2" csCatId="accent1" phldr="1"/>
+      <dgm:prSet loTypeId="urn:microsoft.com/office/officeart/2005/8/layout/list1#1" loCatId="list" qsTypeId="urn:microsoft.com/office/officeart/2005/8/quickstyle/simple1#1" qsCatId="simple" csTypeId="urn:microsoft.com/office/officeart/2005/8/colors/accent1_2#1" csCatId="accent1" phldr="1"/>
       <dgm:spPr/>
       <dgm:t>
         <a:bodyPr/>
@@ -2402,7 +2402,7 @@
         </a:p>
       </dgm:t>
     </dgm:pt>
-    <dgm:pt modelId="{4FEF3489-B718-4466-8BCE-E7885049A98A}" cxnId="{DBF15D1D-CE46-4F8A-9697-9A49C92FF03E}" type="parTrans">
+    <dgm:pt modelId="{4FEF3489-B718-4466-8BCE-E7885049A98A}" type="parTrans" cxnId="{DBF15D1D-CE46-4F8A-9697-9A49C92FF03E}">
       <dgm:prSet/>
       <dgm:spPr/>
       <dgm:t>
@@ -2413,7 +2413,7 @@
         </a:p>
       </dgm:t>
     </dgm:pt>
-    <dgm:pt modelId="{326212A5-835D-47CE-86C4-D3AFDADF71CC}" cxnId="{DBF15D1D-CE46-4F8A-9697-9A49C92FF03E}" type="sibTrans">
+    <dgm:pt modelId="{326212A5-835D-47CE-86C4-D3AFDADF71CC}" type="sibTrans" cxnId="{DBF15D1D-CE46-4F8A-9697-9A49C92FF03E}">
       <dgm:prSet/>
       <dgm:spPr/>
       <dgm:t>
@@ -2433,13 +2433,25 @@
         <a:p>
           <a:r>
             <a:rPr lang="zh-CN" altLang="en-US" dirty="0" smtClean="0"/>
-            <a:t>提供了物业缴费功能，用户可以通过支付宝缴费</a:t>
+            <a:t>提供了物业缴费功能，用户可以通过</a:t>
           </a:r>
-          <a:endParaRPr lang="zh-CN" altLang="en-US" dirty="0"/>
+          <a:r>
+            <a:rPr lang="zh-CN" altLang="en-US" b="1" dirty="0" smtClean="0">
+              <a:solidFill>
+                <a:schemeClr val="accent1"/>
+              </a:solidFill>
+            </a:rPr>
+            <a:t>支付宝缴费</a:t>
+          </a:r>
+          <a:endParaRPr lang="zh-CN" altLang="en-US" b="1" dirty="0">
+            <a:solidFill>
+              <a:schemeClr val="accent1"/>
+            </a:solidFill>
+          </a:endParaRPr>
         </a:p>
       </dgm:t>
     </dgm:pt>
-    <dgm:pt modelId="{A9B47402-D825-487A-8AB4-AB5E270D37E4}" cxnId="{5CF21F40-3794-4FCC-9DE4-BF95F0903FC7}" type="parTrans">
+    <dgm:pt modelId="{A9B47402-D825-487A-8AB4-AB5E270D37E4}" type="parTrans" cxnId="{5CF21F40-3794-4FCC-9DE4-BF95F0903FC7}">
       <dgm:prSet/>
       <dgm:spPr/>
       <dgm:t>
@@ -2450,7 +2462,7 @@
         </a:p>
       </dgm:t>
     </dgm:pt>
-    <dgm:pt modelId="{B7CA2164-FF6B-432D-89A2-7030BA73E291}" cxnId="{5CF21F40-3794-4FCC-9DE4-BF95F0903FC7}" type="sibTrans">
+    <dgm:pt modelId="{B7CA2164-FF6B-432D-89A2-7030BA73E291}" type="sibTrans" cxnId="{5CF21F40-3794-4FCC-9DE4-BF95F0903FC7}">
       <dgm:prSet/>
       <dgm:spPr/>
       <dgm:t>
@@ -2470,13 +2482,33 @@
         <a:p>
           <a:r>
             <a:rPr lang="zh-CN" altLang="en-US" dirty="0" smtClean="0"/>
-            <a:t>提供了周边优惠功能，用户可以定位自己的位置获取周边优惠商品的信息</a:t>
+            <a:t>提供了周边优惠功能，用户可以定位</a:t>
+          </a:r>
+          <a:r>
+            <a:rPr lang="zh-CN" altLang="en-US" dirty="0" smtClean="0"/>
+            <a:t>自己小区的</a:t>
+          </a:r>
+          <a:r>
+            <a:rPr lang="zh-CN" altLang="en-US" dirty="0" smtClean="0"/>
+            <a:t>位置获取</a:t>
+          </a:r>
+          <a:r>
+            <a:rPr lang="zh-CN" altLang="en-US" b="1" dirty="0" smtClean="0">
+              <a:solidFill>
+                <a:schemeClr val="accent1"/>
+              </a:solidFill>
+            </a:rPr>
+            <a:t>周边优惠商品</a:t>
+          </a:r>
+          <a:r>
+            <a:rPr lang="zh-CN" altLang="en-US" dirty="0" smtClean="0"/>
+            <a:t>的信息</a:t>
           </a:r>
           <a:endParaRPr lang="zh-CN" altLang="en-US" dirty="0"/>
         </a:p>
       </dgm:t>
     </dgm:pt>
-    <dgm:pt modelId="{670A63E7-4ED3-4C5D-A126-472E8F17C336}" cxnId="{46CCED84-0701-4084-9455-B892096821FF}" type="parTrans">
+    <dgm:pt modelId="{670A63E7-4ED3-4C5D-A126-472E8F17C336}" type="parTrans" cxnId="{46CCED84-0701-4084-9455-B892096821FF}">
       <dgm:prSet/>
       <dgm:spPr/>
       <dgm:t>
@@ -2487,7 +2519,7 @@
         </a:p>
       </dgm:t>
     </dgm:pt>
-    <dgm:pt modelId="{42DE33B3-ED0E-47B8-95BD-5F77AFD0560C}" cxnId="{46CCED84-0701-4084-9455-B892096821FF}" type="sibTrans">
+    <dgm:pt modelId="{42DE33B3-ED0E-47B8-95BD-5F77AFD0560C}" type="sibTrans" cxnId="{46CCED84-0701-4084-9455-B892096821FF}">
       <dgm:prSet/>
       <dgm:spPr/>
       <dgm:t>
@@ -2507,17 +2539,76 @@
         <a:p>
           <a:r>
             <a:rPr lang="zh-CN" altLang="en-US" dirty="0" smtClean="0"/>
-            <a:t>提供了手机端与网页端服务</a:t>
+            <a:t>提供了</a:t>
+          </a:r>
+          <a:r>
+            <a:rPr lang="zh-CN" altLang="en-US" b="1" dirty="0" smtClean="0">
+              <a:solidFill>
+                <a:schemeClr val="accent1"/>
+              </a:solidFill>
+            </a:rPr>
+            <a:t>手机端</a:t>
+          </a:r>
+          <a:r>
+            <a:rPr lang="zh-CN" altLang="en-US" dirty="0" smtClean="0"/>
+            <a:t>与</a:t>
+          </a:r>
+          <a:r>
+            <a:rPr lang="zh-CN" altLang="en-US" b="1" dirty="0" smtClean="0">
+              <a:solidFill>
+                <a:schemeClr val="accent1"/>
+              </a:solidFill>
+            </a:rPr>
+            <a:t>网页端</a:t>
+          </a:r>
+          <a:r>
+            <a:rPr lang="zh-CN" altLang="en-US" dirty="0" smtClean="0"/>
+            <a:t>服务</a:t>
           </a:r>
           <a:endParaRPr lang="zh-CN" altLang="en-US" dirty="0"/>
         </a:p>
       </dgm:t>
     </dgm:pt>
-    <dgm:pt modelId="{DB2FEE19-DCA9-435B-92DE-4BA79F5F9E83}" cxnId="{9E31F825-80A6-45F7-A0D9-78E3BA861CD6}" type="parTrans">
+    <dgm:pt modelId="{DB2FEE19-DCA9-435B-92DE-4BA79F5F9E83}" type="parTrans" cxnId="{9E31F825-80A6-45F7-A0D9-78E3BA861CD6}">
       <dgm:prSet/>
       <dgm:spPr/>
     </dgm:pt>
-    <dgm:pt modelId="{F670A5B6-194E-4661-BFD6-79E2F51DAD18}" cxnId="{9E31F825-80A6-45F7-A0D9-78E3BA861CD6}" type="sibTrans">
+    <dgm:pt modelId="{F670A5B6-194E-4661-BFD6-79E2F51DAD18}" type="sibTrans" cxnId="{9E31F825-80A6-45F7-A0D9-78E3BA861CD6}">
+      <dgm:prSet/>
+      <dgm:spPr/>
+    </dgm:pt>
+    <dgm:pt modelId="{F732F1E1-DE27-4801-BB64-5A8E5B8D54CE}">
+      <dgm:prSet phldrT="[文本]"/>
+      <dgm:spPr/>
+      <dgm:t>
+        <a:bodyPr/>
+        <a:lstStyle/>
+        <a:p>
+          <a:r>
+            <a:rPr lang="zh-CN" altLang="en-US" dirty="0" smtClean="0"/>
+            <a:t>提供了帖子</a:t>
+          </a:r>
+          <a:r>
+            <a:rPr lang="zh-CN" altLang="en-US" b="1" dirty="0" smtClean="0">
+              <a:solidFill>
+                <a:schemeClr val="accent1"/>
+              </a:solidFill>
+            </a:rPr>
+            <a:t>热门标签</a:t>
+          </a:r>
+          <a:r>
+            <a:rPr lang="zh-CN" altLang="en-US" dirty="0" smtClean="0"/>
+            <a:t>，方便用户获取小区最新热点话题</a:t>
+          </a:r>
+          <a:endParaRPr lang="zh-CN" altLang="en-US" dirty="0"/>
+        </a:p>
+      </dgm:t>
+    </dgm:pt>
+    <dgm:pt modelId="{14752EEA-4E8A-430F-8A52-C91EB1CE1566}" type="parTrans" cxnId="{F5C800E3-2494-491A-B88B-421C5E2D477E}">
+      <dgm:prSet/>
+      <dgm:spPr/>
+    </dgm:pt>
+    <dgm:pt modelId="{4F928D56-5AC5-4E03-BBC2-40853BEE02F3}" type="sibTrans" cxnId="{F5C800E3-2494-491A-B88B-421C5E2D477E}">
       <dgm:prSet/>
       <dgm:spPr/>
     </dgm:pt>
@@ -2543,7 +2634,7 @@
       <dgm:spPr/>
     </dgm:pt>
     <dgm:pt modelId="{49D4B14C-BC5E-4E30-9E57-C9556B2181F7}" type="pres">
-      <dgm:prSet presAssocID="{533ECE33-4BF9-4660-96E2-2A50AF5200D4}" presName="parentLeftMargin" presStyleCnt="0"/>
+      <dgm:prSet presAssocID="{533ECE33-4BF9-4660-96E2-2A50AF5200D4}" presName="parentLeftMargin" presStyleLbl="node1" presStyleIdx="0" presStyleCnt="1"/>
       <dgm:spPr/>
       <dgm:t>
         <a:bodyPr/>
@@ -2590,27 +2681,29 @@
     </dgm:pt>
   </dgm:ptLst>
   <dgm:cxnLst>
+    <dgm:cxn modelId="{8CC7A369-6D0E-46A0-900E-16AA9AD05577}" type="presOf" srcId="{F732F1E1-DE27-4801-BB64-5A8E5B8D54CE}" destId="{D6C023B1-4119-4CE8-963E-7A50604B78B9}" srcOrd="0" destOrd="3" presId="urn:microsoft.com/office/officeart/2005/8/layout/list1#1"/>
+    <dgm:cxn modelId="{723A8707-6141-4D5D-9F76-97CE90A381F5}" type="presOf" srcId="{EC978B6F-28FC-47FE-B2BF-57104FB5CD1F}" destId="{D6C023B1-4119-4CE8-963E-7A50604B78B9}" srcOrd="0" destOrd="2" presId="urn:microsoft.com/office/officeart/2005/8/layout/list1#1"/>
+    <dgm:cxn modelId="{5C2F9526-A352-48B4-917C-679F9D7494B9}" type="presOf" srcId="{69A262E9-670A-4C64-A6B9-24E824317AF0}" destId="{D6C023B1-4119-4CE8-963E-7A50604B78B9}" srcOrd="0" destOrd="0" presId="urn:microsoft.com/office/officeart/2005/8/layout/list1#1"/>
+    <dgm:cxn modelId="{5CF21F40-3794-4FCC-9DE4-BF95F0903FC7}" srcId="{533ECE33-4BF9-4660-96E2-2A50AF5200D4}" destId="{69A262E9-670A-4C64-A6B9-24E824317AF0}" srcOrd="0" destOrd="0" parTransId="{A9B47402-D825-487A-8AB4-AB5E270D37E4}" sibTransId="{B7CA2164-FF6B-432D-89A2-7030BA73E291}"/>
+    <dgm:cxn modelId="{EB51FE58-D9ED-41C0-8B64-1F9F4CA1EE5A}" type="presOf" srcId="{533ECE33-4BF9-4660-96E2-2A50AF5200D4}" destId="{49D4B14C-BC5E-4E30-9E57-C9556B2181F7}" srcOrd="0" destOrd="0" presId="urn:microsoft.com/office/officeart/2005/8/layout/list1#1"/>
+    <dgm:cxn modelId="{B772B637-6072-4C3F-9A0B-5A85F2715946}" type="presOf" srcId="{F0B78CBC-CBDA-46C9-929E-85199E667CC4}" destId="{ECFE74ED-7105-4194-8680-BB25A1E49CFB}" srcOrd="0" destOrd="0" presId="urn:microsoft.com/office/officeart/2005/8/layout/list1#1"/>
+    <dgm:cxn modelId="{9E31F825-80A6-45F7-A0D9-78E3BA861CD6}" srcId="{533ECE33-4BF9-4660-96E2-2A50AF5200D4}" destId="{EC978B6F-28FC-47FE-B2BF-57104FB5CD1F}" srcOrd="2" destOrd="0" parTransId="{DB2FEE19-DCA9-435B-92DE-4BA79F5F9E83}" sibTransId="{F670A5B6-194E-4661-BFD6-79E2F51DAD18}"/>
+    <dgm:cxn modelId="{46CCED84-0701-4084-9455-B892096821FF}" srcId="{533ECE33-4BF9-4660-96E2-2A50AF5200D4}" destId="{DAEB6F84-7DA0-4FE4-89DD-662120E27507}" srcOrd="1" destOrd="0" parTransId="{670A63E7-4ED3-4C5D-A126-472E8F17C336}" sibTransId="{42DE33B3-ED0E-47B8-95BD-5F77AFD0560C}"/>
+    <dgm:cxn modelId="{15B6411F-5EF5-4973-84F9-C5D40B17B600}" type="presOf" srcId="{533ECE33-4BF9-4660-96E2-2A50AF5200D4}" destId="{0906846D-B162-433A-97D0-D4044DEE67CF}" srcOrd="1" destOrd="0" presId="urn:microsoft.com/office/officeart/2005/8/layout/list1#1"/>
+    <dgm:cxn modelId="{F5C800E3-2494-491A-B88B-421C5E2D477E}" srcId="{533ECE33-4BF9-4660-96E2-2A50AF5200D4}" destId="{F732F1E1-DE27-4801-BB64-5A8E5B8D54CE}" srcOrd="3" destOrd="0" parTransId="{14752EEA-4E8A-430F-8A52-C91EB1CE1566}" sibTransId="{4F928D56-5AC5-4E03-BBC2-40853BEE02F3}"/>
     <dgm:cxn modelId="{DBF15D1D-CE46-4F8A-9697-9A49C92FF03E}" srcId="{F0B78CBC-CBDA-46C9-929E-85199E667CC4}" destId="{533ECE33-4BF9-4660-96E2-2A50AF5200D4}" srcOrd="0" destOrd="0" parTransId="{4FEF3489-B718-4466-8BCE-E7885049A98A}" sibTransId="{326212A5-835D-47CE-86C4-D3AFDADF71CC}"/>
-    <dgm:cxn modelId="{5CF21F40-3794-4FCC-9DE4-BF95F0903FC7}" srcId="{533ECE33-4BF9-4660-96E2-2A50AF5200D4}" destId="{69A262E9-670A-4C64-A6B9-24E824317AF0}" srcOrd="0" destOrd="0" parTransId="{A9B47402-D825-487A-8AB4-AB5E270D37E4}" sibTransId="{B7CA2164-FF6B-432D-89A2-7030BA73E291}"/>
-    <dgm:cxn modelId="{46CCED84-0701-4084-9455-B892096821FF}" srcId="{533ECE33-4BF9-4660-96E2-2A50AF5200D4}" destId="{DAEB6F84-7DA0-4FE4-89DD-662120E27507}" srcOrd="1" destOrd="0" parTransId="{670A63E7-4ED3-4C5D-A126-472E8F17C336}" sibTransId="{42DE33B3-ED0E-47B8-95BD-5F77AFD0560C}"/>
-    <dgm:cxn modelId="{9E31F825-80A6-45F7-A0D9-78E3BA861CD6}" srcId="{533ECE33-4BF9-4660-96E2-2A50AF5200D4}" destId="{EC978B6F-28FC-47FE-B2BF-57104FB5CD1F}" srcOrd="2" destOrd="0" parTransId="{DB2FEE19-DCA9-435B-92DE-4BA79F5F9E83}" sibTransId="{F670A5B6-194E-4661-BFD6-79E2F51DAD18}"/>
-    <dgm:cxn modelId="{B772B637-6072-4C3F-9A0B-5A85F2715946}" type="presOf" srcId="{F0B78CBC-CBDA-46C9-929E-85199E667CC4}" destId="{ECFE74ED-7105-4194-8680-BB25A1E49CFB}" srcOrd="0" destOrd="0" presId="urn:microsoft.com/office/officeart/2005/8/layout/list1"/>
-    <dgm:cxn modelId="{C340C5ED-B002-4322-ACB8-8BA81575E42C}" type="presParOf" srcId="{ECFE74ED-7105-4194-8680-BB25A1E49CFB}" destId="{E0399E63-F9C0-4F4D-86DA-9C872C2ED36C}" srcOrd="0" destOrd="0" presId="urn:microsoft.com/office/officeart/2005/8/layout/list1"/>
-    <dgm:cxn modelId="{7BA31D66-0559-440D-B6F1-DFB5284570F4}" type="presParOf" srcId="{E0399E63-F9C0-4F4D-86DA-9C872C2ED36C}" destId="{49D4B14C-BC5E-4E30-9E57-C9556B2181F7}" srcOrd="0" destOrd="0" presId="urn:microsoft.com/office/officeart/2005/8/layout/list1"/>
-    <dgm:cxn modelId="{EB51FE58-D9ED-41C0-8B64-1F9F4CA1EE5A}" type="presOf" srcId="{533ECE33-4BF9-4660-96E2-2A50AF5200D4}" destId="{49D4B14C-BC5E-4E30-9E57-C9556B2181F7}" srcOrd="0" destOrd="0" presId="urn:microsoft.com/office/officeart/2005/8/layout/list1"/>
-    <dgm:cxn modelId="{7C4408BA-90F1-4FA5-8C42-53D50F29F483}" type="presParOf" srcId="{E0399E63-F9C0-4F4D-86DA-9C872C2ED36C}" destId="{0906846D-B162-433A-97D0-D4044DEE67CF}" srcOrd="1" destOrd="0" presId="urn:microsoft.com/office/officeart/2005/8/layout/list1"/>
-    <dgm:cxn modelId="{15B6411F-5EF5-4973-84F9-C5D40B17B600}" type="presOf" srcId="{533ECE33-4BF9-4660-96E2-2A50AF5200D4}" destId="{0906846D-B162-433A-97D0-D4044DEE67CF}" srcOrd="0" destOrd="0" presId="urn:microsoft.com/office/officeart/2005/8/layout/list1"/>
-    <dgm:cxn modelId="{DB9A9D46-6275-4521-889C-9C62FFD5F790}" type="presParOf" srcId="{ECFE74ED-7105-4194-8680-BB25A1E49CFB}" destId="{7902C4EE-2391-4E89-9FB5-4D5F9B8850AB}" srcOrd="1" destOrd="0" presId="urn:microsoft.com/office/officeart/2005/8/layout/list1"/>
-    <dgm:cxn modelId="{F1961EA1-0A7E-4362-BC23-88B9E5BD495B}" type="presParOf" srcId="{ECFE74ED-7105-4194-8680-BB25A1E49CFB}" destId="{D6C023B1-4119-4CE8-963E-7A50604B78B9}" srcOrd="2" destOrd="0" presId="urn:microsoft.com/office/officeart/2005/8/layout/list1"/>
-    <dgm:cxn modelId="{5C2F9526-A352-48B4-917C-679F9D7494B9}" type="presOf" srcId="{69A262E9-670A-4C64-A6B9-24E824317AF0}" destId="{D6C023B1-4119-4CE8-963E-7A50604B78B9}" srcOrd="0" destOrd="0" presId="urn:microsoft.com/office/officeart/2005/8/layout/list1"/>
-    <dgm:cxn modelId="{0185FD80-BFBF-4C8E-A577-230F9743016B}" type="presOf" srcId="{DAEB6F84-7DA0-4FE4-89DD-662120E27507}" destId="{D6C023B1-4119-4CE8-963E-7A50604B78B9}" srcOrd="0" destOrd="1" presId="urn:microsoft.com/office/officeart/2005/8/layout/list1"/>
-    <dgm:cxn modelId="{723A8707-6141-4D5D-9F76-97CE90A381F5}" type="presOf" srcId="{EC978B6F-28FC-47FE-B2BF-57104FB5CD1F}" destId="{D6C023B1-4119-4CE8-963E-7A50604B78B9}" srcOrd="0" destOrd="2" presId="urn:microsoft.com/office/officeart/2005/8/layout/list1"/>
+    <dgm:cxn modelId="{0185FD80-BFBF-4C8E-A577-230F9743016B}" type="presOf" srcId="{DAEB6F84-7DA0-4FE4-89DD-662120E27507}" destId="{D6C023B1-4119-4CE8-963E-7A50604B78B9}" srcOrd="0" destOrd="1" presId="urn:microsoft.com/office/officeart/2005/8/layout/list1#1"/>
+    <dgm:cxn modelId="{C340C5ED-B002-4322-ACB8-8BA81575E42C}" type="presParOf" srcId="{ECFE74ED-7105-4194-8680-BB25A1E49CFB}" destId="{E0399E63-F9C0-4F4D-86DA-9C872C2ED36C}" srcOrd="0" destOrd="0" presId="urn:microsoft.com/office/officeart/2005/8/layout/list1#1"/>
+    <dgm:cxn modelId="{7BA31D66-0559-440D-B6F1-DFB5284570F4}" type="presParOf" srcId="{E0399E63-F9C0-4F4D-86DA-9C872C2ED36C}" destId="{49D4B14C-BC5E-4E30-9E57-C9556B2181F7}" srcOrd="0" destOrd="0" presId="urn:microsoft.com/office/officeart/2005/8/layout/list1#1"/>
+    <dgm:cxn modelId="{7C4408BA-90F1-4FA5-8C42-53D50F29F483}" type="presParOf" srcId="{E0399E63-F9C0-4F4D-86DA-9C872C2ED36C}" destId="{0906846D-B162-433A-97D0-D4044DEE67CF}" srcOrd="1" destOrd="0" presId="urn:microsoft.com/office/officeart/2005/8/layout/list1#1"/>
+    <dgm:cxn modelId="{DB9A9D46-6275-4521-889C-9C62FFD5F790}" type="presParOf" srcId="{ECFE74ED-7105-4194-8680-BB25A1E49CFB}" destId="{7902C4EE-2391-4E89-9FB5-4D5F9B8850AB}" srcOrd="1" destOrd="0" presId="urn:microsoft.com/office/officeart/2005/8/layout/list1#1"/>
+    <dgm:cxn modelId="{F1961EA1-0A7E-4362-BC23-88B9E5BD495B}" type="presParOf" srcId="{ECFE74ED-7105-4194-8680-BB25A1E49CFB}" destId="{D6C023B1-4119-4CE8-963E-7A50604B78B9}" srcOrd="2" destOrd="0" presId="urn:microsoft.com/office/officeart/2005/8/layout/list1#1"/>
   </dgm:cxnLst>
   <dgm:bg/>
   <dgm:whole/>
   <dgm:extLst>
     <a:ext uri="http://schemas.microsoft.com/office/drawing/2008/diagram">
-      <dsp:dataModelExt xmlns:dsp="http://schemas.microsoft.com/office/drawing/2008/diagram" relId="rId5" minVer="http://schemas.openxmlformats.org/drawingml/2006/diagram"/>
+      <dsp:dataModelExt xmlns:dsp="http://schemas.microsoft.com/office/drawing/2008/diagram" xmlns="" relId="rId6" minVer="http://schemas.openxmlformats.org/drawingml/2006/diagram"/>
     </a:ext>
   </dgm:extLst>
 </dgm:dataModel>
@@ -2620,7 +2713,7 @@
 <dgm:dataModel xmlns:dgm="http://schemas.openxmlformats.org/drawingml/2006/diagram" xmlns:a="http://schemas.openxmlformats.org/drawingml/2006/main">
   <dgm:ptLst>
     <dgm:pt modelId="{F0B78CBC-CBDA-46C9-929E-85199E667CC4}" type="doc">
-      <dgm:prSet loTypeId="urn:microsoft.com/office/officeart/2005/8/layout/list1" loCatId="list" qsTypeId="urn:microsoft.com/office/officeart/2005/8/quickstyle/simple1" qsCatId="simple" csTypeId="urn:microsoft.com/office/officeart/2005/8/colors/accent1_2" csCatId="accent1" phldr="1"/>
+      <dgm:prSet loTypeId="urn:microsoft.com/office/officeart/2005/8/layout/list1#2" loCatId="list" qsTypeId="urn:microsoft.com/office/officeart/2005/8/quickstyle/simple1#2" qsCatId="simple" csTypeId="urn:microsoft.com/office/officeart/2005/8/colors/accent1_2#2" csCatId="accent1" phldr="1"/>
       <dgm:spPr/>
       <dgm:t>
         <a:bodyPr/>
@@ -2631,21 +2724,21 @@
       </dgm:t>
     </dgm:pt>
     <dgm:pt modelId="{EF5D9244-B2EE-4C29-8F47-5D3CE0ACF1A7}">
-      <dgm:prSet phldrT="[文本]"/>
+      <dgm:prSet phldrT="[文本]" custT="1"/>
       <dgm:spPr/>
       <dgm:t>
         <a:bodyPr/>
         <a:lstStyle/>
         <a:p>
           <a:r>
-            <a:rPr lang="zh-CN" altLang="en-US" dirty="0" smtClean="0"/>
+            <a:rPr lang="zh-CN" altLang="en-US" sz="2500" dirty="0" smtClean="0"/>
             <a:t>对于管理员</a:t>
           </a:r>
-          <a:endParaRPr lang="zh-CN" altLang="en-US" dirty="0"/>
+          <a:endParaRPr lang="zh-CN" altLang="en-US" sz="2500" dirty="0"/>
         </a:p>
       </dgm:t>
     </dgm:pt>
-    <dgm:pt modelId="{B5438507-6D71-43E6-B28B-BEF08BD1AF2A}" cxnId="{8A1C2F5B-876A-4C5B-82C1-268014ACD3AE}" type="parTrans">
+    <dgm:pt modelId="{B5438507-6D71-43E6-B28B-BEF08BD1AF2A}" type="parTrans" cxnId="{8A1C2F5B-876A-4C5B-82C1-268014ACD3AE}">
       <dgm:prSet/>
       <dgm:spPr/>
       <dgm:t>
@@ -2656,7 +2749,7 @@
         </a:p>
       </dgm:t>
     </dgm:pt>
-    <dgm:pt modelId="{50668C4E-E5B8-4D35-BFBA-84AC5EA6E4C4}" cxnId="{8A1C2F5B-876A-4C5B-82C1-268014ACD3AE}" type="sibTrans">
+    <dgm:pt modelId="{50668C4E-E5B8-4D35-BFBA-84AC5EA6E4C4}" type="sibTrans" cxnId="{8A1C2F5B-876A-4C5B-82C1-268014ACD3AE}">
       <dgm:prSet/>
       <dgm:spPr/>
       <dgm:t>
@@ -2668,21 +2761,45 @@
       </dgm:t>
     </dgm:pt>
     <dgm:pt modelId="{E95A0273-E642-4127-B438-45D95C69FDCC}">
-      <dgm:prSet phldrT="[文本]"/>
+      <dgm:prSet phldrT="[文本]" custT="1"/>
       <dgm:spPr/>
       <dgm:t>
         <a:bodyPr/>
         <a:lstStyle/>
         <a:p>
           <a:r>
-            <a:rPr lang="zh-CN" altLang="en-US" dirty="0" smtClean="0"/>
-            <a:t>提供物业通知功能，可以群发或者指定用户发送通知</a:t>
+            <a:rPr lang="zh-CN" altLang="en-US" sz="2500" dirty="0" smtClean="0"/>
+            <a:t>提供物业通知功能，可以</a:t>
           </a:r>
-          <a:endParaRPr lang="zh-CN" altLang="en-US" dirty="0"/>
+          <a:r>
+            <a:rPr lang="zh-CN" altLang="en-US" sz="2500" b="1" dirty="0" smtClean="0">
+              <a:solidFill>
+                <a:schemeClr val="accent1"/>
+              </a:solidFill>
+            </a:rPr>
+            <a:t>群</a:t>
+          </a:r>
+          <a:r>
+            <a:rPr lang="zh-CN" altLang="en-US" sz="2500" b="1" dirty="0" smtClean="0">
+              <a:solidFill>
+                <a:schemeClr val="accent1"/>
+              </a:solidFill>
+            </a:rPr>
+            <a:t>发通知</a:t>
+          </a:r>
+          <a:r>
+            <a:rPr lang="zh-CN" altLang="en-US" sz="2500" dirty="0" smtClean="0"/>
+            <a:t>或者</a:t>
+          </a:r>
+          <a:r>
+            <a:rPr lang="zh-CN" altLang="en-US" sz="2500" dirty="0" smtClean="0"/>
+            <a:t>指定用户发送通知</a:t>
+          </a:r>
+          <a:endParaRPr lang="zh-CN" altLang="en-US" sz="2500" dirty="0"/>
         </a:p>
       </dgm:t>
     </dgm:pt>
-    <dgm:pt modelId="{A29485EC-6F7A-48CD-88A5-0EED59B9EE4E}" cxnId="{12F6F898-B0CF-4058-9F57-348400FCF531}" type="parTrans">
+    <dgm:pt modelId="{A29485EC-6F7A-48CD-88A5-0EED59B9EE4E}" type="parTrans" cxnId="{12F6F898-B0CF-4058-9F57-348400FCF531}">
       <dgm:prSet/>
       <dgm:spPr/>
       <dgm:t>
@@ -2693,7 +2810,7 @@
         </a:p>
       </dgm:t>
     </dgm:pt>
-    <dgm:pt modelId="{7C0A3567-4947-4BF0-B38A-DB850C15DA21}" cxnId="{12F6F898-B0CF-4058-9F57-348400FCF531}" type="sibTrans">
+    <dgm:pt modelId="{7C0A3567-4947-4BF0-B38A-DB850C15DA21}" type="sibTrans" cxnId="{12F6F898-B0CF-4058-9F57-348400FCF531}">
       <dgm:prSet/>
       <dgm:spPr/>
       <dgm:t>
@@ -2705,21 +2822,53 @@
       </dgm:t>
     </dgm:pt>
     <dgm:pt modelId="{073E84FE-B18B-4D22-AF7B-4B184FDAA9BA}">
-      <dgm:prSet phldrT="[文本]"/>
+      <dgm:prSet phldrT="[文本]" custT="1"/>
       <dgm:spPr/>
       <dgm:t>
         <a:bodyPr/>
         <a:lstStyle/>
         <a:p>
           <a:r>
-            <a:rPr lang="zh-CN" altLang="en-US" dirty="0" smtClean="0"/>
-            <a:t>提供缴费功能，可以发送账单给用户便捷收款</a:t>
+            <a:rPr lang="zh-CN" altLang="en-US" sz="2500" dirty="0" smtClean="0"/>
+            <a:t>提供缴费功能，</a:t>
           </a:r>
-          <a:endParaRPr lang="zh-CN" altLang="en-US" dirty="0"/>
+          <a:r>
+            <a:rPr lang="zh-CN" altLang="en-US" sz="2500" dirty="0" smtClean="0"/>
+            <a:t>可以</a:t>
+          </a:r>
+          <a:r>
+            <a:rPr lang="zh-CN" altLang="en-US" sz="2500" b="1" dirty="0" smtClean="0">
+              <a:solidFill>
+                <a:schemeClr val="accent1"/>
+              </a:solidFill>
+            </a:rPr>
+            <a:t>一键生成</a:t>
+          </a:r>
+          <a:r>
+            <a:rPr lang="zh-CN" altLang="en-US" sz="2500" b="0" dirty="0" smtClean="0">
+              <a:solidFill>
+                <a:schemeClr val="tx1"/>
+              </a:solidFill>
+            </a:rPr>
+            <a:t>物业费或者停车费</a:t>
+          </a:r>
+          <a:r>
+            <a:rPr lang="zh-CN" altLang="en-US" sz="2500" b="1" dirty="0" smtClean="0">
+              <a:solidFill>
+                <a:schemeClr val="accent1"/>
+              </a:solidFill>
+            </a:rPr>
+            <a:t>账单</a:t>
+          </a:r>
+          <a:endParaRPr lang="zh-CN" altLang="en-US" sz="2500" b="1" dirty="0">
+            <a:solidFill>
+              <a:schemeClr val="accent1"/>
+            </a:solidFill>
+          </a:endParaRPr>
         </a:p>
       </dgm:t>
     </dgm:pt>
-    <dgm:pt modelId="{DBCDC834-68C5-4986-9853-F1C27B73FB99}" cxnId="{09AF6468-5DA2-4051-BC13-768B2338AFB7}" type="parTrans">
+    <dgm:pt modelId="{DBCDC834-68C5-4986-9853-F1C27B73FB99}" type="parTrans" cxnId="{09AF6468-5DA2-4051-BC13-768B2338AFB7}">
       <dgm:prSet/>
       <dgm:spPr/>
       <dgm:t>
@@ -2730,7 +2879,7 @@
         </a:p>
       </dgm:t>
     </dgm:pt>
-    <dgm:pt modelId="{19C117B7-F6C6-4791-9846-CE39A7B77D25}" cxnId="{09AF6468-5DA2-4051-BC13-768B2338AFB7}" type="sibTrans">
+    <dgm:pt modelId="{19C117B7-F6C6-4791-9846-CE39A7B77D25}" type="sibTrans" cxnId="{09AF6468-5DA2-4051-BC13-768B2338AFB7}">
       <dgm:prSet/>
       <dgm:spPr/>
       <dgm:t>
@@ -2742,27 +2891,41 @@
       </dgm:t>
     </dgm:pt>
     <dgm:pt modelId="{34CD2C85-DB83-4020-9BEC-27A32672144C}">
-      <dgm:prSet phldrT="[文本]"/>
+      <dgm:prSet phldrT="[文本]" custT="1"/>
       <dgm:spPr/>
       <dgm:t>
         <a:bodyPr/>
         <a:lstStyle/>
         <a:p>
           <a:r>
-            <a:rPr lang="zh-CN" altLang="en-US" dirty="0" smtClean="0"/>
+            <a:rPr lang="zh-CN" altLang="en-US" sz="2500" dirty="0" smtClean="0"/>
             <a:t>提供生活服务功能，管理员可以直接收到用户的维修请求</a:t>
           </a:r>
-          <a:endParaRPr lang="zh-CN" altLang="en-US" dirty="0"/>
+          <a:endParaRPr lang="zh-CN" altLang="en-US" sz="2500" dirty="0"/>
         </a:p>
       </dgm:t>
     </dgm:pt>
-    <dgm:pt modelId="{72975D31-9FBF-48D9-9A51-39D189D520A8}" cxnId="{788FC277-943A-4EF7-9D3A-28490CD2A5D4}" type="parTrans">
+    <dgm:pt modelId="{72975D31-9FBF-48D9-9A51-39D189D520A8}" type="parTrans" cxnId="{788FC277-943A-4EF7-9D3A-28490CD2A5D4}">
       <dgm:prSet/>
       <dgm:spPr/>
+      <dgm:t>
+        <a:bodyPr/>
+        <a:lstStyle/>
+        <a:p>
+          <a:endParaRPr lang="zh-CN" altLang="en-US"/>
+        </a:p>
+      </dgm:t>
     </dgm:pt>
-    <dgm:pt modelId="{9DB1CD19-C81C-408F-A8D5-402F47A7C8E3}" cxnId="{788FC277-943A-4EF7-9D3A-28490CD2A5D4}" type="sibTrans">
+    <dgm:pt modelId="{9DB1CD19-C81C-408F-A8D5-402F47A7C8E3}" type="sibTrans" cxnId="{788FC277-943A-4EF7-9D3A-28490CD2A5D4}">
       <dgm:prSet/>
       <dgm:spPr/>
+      <dgm:t>
+        <a:bodyPr/>
+        <a:lstStyle/>
+        <a:p>
+          <a:endParaRPr lang="zh-CN" altLang="en-US"/>
+        </a:p>
+      </dgm:t>
     </dgm:pt>
     <dgm:pt modelId="{ECFE74ED-7105-4194-8680-BB25A1E49CFB}" type="pres">
       <dgm:prSet presAssocID="{F0B78CBC-CBDA-46C9-929E-85199E667CC4}" presName="linear" presStyleCnt="0">
@@ -2786,7 +2949,7 @@
       <dgm:spPr/>
     </dgm:pt>
     <dgm:pt modelId="{C520F909-4BA8-412B-9792-9EBD8ED39BFE}" type="pres">
-      <dgm:prSet presAssocID="{EF5D9244-B2EE-4C29-8F47-5D3CE0ACF1A7}" presName="parentLeftMargin" presStyleCnt="0"/>
+      <dgm:prSet presAssocID="{EF5D9244-B2EE-4C29-8F47-5D3CE0ACF1A7}" presName="parentLeftMargin" presStyleLbl="node1" presStyleIdx="0" presStyleCnt="1"/>
       <dgm:spPr/>
       <dgm:t>
         <a:bodyPr/>
@@ -2797,7 +2960,7 @@
       </dgm:t>
     </dgm:pt>
     <dgm:pt modelId="{C6732B46-C6AA-48F3-A0C4-4ACA7A63178C}" type="pres">
-      <dgm:prSet presAssocID="{EF5D9244-B2EE-4C29-8F47-5D3CE0ACF1A7}" presName="parentText" presStyleLbl="node1" presStyleIdx="0" presStyleCnt="1">
+      <dgm:prSet presAssocID="{EF5D9244-B2EE-4C29-8F47-5D3CE0ACF1A7}" presName="parentText" presStyleLbl="node1" presStyleIdx="0" presStyleCnt="1" custScaleX="97002" custScaleY="28778" custLinFactNeighborX="-17773" custLinFactNeighborY="-24713">
         <dgm:presLayoutVars>
           <dgm:chMax val="0"/>
           <dgm:bulletEnabled val="1"/>
@@ -2817,7 +2980,7 @@
       <dgm:spPr/>
     </dgm:pt>
     <dgm:pt modelId="{35B04919-E45A-445B-8E33-878B767387DD}" type="pres">
-      <dgm:prSet presAssocID="{EF5D9244-B2EE-4C29-8F47-5D3CE0ACF1A7}" presName="childText" presStyleLbl="conFgAcc1" presStyleIdx="0" presStyleCnt="1">
+      <dgm:prSet presAssocID="{EF5D9244-B2EE-4C29-8F47-5D3CE0ACF1A7}" presName="childText" presStyleLbl="conFgAcc1" presStyleIdx="0" presStyleCnt="1" custScaleY="84526" custLinFactNeighborX="-127" custLinFactNeighborY="44676">
         <dgm:presLayoutVars>
           <dgm:bulletEnabled val="1"/>
         </dgm:presLayoutVars>
@@ -2833,27 +2996,27 @@
     </dgm:pt>
   </dgm:ptLst>
   <dgm:cxnLst>
+    <dgm:cxn modelId="{E8A4F174-1B84-412E-A2A3-21431B69E8A0}" type="presOf" srcId="{073E84FE-B18B-4D22-AF7B-4B184FDAA9BA}" destId="{35B04919-E45A-445B-8E33-878B767387DD}" srcOrd="0" destOrd="1" presId="urn:microsoft.com/office/officeart/2005/8/layout/list1#2"/>
     <dgm:cxn modelId="{8A1C2F5B-876A-4C5B-82C1-268014ACD3AE}" srcId="{F0B78CBC-CBDA-46C9-929E-85199E667CC4}" destId="{EF5D9244-B2EE-4C29-8F47-5D3CE0ACF1A7}" srcOrd="0" destOrd="0" parTransId="{B5438507-6D71-43E6-B28B-BEF08BD1AF2A}" sibTransId="{50668C4E-E5B8-4D35-BFBA-84AC5EA6E4C4}"/>
+    <dgm:cxn modelId="{AF1FDA77-3270-44EA-A0F7-22B11A62F7C2}" type="presOf" srcId="{EF5D9244-B2EE-4C29-8F47-5D3CE0ACF1A7}" destId="{C520F909-4BA8-412B-9792-9EBD8ED39BFE}" srcOrd="0" destOrd="0" presId="urn:microsoft.com/office/officeart/2005/8/layout/list1#2"/>
+    <dgm:cxn modelId="{788FC277-943A-4EF7-9D3A-28490CD2A5D4}" srcId="{EF5D9244-B2EE-4C29-8F47-5D3CE0ACF1A7}" destId="{34CD2C85-DB83-4020-9BEC-27A32672144C}" srcOrd="2" destOrd="0" parTransId="{72975D31-9FBF-48D9-9A51-39D189D520A8}" sibTransId="{9DB1CD19-C81C-408F-A8D5-402F47A7C8E3}"/>
     <dgm:cxn modelId="{12F6F898-B0CF-4058-9F57-348400FCF531}" srcId="{EF5D9244-B2EE-4C29-8F47-5D3CE0ACF1A7}" destId="{E95A0273-E642-4127-B438-45D95C69FDCC}" srcOrd="0" destOrd="0" parTransId="{A29485EC-6F7A-48CD-88A5-0EED59B9EE4E}" sibTransId="{7C0A3567-4947-4BF0-B38A-DB850C15DA21}"/>
     <dgm:cxn modelId="{09AF6468-5DA2-4051-BC13-768B2338AFB7}" srcId="{EF5D9244-B2EE-4C29-8F47-5D3CE0ACF1A7}" destId="{073E84FE-B18B-4D22-AF7B-4B184FDAA9BA}" srcOrd="1" destOrd="0" parTransId="{DBCDC834-68C5-4986-9853-F1C27B73FB99}" sibTransId="{19C117B7-F6C6-4791-9846-CE39A7B77D25}"/>
-    <dgm:cxn modelId="{788FC277-943A-4EF7-9D3A-28490CD2A5D4}" srcId="{EF5D9244-B2EE-4C29-8F47-5D3CE0ACF1A7}" destId="{34CD2C85-DB83-4020-9BEC-27A32672144C}" srcOrd="2" destOrd="0" parTransId="{72975D31-9FBF-48D9-9A51-39D189D520A8}" sibTransId="{9DB1CD19-C81C-408F-A8D5-402F47A7C8E3}"/>
-    <dgm:cxn modelId="{C947AB55-63C5-4F96-9FD9-C95579C0D5D4}" type="presOf" srcId="{F0B78CBC-CBDA-46C9-929E-85199E667CC4}" destId="{ECFE74ED-7105-4194-8680-BB25A1E49CFB}" srcOrd="0" destOrd="0" presId="urn:microsoft.com/office/officeart/2005/8/layout/list1"/>
-    <dgm:cxn modelId="{E6204865-E688-439A-BCEE-493F2329142D}" type="presParOf" srcId="{ECFE74ED-7105-4194-8680-BB25A1E49CFB}" destId="{E792893D-E1CB-4BC7-B134-0353B6B98C53}" srcOrd="0" destOrd="0" presId="urn:microsoft.com/office/officeart/2005/8/layout/list1"/>
-    <dgm:cxn modelId="{D3EAF8A4-B0A4-4C77-BDD0-1EAE3E635C0E}" type="presParOf" srcId="{E792893D-E1CB-4BC7-B134-0353B6B98C53}" destId="{C520F909-4BA8-412B-9792-9EBD8ED39BFE}" srcOrd="0" destOrd="0" presId="urn:microsoft.com/office/officeart/2005/8/layout/list1"/>
-    <dgm:cxn modelId="{AF1FDA77-3270-44EA-A0F7-22B11A62F7C2}" type="presOf" srcId="{EF5D9244-B2EE-4C29-8F47-5D3CE0ACF1A7}" destId="{C520F909-4BA8-412B-9792-9EBD8ED39BFE}" srcOrd="0" destOrd="0" presId="urn:microsoft.com/office/officeart/2005/8/layout/list1"/>
-    <dgm:cxn modelId="{3CD2F6F3-3ACA-4F74-8639-90F6F794E12C}" type="presParOf" srcId="{E792893D-E1CB-4BC7-B134-0353B6B98C53}" destId="{C6732B46-C6AA-48F3-A0C4-4ACA7A63178C}" srcOrd="1" destOrd="0" presId="urn:microsoft.com/office/officeart/2005/8/layout/list1"/>
-    <dgm:cxn modelId="{6B9B83D5-FB63-44F0-AACD-4597C8128515}" type="presOf" srcId="{EF5D9244-B2EE-4C29-8F47-5D3CE0ACF1A7}" destId="{C6732B46-C6AA-48F3-A0C4-4ACA7A63178C}" srcOrd="0" destOrd="0" presId="urn:microsoft.com/office/officeart/2005/8/layout/list1"/>
-    <dgm:cxn modelId="{5B3CF2C9-CA4A-4001-B5B7-476D4D8429C2}" type="presParOf" srcId="{ECFE74ED-7105-4194-8680-BB25A1E49CFB}" destId="{FE4DD201-5275-4B4B-A7EE-E67F794AB6BC}" srcOrd="1" destOrd="0" presId="urn:microsoft.com/office/officeart/2005/8/layout/list1"/>
-    <dgm:cxn modelId="{71F7295A-90FD-4C65-8802-2B436F5C1D5F}" type="presParOf" srcId="{ECFE74ED-7105-4194-8680-BB25A1E49CFB}" destId="{35B04919-E45A-445B-8E33-878B767387DD}" srcOrd="2" destOrd="0" presId="urn:microsoft.com/office/officeart/2005/8/layout/list1"/>
-    <dgm:cxn modelId="{E8AE6A21-A9EA-4452-BF78-F0B0F065A2BB}" type="presOf" srcId="{E95A0273-E642-4127-B438-45D95C69FDCC}" destId="{35B04919-E45A-445B-8E33-878B767387DD}" srcOrd="0" destOrd="0" presId="urn:microsoft.com/office/officeart/2005/8/layout/list1"/>
-    <dgm:cxn modelId="{E8A4F174-1B84-412E-A2A3-21431B69E8A0}" type="presOf" srcId="{073E84FE-B18B-4D22-AF7B-4B184FDAA9BA}" destId="{35B04919-E45A-445B-8E33-878B767387DD}" srcOrd="0" destOrd="1" presId="urn:microsoft.com/office/officeart/2005/8/layout/list1"/>
-    <dgm:cxn modelId="{CD35FCDE-CA7F-4260-BC49-42E35AE25CA5}" type="presOf" srcId="{34CD2C85-DB83-4020-9BEC-27A32672144C}" destId="{35B04919-E45A-445B-8E33-878B767387DD}" srcOrd="0" destOrd="2" presId="urn:microsoft.com/office/officeart/2005/8/layout/list1"/>
+    <dgm:cxn modelId="{6B9B83D5-FB63-44F0-AACD-4597C8128515}" type="presOf" srcId="{EF5D9244-B2EE-4C29-8F47-5D3CE0ACF1A7}" destId="{C6732B46-C6AA-48F3-A0C4-4ACA7A63178C}" srcOrd="1" destOrd="0" presId="urn:microsoft.com/office/officeart/2005/8/layout/list1#2"/>
+    <dgm:cxn modelId="{E8AE6A21-A9EA-4452-BF78-F0B0F065A2BB}" type="presOf" srcId="{E95A0273-E642-4127-B438-45D95C69FDCC}" destId="{35B04919-E45A-445B-8E33-878B767387DD}" srcOrd="0" destOrd="0" presId="urn:microsoft.com/office/officeart/2005/8/layout/list1#2"/>
+    <dgm:cxn modelId="{C947AB55-63C5-4F96-9FD9-C95579C0D5D4}" type="presOf" srcId="{F0B78CBC-CBDA-46C9-929E-85199E667CC4}" destId="{ECFE74ED-7105-4194-8680-BB25A1E49CFB}" srcOrd="0" destOrd="0" presId="urn:microsoft.com/office/officeart/2005/8/layout/list1#2"/>
+    <dgm:cxn modelId="{CD35FCDE-CA7F-4260-BC49-42E35AE25CA5}" type="presOf" srcId="{34CD2C85-DB83-4020-9BEC-27A32672144C}" destId="{35B04919-E45A-445B-8E33-878B767387DD}" srcOrd="0" destOrd="2" presId="urn:microsoft.com/office/officeart/2005/8/layout/list1#2"/>
+    <dgm:cxn modelId="{E6204865-E688-439A-BCEE-493F2329142D}" type="presParOf" srcId="{ECFE74ED-7105-4194-8680-BB25A1E49CFB}" destId="{E792893D-E1CB-4BC7-B134-0353B6B98C53}" srcOrd="0" destOrd="0" presId="urn:microsoft.com/office/officeart/2005/8/layout/list1#2"/>
+    <dgm:cxn modelId="{D3EAF8A4-B0A4-4C77-BDD0-1EAE3E635C0E}" type="presParOf" srcId="{E792893D-E1CB-4BC7-B134-0353B6B98C53}" destId="{C520F909-4BA8-412B-9792-9EBD8ED39BFE}" srcOrd="0" destOrd="0" presId="urn:microsoft.com/office/officeart/2005/8/layout/list1#2"/>
+    <dgm:cxn modelId="{3CD2F6F3-3ACA-4F74-8639-90F6F794E12C}" type="presParOf" srcId="{E792893D-E1CB-4BC7-B134-0353B6B98C53}" destId="{C6732B46-C6AA-48F3-A0C4-4ACA7A63178C}" srcOrd="1" destOrd="0" presId="urn:microsoft.com/office/officeart/2005/8/layout/list1#2"/>
+    <dgm:cxn modelId="{5B3CF2C9-CA4A-4001-B5B7-476D4D8429C2}" type="presParOf" srcId="{ECFE74ED-7105-4194-8680-BB25A1E49CFB}" destId="{FE4DD201-5275-4B4B-A7EE-E67F794AB6BC}" srcOrd="1" destOrd="0" presId="urn:microsoft.com/office/officeart/2005/8/layout/list1#2"/>
+    <dgm:cxn modelId="{71F7295A-90FD-4C65-8802-2B436F5C1D5F}" type="presParOf" srcId="{ECFE74ED-7105-4194-8680-BB25A1E49CFB}" destId="{35B04919-E45A-445B-8E33-878B767387DD}" srcOrd="2" destOrd="0" presId="urn:microsoft.com/office/officeart/2005/8/layout/list1#2"/>
   </dgm:cxnLst>
   <dgm:bg/>
   <dgm:whole/>
   <dgm:extLst>
     <a:ext uri="http://schemas.microsoft.com/office/drawing/2008/diagram">
-      <dsp:dataModelExt xmlns:dsp="http://schemas.microsoft.com/office/drawing/2008/diagram" relId="rId5" minVer="http://schemas.openxmlformats.org/drawingml/2006/diagram"/>
+      <dsp:dataModelExt xmlns:dsp="http://schemas.microsoft.com/office/drawing/2008/diagram" xmlns="" relId="rId6" minVer="http://schemas.openxmlformats.org/drawingml/2006/diagram"/>
     </a:ext>
   </dgm:extLst>
 </dgm:dataModel>
@@ -2863,7 +3026,7 @@
 <dgm:dataModel xmlns:dgm="http://schemas.openxmlformats.org/drawingml/2006/diagram" xmlns:a="http://schemas.openxmlformats.org/drawingml/2006/main">
   <dgm:ptLst>
     <dgm:pt modelId="{F0B78CBC-CBDA-46C9-929E-85199E667CC4}" type="doc">
-      <dgm:prSet loTypeId="urn:microsoft.com/office/officeart/2005/8/layout/list1" loCatId="list" qsTypeId="urn:microsoft.com/office/officeart/2005/8/quickstyle/simple1" qsCatId="simple" csTypeId="urn:microsoft.com/office/officeart/2005/8/colors/accent1_2" csCatId="accent1" phldr="1"/>
+      <dgm:prSet loTypeId="urn:microsoft.com/office/officeart/2005/8/layout/list1#3" loCatId="list" qsTypeId="urn:microsoft.com/office/officeart/2005/8/quickstyle/simple1#3" qsCatId="simple" csTypeId="urn:microsoft.com/office/officeart/2005/8/colors/accent1_2#3" csCatId="accent1" phldr="1"/>
       <dgm:spPr/>
       <dgm:t>
         <a:bodyPr/>
@@ -2888,7 +3051,7 @@
         </a:p>
       </dgm:t>
     </dgm:pt>
-    <dgm:pt modelId="{440B81B8-3259-432D-8258-740C81381645}" cxnId="{EF20327B-D60C-4E4D-B2CD-B3A73F2286AF}" type="parTrans">
+    <dgm:pt modelId="{440B81B8-3259-432D-8258-740C81381645}" type="parTrans" cxnId="{EF20327B-D60C-4E4D-B2CD-B3A73F2286AF}">
       <dgm:prSet/>
       <dgm:spPr/>
       <dgm:t>
@@ -2899,7 +3062,7 @@
         </a:p>
       </dgm:t>
     </dgm:pt>
-    <dgm:pt modelId="{D4AEDC7B-67D3-48AA-9EB7-D7E44F698A71}" cxnId="{EF20327B-D60C-4E4D-B2CD-B3A73F2286AF}" type="sibTrans">
+    <dgm:pt modelId="{D4AEDC7B-67D3-48AA-9EB7-D7E44F698A71}" type="sibTrans" cxnId="{EF20327B-D60C-4E4D-B2CD-B3A73F2286AF}">
       <dgm:prSet/>
       <dgm:spPr/>
       <dgm:t>
@@ -2915,6 +3078,7 @@
       <dgm:spPr/>
       <dgm:t>
         <a:bodyPr vert="horz" wrap="square"/>
+        <a:lstStyle/>
         <a:p>
           <a:pPr>
             <a:lnSpc>
@@ -2929,17 +3093,25 @@
           </a:pPr>
           <a:r>
             <a:rPr lang="zh-CN" altLang="en-US" dirty="0" smtClean="0"/>
-            <a:t>提供小区团购功能，商户可以了解居民的团购需求开启团购</a:t>
+            <a:t>提供</a:t>
           </a:r>
           <a:r>
-            <a:rPr lang="zh-CN" altLang="en-US" dirty="0"/>
-            <a:t/>
+            <a:rPr lang="zh-CN" altLang="en-US" b="1" u="none" dirty="0" smtClean="0">
+              <a:solidFill>
+                <a:schemeClr val="accent1"/>
+              </a:solidFill>
+            </a:rPr>
+            <a:t>小区团购</a:t>
+          </a:r>
+          <a:r>
+            <a:rPr lang="zh-CN" altLang="en-US" dirty="0" smtClean="0"/>
+            <a:t>功能，商户可以了解居民的团购需求开启团购</a:t>
           </a:r>
           <a:endParaRPr lang="zh-CN" altLang="en-US" dirty="0"/>
         </a:p>
       </dgm:t>
     </dgm:pt>
-    <dgm:pt modelId="{77C9DB3E-84AC-4159-9575-4A4F4A24329F}" cxnId="{A14EA539-A88F-4E27-B7E4-9316839AC622}" type="parTrans">
+    <dgm:pt modelId="{77C9DB3E-84AC-4159-9575-4A4F4A24329F}" type="parTrans" cxnId="{A14EA539-A88F-4E27-B7E4-9316839AC622}">
       <dgm:prSet/>
       <dgm:spPr/>
       <dgm:t>
@@ -2950,7 +3122,7 @@
         </a:p>
       </dgm:t>
     </dgm:pt>
-    <dgm:pt modelId="{7411D8BA-43A6-42E7-A55A-5D4E8F6763B2}" cxnId="{A14EA539-A88F-4E27-B7E4-9316839AC622}" type="sibTrans">
+    <dgm:pt modelId="{7411D8BA-43A6-42E7-A55A-5D4E8F6763B2}" type="sibTrans" cxnId="{A14EA539-A88F-4E27-B7E4-9316839AC622}">
       <dgm:prSet/>
       <dgm:spPr/>
       <dgm:t>
@@ -2966,6 +3138,7 @@
       <dgm:spPr/>
       <dgm:t>
         <a:bodyPr vert="horz" wrap="square"/>
+        <a:lstStyle/>
         <a:p>
           <a:pPr>
             <a:lnSpc>
@@ -2980,21 +3153,29 @@
           </a:pPr>
           <a:r>
             <a:rPr lang="zh-CN" altLang="en-US" dirty="0" smtClean="0"/>
-            <a:t>提供周边优惠功能，商户可以将优惠信息直接提供给用户</a:t>
+            <a:t>提供</a:t>
           </a:r>
           <a:r>
-            <a:rPr lang="zh-CN" altLang="en-US" dirty="0"/>
-            <a:t/>
+            <a:rPr lang="zh-CN" altLang="en-US" b="1" dirty="0" smtClean="0">
+              <a:solidFill>
+                <a:schemeClr val="accent1"/>
+              </a:solidFill>
+            </a:rPr>
+            <a:t>周边优惠</a:t>
+          </a:r>
+          <a:r>
+            <a:rPr lang="zh-CN" altLang="en-US" dirty="0" smtClean="0"/>
+            <a:t>功能，商户可以将优惠信息直接提供给用户</a:t>
           </a:r>
           <a:endParaRPr lang="zh-CN" altLang="en-US" dirty="0"/>
         </a:p>
       </dgm:t>
     </dgm:pt>
-    <dgm:pt modelId="{AD5E9A67-AA4D-4D5E-AC84-49F2DCE2E2FD}" cxnId="{20E34E7D-EA95-4CBB-9D9E-6AF181B3A0A8}" type="parTrans">
+    <dgm:pt modelId="{AD5E9A67-AA4D-4D5E-AC84-49F2DCE2E2FD}" type="parTrans" cxnId="{20E34E7D-EA95-4CBB-9D9E-6AF181B3A0A8}">
       <dgm:prSet/>
       <dgm:spPr/>
     </dgm:pt>
-    <dgm:pt modelId="{F60583E2-E70E-4B60-BF67-02CEE0740A11}" cxnId="{20E34E7D-EA95-4CBB-9D9E-6AF181B3A0A8}" type="sibTrans">
+    <dgm:pt modelId="{F60583E2-E70E-4B60-BF67-02CEE0740A11}" type="sibTrans" cxnId="{20E34E7D-EA95-4CBB-9D9E-6AF181B3A0A8}">
       <dgm:prSet/>
       <dgm:spPr/>
     </dgm:pt>
@@ -3020,7 +3201,7 @@
       <dgm:spPr/>
     </dgm:pt>
     <dgm:pt modelId="{D974D2DC-BF0E-48C6-8EDA-F113B445A6CF}" type="pres">
-      <dgm:prSet presAssocID="{0D740781-D3B4-4FDF-87D8-686B0140A31D}" presName="parentLeftMargin" presStyleCnt="0"/>
+      <dgm:prSet presAssocID="{0D740781-D3B4-4FDF-87D8-686B0140A31D}" presName="parentLeftMargin" presStyleLbl="node1" presStyleIdx="0" presStyleCnt="1"/>
       <dgm:spPr/>
       <dgm:t>
         <a:bodyPr/>
@@ -3067,25 +3248,25 @@
     </dgm:pt>
   </dgm:ptLst>
   <dgm:cxnLst>
+    <dgm:cxn modelId="{20E34E7D-EA95-4CBB-9D9E-6AF181B3A0A8}" srcId="{0D740781-D3B4-4FDF-87D8-686B0140A31D}" destId="{66E801BD-7662-499C-A662-BED7E417E06F}" srcOrd="1" destOrd="0" parTransId="{AD5E9A67-AA4D-4D5E-AC84-49F2DCE2E2FD}" sibTransId="{F60583E2-E70E-4B60-BF67-02CEE0740A11}"/>
+    <dgm:cxn modelId="{A14EA539-A88F-4E27-B7E4-9316839AC622}" srcId="{0D740781-D3B4-4FDF-87D8-686B0140A31D}" destId="{F2EA260C-E5B1-4EB8-98B8-C73AA82A3830}" srcOrd="0" destOrd="0" parTransId="{77C9DB3E-84AC-4159-9575-4A4F4A24329F}" sibTransId="{7411D8BA-43A6-42E7-A55A-5D4E8F6763B2}"/>
+    <dgm:cxn modelId="{4D4FE060-B5D6-4EB3-8B10-62CE82A09A8F}" type="presOf" srcId="{66E801BD-7662-499C-A662-BED7E417E06F}" destId="{6A001656-CA27-4567-96E8-EF933E971BD3}" srcOrd="0" destOrd="1" presId="urn:microsoft.com/office/officeart/2005/8/layout/list1#3"/>
+    <dgm:cxn modelId="{7D8C8E10-001D-47F1-89BD-052EB9588F84}" type="presOf" srcId="{0D740781-D3B4-4FDF-87D8-686B0140A31D}" destId="{04F6827F-281B-42C5-A9D8-0CB3AAB5A08B}" srcOrd="1" destOrd="0" presId="urn:microsoft.com/office/officeart/2005/8/layout/list1#3"/>
+    <dgm:cxn modelId="{9B31C7F5-49E7-43DB-BE4E-5CF89ED5C58C}" type="presOf" srcId="{F2EA260C-E5B1-4EB8-98B8-C73AA82A3830}" destId="{6A001656-CA27-4567-96E8-EF933E971BD3}" srcOrd="0" destOrd="0" presId="urn:microsoft.com/office/officeart/2005/8/layout/list1#3"/>
+    <dgm:cxn modelId="{34C65CEC-1016-47DE-A28E-259ED1632CD2}" type="presOf" srcId="{F0B78CBC-CBDA-46C9-929E-85199E667CC4}" destId="{ECFE74ED-7105-4194-8680-BB25A1E49CFB}" srcOrd="0" destOrd="0" presId="urn:microsoft.com/office/officeart/2005/8/layout/list1#3"/>
+    <dgm:cxn modelId="{E882C4A2-0904-46CD-A021-307AE71D2F14}" type="presOf" srcId="{0D740781-D3B4-4FDF-87D8-686B0140A31D}" destId="{D974D2DC-BF0E-48C6-8EDA-F113B445A6CF}" srcOrd="0" destOrd="0" presId="urn:microsoft.com/office/officeart/2005/8/layout/list1#3"/>
     <dgm:cxn modelId="{EF20327B-D60C-4E4D-B2CD-B3A73F2286AF}" srcId="{F0B78CBC-CBDA-46C9-929E-85199E667CC4}" destId="{0D740781-D3B4-4FDF-87D8-686B0140A31D}" srcOrd="0" destOrd="0" parTransId="{440B81B8-3259-432D-8258-740C81381645}" sibTransId="{D4AEDC7B-67D3-48AA-9EB7-D7E44F698A71}"/>
-    <dgm:cxn modelId="{A14EA539-A88F-4E27-B7E4-9316839AC622}" srcId="{0D740781-D3B4-4FDF-87D8-686B0140A31D}" destId="{F2EA260C-E5B1-4EB8-98B8-C73AA82A3830}" srcOrd="0" destOrd="0" parTransId="{77C9DB3E-84AC-4159-9575-4A4F4A24329F}" sibTransId="{7411D8BA-43A6-42E7-A55A-5D4E8F6763B2}"/>
-    <dgm:cxn modelId="{20E34E7D-EA95-4CBB-9D9E-6AF181B3A0A8}" srcId="{0D740781-D3B4-4FDF-87D8-686B0140A31D}" destId="{66E801BD-7662-499C-A662-BED7E417E06F}" srcOrd="1" destOrd="0" parTransId="{AD5E9A67-AA4D-4D5E-AC84-49F2DCE2E2FD}" sibTransId="{F60583E2-E70E-4B60-BF67-02CEE0740A11}"/>
-    <dgm:cxn modelId="{34C65CEC-1016-47DE-A28E-259ED1632CD2}" type="presOf" srcId="{F0B78CBC-CBDA-46C9-929E-85199E667CC4}" destId="{ECFE74ED-7105-4194-8680-BB25A1E49CFB}" srcOrd="0" destOrd="0" presId="urn:microsoft.com/office/officeart/2005/8/layout/list1"/>
-    <dgm:cxn modelId="{79E33BD6-5B65-4394-84B0-0F827F73D869}" type="presParOf" srcId="{ECFE74ED-7105-4194-8680-BB25A1E49CFB}" destId="{18970777-4B01-43BA-91DB-91D09E2AEF30}" srcOrd="0" destOrd="0" presId="urn:microsoft.com/office/officeart/2005/8/layout/list1"/>
-    <dgm:cxn modelId="{CC9FF8F9-5196-4C38-BEE1-FC07302CF5BC}" type="presParOf" srcId="{18970777-4B01-43BA-91DB-91D09E2AEF30}" destId="{D974D2DC-BF0E-48C6-8EDA-F113B445A6CF}" srcOrd="0" destOrd="0" presId="urn:microsoft.com/office/officeart/2005/8/layout/list1"/>
-    <dgm:cxn modelId="{E882C4A2-0904-46CD-A021-307AE71D2F14}" type="presOf" srcId="{0D740781-D3B4-4FDF-87D8-686B0140A31D}" destId="{D974D2DC-BF0E-48C6-8EDA-F113B445A6CF}" srcOrd="0" destOrd="0" presId="urn:microsoft.com/office/officeart/2005/8/layout/list1"/>
-    <dgm:cxn modelId="{5AAE1651-13B9-4C76-AAA1-04EB5806246D}" type="presParOf" srcId="{18970777-4B01-43BA-91DB-91D09E2AEF30}" destId="{04F6827F-281B-42C5-A9D8-0CB3AAB5A08B}" srcOrd="1" destOrd="0" presId="urn:microsoft.com/office/officeart/2005/8/layout/list1"/>
-    <dgm:cxn modelId="{7D8C8E10-001D-47F1-89BD-052EB9588F84}" type="presOf" srcId="{0D740781-D3B4-4FDF-87D8-686B0140A31D}" destId="{04F6827F-281B-42C5-A9D8-0CB3AAB5A08B}" srcOrd="0" destOrd="0" presId="urn:microsoft.com/office/officeart/2005/8/layout/list1"/>
-    <dgm:cxn modelId="{2BCB0A8A-F89E-4188-B06E-26D90D77D0E9}" type="presParOf" srcId="{ECFE74ED-7105-4194-8680-BB25A1E49CFB}" destId="{BA036A63-2A01-4D98-B296-174E5BA484D7}" srcOrd="1" destOrd="0" presId="urn:microsoft.com/office/officeart/2005/8/layout/list1"/>
-    <dgm:cxn modelId="{40AF912D-8D7C-46B0-AE16-934A99E1E81C}" type="presParOf" srcId="{ECFE74ED-7105-4194-8680-BB25A1E49CFB}" destId="{6A001656-CA27-4567-96E8-EF933E971BD3}" srcOrd="2" destOrd="0" presId="urn:microsoft.com/office/officeart/2005/8/layout/list1"/>
-    <dgm:cxn modelId="{9B31C7F5-49E7-43DB-BE4E-5CF89ED5C58C}" type="presOf" srcId="{F2EA260C-E5B1-4EB8-98B8-C73AA82A3830}" destId="{6A001656-CA27-4567-96E8-EF933E971BD3}" srcOrd="0" destOrd="0" presId="urn:microsoft.com/office/officeart/2005/8/layout/list1"/>
-    <dgm:cxn modelId="{4D4FE060-B5D6-4EB3-8B10-62CE82A09A8F}" type="presOf" srcId="{66E801BD-7662-499C-A662-BED7E417E06F}" destId="{6A001656-CA27-4567-96E8-EF933E971BD3}" srcOrd="0" destOrd="1" presId="urn:microsoft.com/office/officeart/2005/8/layout/list1"/>
+    <dgm:cxn modelId="{79E33BD6-5B65-4394-84B0-0F827F73D869}" type="presParOf" srcId="{ECFE74ED-7105-4194-8680-BB25A1E49CFB}" destId="{18970777-4B01-43BA-91DB-91D09E2AEF30}" srcOrd="0" destOrd="0" presId="urn:microsoft.com/office/officeart/2005/8/layout/list1#3"/>
+    <dgm:cxn modelId="{CC9FF8F9-5196-4C38-BEE1-FC07302CF5BC}" type="presParOf" srcId="{18970777-4B01-43BA-91DB-91D09E2AEF30}" destId="{D974D2DC-BF0E-48C6-8EDA-F113B445A6CF}" srcOrd="0" destOrd="0" presId="urn:microsoft.com/office/officeart/2005/8/layout/list1#3"/>
+    <dgm:cxn modelId="{5AAE1651-13B9-4C76-AAA1-04EB5806246D}" type="presParOf" srcId="{18970777-4B01-43BA-91DB-91D09E2AEF30}" destId="{04F6827F-281B-42C5-A9D8-0CB3AAB5A08B}" srcOrd="1" destOrd="0" presId="urn:microsoft.com/office/officeart/2005/8/layout/list1#3"/>
+    <dgm:cxn modelId="{2BCB0A8A-F89E-4188-B06E-26D90D77D0E9}" type="presParOf" srcId="{ECFE74ED-7105-4194-8680-BB25A1E49CFB}" destId="{BA036A63-2A01-4D98-B296-174E5BA484D7}" srcOrd="1" destOrd="0" presId="urn:microsoft.com/office/officeart/2005/8/layout/list1#3"/>
+    <dgm:cxn modelId="{40AF912D-8D7C-46B0-AE16-934A99E1E81C}" type="presParOf" srcId="{ECFE74ED-7105-4194-8680-BB25A1E49CFB}" destId="{6A001656-CA27-4567-96E8-EF933E971BD3}" srcOrd="2" destOrd="0" presId="urn:microsoft.com/office/officeart/2005/8/layout/list1#3"/>
   </dgm:cxnLst>
   <dgm:bg/>
   <dgm:whole/>
   <dgm:extLst>
     <a:ext uri="http://schemas.microsoft.com/office/drawing/2008/diagram">
-      <dsp:dataModelExt xmlns:dsp="http://schemas.microsoft.com/office/drawing/2008/diagram" relId="rId5" minVer="http://schemas.openxmlformats.org/drawingml/2006/diagram"/>
+      <dsp:dataModelExt xmlns:dsp="http://schemas.microsoft.com/office/drawing/2008/diagram" xmlns="" relId="rId6" minVer="http://schemas.openxmlformats.org/drawingml/2006/diagram"/>
     </a:ext>
   </dgm:extLst>
 </dgm:dataModel>
@@ -3106,8 +3287,8 @@
       </dsp:nvSpPr>
       <dsp:spPr>
         <a:xfrm>
-          <a:off x="0" y="344917"/>
-          <a:ext cx="8256588" cy="1285200"/>
+          <a:off x="0" y="319095"/>
+          <a:ext cx="7498080" cy="2712149"/>
         </a:xfrm>
         <a:prstGeom prst="rect">
           <a:avLst/>
@@ -3148,12 +3329,12 @@
         <a:fontRef idx="minor"/>
       </dsp:style>
       <dsp:txBody>
-        <a:bodyPr spcFirstLastPara="0" vert="horz" wrap="square" lIns="640803" tIns="333248" rIns="640803" bIns="113792" numCol="1" spcCol="1270" anchor="t" anchorCtr="0">
+        <a:bodyPr spcFirstLastPara="0" vert="horz" wrap="square" lIns="581934" tIns="437388" rIns="581934" bIns="149352" numCol="1" spcCol="1270" anchor="t" anchorCtr="0">
           <a:noAutofit/>
         </a:bodyPr>
         <a:lstStyle/>
         <a:p>
-          <a:pPr marL="171450" lvl="1" indent="-171450" algn="l" defTabSz="711200">
+          <a:pPr marL="228600" lvl="1" indent="-228600" algn="l" defTabSz="933450">
             <a:lnSpc>
               <a:spcPct val="90000"/>
             </a:lnSpc>
@@ -3166,13 +3347,25 @@
             <a:buChar char="••"/>
           </a:pPr>
           <a:r>
-            <a:rPr lang="zh-CN" altLang="en-US" sz="1600" kern="1200" dirty="0" smtClean="0"/>
-            <a:t>提供了物业缴费功能，用户可以通过支付宝缴费</a:t>
+            <a:rPr lang="zh-CN" altLang="en-US" sz="2100" kern="1200" dirty="0" smtClean="0"/>
+            <a:t>提供了物业缴费功能，用户可以通过</a:t>
           </a:r>
-          <a:endParaRPr lang="zh-CN" altLang="en-US" sz="1600" kern="1200" dirty="0"/>
+          <a:r>
+            <a:rPr lang="zh-CN" altLang="en-US" sz="2100" b="1" kern="1200" dirty="0" smtClean="0">
+              <a:solidFill>
+                <a:schemeClr val="accent1"/>
+              </a:solidFill>
+            </a:rPr>
+            <a:t>支付宝缴费</a:t>
+          </a:r>
+          <a:endParaRPr lang="zh-CN" altLang="en-US" sz="2100" b="1" kern="1200" dirty="0">
+            <a:solidFill>
+              <a:schemeClr val="accent1"/>
+            </a:solidFill>
+          </a:endParaRPr>
         </a:p>
         <a:p>
-          <a:pPr marL="171450" lvl="1" indent="-171450" algn="l" defTabSz="711200">
+          <a:pPr marL="228600" lvl="1" indent="-228600" algn="l" defTabSz="933450">
             <a:lnSpc>
               <a:spcPct val="90000"/>
             </a:lnSpc>
@@ -3185,13 +3378,33 @@
             <a:buChar char="••"/>
           </a:pPr>
           <a:r>
-            <a:rPr lang="zh-CN" altLang="en-US" sz="1600" kern="1200" dirty="0" smtClean="0"/>
-            <a:t>提供了周边优惠功能，用户可以定位自己的位置获取周边优惠商品的信息</a:t>
+            <a:rPr lang="zh-CN" altLang="en-US" sz="2100" kern="1200" dirty="0" smtClean="0"/>
+            <a:t>提供了周边优惠功能，用户可以定位</a:t>
           </a:r>
-          <a:endParaRPr lang="zh-CN" altLang="en-US" sz="1600" kern="1200" dirty="0"/>
+          <a:r>
+            <a:rPr lang="zh-CN" altLang="en-US" sz="2100" kern="1200" dirty="0" smtClean="0"/>
+            <a:t>自己小区的</a:t>
+          </a:r>
+          <a:r>
+            <a:rPr lang="zh-CN" altLang="en-US" sz="2100" kern="1200" dirty="0" smtClean="0"/>
+            <a:t>位置获取</a:t>
+          </a:r>
+          <a:r>
+            <a:rPr lang="zh-CN" altLang="en-US" sz="2100" b="1" kern="1200" dirty="0" smtClean="0">
+              <a:solidFill>
+                <a:schemeClr val="accent1"/>
+              </a:solidFill>
+            </a:rPr>
+            <a:t>周边优惠商品</a:t>
+          </a:r>
+          <a:r>
+            <a:rPr lang="zh-CN" altLang="en-US" sz="2100" kern="1200" dirty="0" smtClean="0"/>
+            <a:t>的信息</a:t>
+          </a:r>
+          <a:endParaRPr lang="zh-CN" altLang="en-US" sz="2100" kern="1200" dirty="0"/>
         </a:p>
         <a:p>
-          <a:pPr marL="171450" lvl="1" indent="-171450" algn="l" defTabSz="711200">
+          <a:pPr marL="228600" lvl="1" indent="-228600" algn="l" defTabSz="933450">
             <a:lnSpc>
               <a:spcPct val="90000"/>
             </a:lnSpc>
@@ -3204,15 +3417,70 @@
             <a:buChar char="••"/>
           </a:pPr>
           <a:r>
-            <a:rPr lang="zh-CN" altLang="en-US" sz="1600" kern="1200" dirty="0" smtClean="0"/>
-            <a:t>提供了手机端与网页端服务</a:t>
+            <a:rPr lang="zh-CN" altLang="en-US" sz="2100" kern="1200" dirty="0" smtClean="0"/>
+            <a:t>提供了</a:t>
           </a:r>
-          <a:endParaRPr lang="zh-CN" altLang="en-US" sz="1600" kern="1200" dirty="0"/>
+          <a:r>
+            <a:rPr lang="zh-CN" altLang="en-US" sz="2100" b="1" kern="1200" dirty="0" smtClean="0">
+              <a:solidFill>
+                <a:schemeClr val="accent1"/>
+              </a:solidFill>
+            </a:rPr>
+            <a:t>手机端</a:t>
+          </a:r>
+          <a:r>
+            <a:rPr lang="zh-CN" altLang="en-US" sz="2100" kern="1200" dirty="0" smtClean="0"/>
+            <a:t>与</a:t>
+          </a:r>
+          <a:r>
+            <a:rPr lang="zh-CN" altLang="en-US" sz="2100" b="1" kern="1200" dirty="0" smtClean="0">
+              <a:solidFill>
+                <a:schemeClr val="accent1"/>
+              </a:solidFill>
+            </a:rPr>
+            <a:t>网页端</a:t>
+          </a:r>
+          <a:r>
+            <a:rPr lang="zh-CN" altLang="en-US" sz="2100" kern="1200" dirty="0" smtClean="0"/>
+            <a:t>服务</a:t>
+          </a:r>
+          <a:endParaRPr lang="zh-CN" altLang="en-US" sz="2100" kern="1200" dirty="0"/>
+        </a:p>
+        <a:p>
+          <a:pPr marL="228600" lvl="1" indent="-228600" algn="l" defTabSz="933450">
+            <a:lnSpc>
+              <a:spcPct val="90000"/>
+            </a:lnSpc>
+            <a:spcBef>
+              <a:spcPct val="0"/>
+            </a:spcBef>
+            <a:spcAft>
+              <a:spcPct val="15000"/>
+            </a:spcAft>
+            <a:buChar char="••"/>
+          </a:pPr>
+          <a:r>
+            <a:rPr lang="zh-CN" altLang="en-US" sz="2100" kern="1200" dirty="0" smtClean="0"/>
+            <a:t>提供了帖子</a:t>
+          </a:r>
+          <a:r>
+            <a:rPr lang="zh-CN" altLang="en-US" sz="2100" b="1" kern="1200" dirty="0" smtClean="0">
+              <a:solidFill>
+                <a:schemeClr val="accent1"/>
+              </a:solidFill>
+            </a:rPr>
+            <a:t>热门标签</a:t>
+          </a:r>
+          <a:r>
+            <a:rPr lang="zh-CN" altLang="en-US" sz="2100" kern="1200" dirty="0" smtClean="0"/>
+            <a:t>，方便用户获取小区最新热点话题</a:t>
+          </a:r>
+          <a:endParaRPr lang="zh-CN" altLang="en-US" sz="2100" kern="1200" dirty="0"/>
         </a:p>
       </dsp:txBody>
       <dsp:txXfrm>
-        <a:off x="0" y="344917"/>
-        <a:ext cx="8256588" cy="1285200"/>
+        <a:off x="0" y="319095"/>
+        <a:ext cx="7498080" cy="2712149"/>
       </dsp:txXfrm>
     </dsp:sp>
     <dsp:sp modelId="{0906846D-B162-433A-97D0-D4044DEE67CF}">
@@ -3222,8 +3490,8 @@
       </dsp:nvSpPr>
       <dsp:spPr>
         <a:xfrm>
-          <a:off x="412829" y="108757"/>
-          <a:ext cx="5779611" cy="472320"/>
+          <a:off x="374904" y="9135"/>
+          <a:ext cx="5248656" cy="619920"/>
         </a:xfrm>
         <a:prstGeom prst="roundRect">
           <a:avLst/>
@@ -3265,12 +3533,12 @@
         </a:fontRef>
       </dsp:style>
       <dsp:txBody>
-        <a:bodyPr spcFirstLastPara="0" vert="horz" wrap="square" lIns="218456" tIns="0" rIns="218456" bIns="0" numCol="1" spcCol="1270" anchor="ctr" anchorCtr="0">
+        <a:bodyPr spcFirstLastPara="0" vert="horz" wrap="square" lIns="198387" tIns="0" rIns="198387" bIns="0" numCol="1" spcCol="1270" anchor="ctr" anchorCtr="0">
           <a:noAutofit/>
         </a:bodyPr>
         <a:lstStyle/>
         <a:p>
-          <a:pPr lvl="0" algn="l" defTabSz="711200">
+          <a:pPr lvl="0" algn="l" defTabSz="933450">
             <a:lnSpc>
               <a:spcPct val="90000"/>
             </a:lnSpc>
@@ -3282,17 +3550,29 @@
             </a:spcAft>
           </a:pPr>
           <a:r>
-            <a:rPr lang="zh-CN" altLang="en-US" sz="1600" kern="1200" dirty="0" smtClean="0"/>
+            <a:rPr lang="zh-CN" altLang="en-US" sz="2100" kern="1200" dirty="0" smtClean="0"/>
             <a:t>对于用户</a:t>
           </a:r>
-          <a:endParaRPr lang="zh-CN" altLang="en-US" sz="1600" kern="1200" dirty="0"/>
+          <a:endParaRPr lang="zh-CN" altLang="en-US" sz="2100" kern="1200" dirty="0"/>
         </a:p>
       </dsp:txBody>
       <dsp:txXfrm>
-        <a:off x="412829" y="108757"/>
-        <a:ext cx="5779611" cy="472320"/>
+        <a:off x="374904" y="9135"/>
+        <a:ext cx="5248656" cy="619920"/>
       </dsp:txXfrm>
     </dsp:sp>
+  </dsp:spTree>
+</dsp:drawing>
+</file>
+
+<file path=ppt/diagrams/drawing2.xml><?xml version="1.0" encoding="utf-8"?>
+<dsp:drawing xmlns:dgm="http://schemas.openxmlformats.org/drawingml/2006/diagram" xmlns:a="http://schemas.openxmlformats.org/drawingml/2006/main" xmlns:dsp="http://schemas.microsoft.com/office/drawing/2008/diagram">
+  <dsp:spTree>
+    <dsp:nvGrpSpPr>
+      <dsp:cNvPr id="0" name=""/>
+      <dsp:cNvGrpSpPr/>
+    </dsp:nvGrpSpPr>
+    <dsp:grpSpPr/>
     <dsp:sp modelId="{35B04919-E45A-445B-8E33-878B767387DD}">
       <dsp:nvSpPr>
         <dsp:cNvPr id="0" name=""/>
@@ -3300,8 +3580,8 @@
       </dsp:nvSpPr>
       <dsp:spPr>
         <a:xfrm>
-          <a:off x="0" y="1952678"/>
-          <a:ext cx="8256588" cy="1285200"/>
+          <a:off x="0" y="441281"/>
+          <a:ext cx="6925309" cy="3408088"/>
         </a:xfrm>
         <a:prstGeom prst="rect">
           <a:avLst/>
@@ -3342,12 +3622,12 @@
         <a:fontRef idx="minor"/>
       </dsp:style>
       <dsp:txBody>
-        <a:bodyPr spcFirstLastPara="0" vert="horz" wrap="square" lIns="640803" tIns="333248" rIns="640803" bIns="113792" numCol="1" spcCol="1270" anchor="t" anchorCtr="0">
+        <a:bodyPr spcFirstLastPara="0" vert="horz" wrap="square" lIns="537481" tIns="770636" rIns="537481" bIns="177800" numCol="1" spcCol="1270" anchor="t" anchorCtr="0">
           <a:noAutofit/>
         </a:bodyPr>
         <a:lstStyle/>
         <a:p>
-          <a:pPr marL="171450" lvl="1" indent="-171450" algn="l" defTabSz="711200">
+          <a:pPr marL="228600" lvl="1" indent="-228600" algn="l" defTabSz="1111250">
             <a:lnSpc>
               <a:spcPct val="90000"/>
             </a:lnSpc>
@@ -3360,13 +3640,37 @@
             <a:buChar char="••"/>
           </a:pPr>
           <a:r>
-            <a:rPr lang="zh-CN" altLang="en-US" sz="1600" kern="1200" dirty="0" smtClean="0"/>
-            <a:t>提供物业通知功能，可以群发或者指定用户发送通知</a:t>
+            <a:rPr lang="zh-CN" altLang="en-US" sz="2500" kern="1200" dirty="0" smtClean="0"/>
+            <a:t>提供物业通知功能，可以</a:t>
           </a:r>
-          <a:endParaRPr lang="zh-CN" altLang="en-US" sz="1600" kern="1200" dirty="0"/>
+          <a:r>
+            <a:rPr lang="zh-CN" altLang="en-US" sz="2500" b="1" kern="1200" dirty="0" smtClean="0">
+              <a:solidFill>
+                <a:schemeClr val="accent1"/>
+              </a:solidFill>
+            </a:rPr>
+            <a:t>群</a:t>
+          </a:r>
+          <a:r>
+            <a:rPr lang="zh-CN" altLang="en-US" sz="2500" b="1" kern="1200" dirty="0" smtClean="0">
+              <a:solidFill>
+                <a:schemeClr val="accent1"/>
+              </a:solidFill>
+            </a:rPr>
+            <a:t>发通知</a:t>
+          </a:r>
+          <a:r>
+            <a:rPr lang="zh-CN" altLang="en-US" sz="2500" kern="1200" dirty="0" smtClean="0"/>
+            <a:t>或者</a:t>
+          </a:r>
+          <a:r>
+            <a:rPr lang="zh-CN" altLang="en-US" sz="2500" kern="1200" dirty="0" smtClean="0"/>
+            <a:t>指定用户发送通知</a:t>
+          </a:r>
+          <a:endParaRPr lang="zh-CN" altLang="en-US" sz="2500" kern="1200" dirty="0"/>
         </a:p>
         <a:p>
-          <a:pPr marL="171450" lvl="1" indent="-171450" algn="l" defTabSz="711200">
+          <a:pPr marL="228600" lvl="1" indent="-228600" algn="l" defTabSz="1111250">
             <a:lnSpc>
               <a:spcPct val="90000"/>
             </a:lnSpc>
@@ -3379,13 +3683,45 @@
             <a:buChar char="••"/>
           </a:pPr>
           <a:r>
-            <a:rPr lang="zh-CN" altLang="en-US" sz="1600" kern="1200" dirty="0" smtClean="0"/>
-            <a:t>提供缴费功能，可以发送账单给用户便捷收款</a:t>
+            <a:rPr lang="zh-CN" altLang="en-US" sz="2500" kern="1200" dirty="0" smtClean="0"/>
+            <a:t>提供缴费功能，</a:t>
           </a:r>
-          <a:endParaRPr lang="zh-CN" altLang="en-US" sz="1600" kern="1200" dirty="0"/>
+          <a:r>
+            <a:rPr lang="zh-CN" altLang="en-US" sz="2500" kern="1200" dirty="0" smtClean="0"/>
+            <a:t>可以</a:t>
+          </a:r>
+          <a:r>
+            <a:rPr lang="zh-CN" altLang="en-US" sz="2500" b="1" kern="1200" dirty="0" smtClean="0">
+              <a:solidFill>
+                <a:schemeClr val="accent1"/>
+              </a:solidFill>
+            </a:rPr>
+            <a:t>一键生成</a:t>
+          </a:r>
+          <a:r>
+            <a:rPr lang="zh-CN" altLang="en-US" sz="2500" b="0" kern="1200" dirty="0" smtClean="0">
+              <a:solidFill>
+                <a:schemeClr val="tx1"/>
+              </a:solidFill>
+            </a:rPr>
+            <a:t>物业费或者停车费</a:t>
+          </a:r>
+          <a:r>
+            <a:rPr lang="zh-CN" altLang="en-US" sz="2500" b="1" kern="1200" dirty="0" smtClean="0">
+              <a:solidFill>
+                <a:schemeClr val="accent1"/>
+              </a:solidFill>
+            </a:rPr>
+            <a:t>账单</a:t>
+          </a:r>
+          <a:endParaRPr lang="zh-CN" altLang="en-US" sz="2500" b="1" kern="1200" dirty="0">
+            <a:solidFill>
+              <a:schemeClr val="accent1"/>
+            </a:solidFill>
+          </a:endParaRPr>
         </a:p>
         <a:p>
-          <a:pPr marL="171450" lvl="1" indent="-171450" algn="l" defTabSz="711200">
+          <a:pPr marL="228600" lvl="1" indent="-228600" algn="l" defTabSz="1111250">
             <a:lnSpc>
               <a:spcPct val="90000"/>
             </a:lnSpc>
@@ -3398,15 +3734,15 @@
             <a:buChar char="••"/>
           </a:pPr>
           <a:r>
-            <a:rPr lang="zh-CN" altLang="en-US" sz="1600" kern="1200" dirty="0" smtClean="0"/>
+            <a:rPr lang="zh-CN" altLang="en-US" sz="2500" kern="1200" dirty="0" smtClean="0"/>
             <a:t>提供生活服务功能，管理员可以直接收到用户的维修请求</a:t>
           </a:r>
-          <a:endParaRPr lang="zh-CN" altLang="en-US" sz="1600" kern="1200" dirty="0"/>
+          <a:endParaRPr lang="zh-CN" altLang="en-US" sz="2500" kern="1200" dirty="0"/>
         </a:p>
       </dsp:txBody>
       <dsp:txXfrm>
-        <a:off x="0" y="1952678"/>
-        <a:ext cx="8256588" cy="1285200"/>
+        <a:off x="0" y="441281"/>
+        <a:ext cx="6925309" cy="3408088"/>
       </dsp:txXfrm>
     </dsp:sp>
     <dsp:sp modelId="{C6732B46-C6AA-48F3-A0C4-4ACA7A63178C}">
@@ -3416,8 +3752,8 @@
       </dsp:nvSpPr>
       <dsp:spPr>
         <a:xfrm>
-          <a:off x="412829" y="1716518"/>
-          <a:ext cx="5779611" cy="472320"/>
+          <a:off x="284723" y="154686"/>
+          <a:ext cx="4702382" cy="543696"/>
         </a:xfrm>
         <a:prstGeom prst="roundRect">
           <a:avLst/>
@@ -3459,12 +3795,12 @@
         </a:fontRef>
       </dsp:style>
       <dsp:txBody>
-        <a:bodyPr spcFirstLastPara="0" vert="horz" wrap="square" lIns="218456" tIns="0" rIns="218456" bIns="0" numCol="1" spcCol="1270" anchor="ctr" anchorCtr="0">
+        <a:bodyPr spcFirstLastPara="0" vert="horz" wrap="square" lIns="183232" tIns="0" rIns="183232" bIns="0" numCol="1" spcCol="1270" anchor="ctr" anchorCtr="0">
           <a:noAutofit/>
         </a:bodyPr>
         <a:lstStyle/>
         <a:p>
-          <a:pPr lvl="0" algn="l" defTabSz="711200">
+          <a:pPr lvl="0" algn="l" defTabSz="1111250">
             <a:lnSpc>
               <a:spcPct val="90000"/>
             </a:lnSpc>
@@ -3476,17 +3812,29 @@
             </a:spcAft>
           </a:pPr>
           <a:r>
-            <a:rPr lang="zh-CN" altLang="en-US" sz="1600" kern="1200" dirty="0" smtClean="0"/>
+            <a:rPr lang="zh-CN" altLang="en-US" sz="2500" kern="1200" dirty="0" smtClean="0"/>
             <a:t>对于管理员</a:t>
           </a:r>
-          <a:endParaRPr lang="zh-CN" altLang="en-US" sz="1600" kern="1200" dirty="0"/>
+          <a:endParaRPr lang="zh-CN" altLang="en-US" sz="2500" kern="1200" dirty="0"/>
         </a:p>
       </dsp:txBody>
       <dsp:txXfrm>
-        <a:off x="412829" y="1716518"/>
-        <a:ext cx="5779611" cy="472320"/>
+        <a:off x="284723" y="154686"/>
+        <a:ext cx="4702382" cy="543696"/>
       </dsp:txXfrm>
     </dsp:sp>
+  </dsp:spTree>
+</dsp:drawing>
+</file>
+
+<file path=ppt/diagrams/drawing3.xml><?xml version="1.0" encoding="utf-8"?>
+<dsp:drawing xmlns:dgm="http://schemas.openxmlformats.org/drawingml/2006/diagram" xmlns:a="http://schemas.openxmlformats.org/drawingml/2006/main" xmlns:dsp="http://schemas.microsoft.com/office/drawing/2008/diagram">
+  <dsp:spTree>
+    <dsp:nvGrpSpPr>
+      <dsp:cNvPr id="0" name=""/>
+      <dsp:cNvGrpSpPr/>
+    </dsp:nvGrpSpPr>
+    <dsp:grpSpPr/>
     <dsp:sp modelId="{6A001656-CA27-4567-96E8-EF933E971BD3}">
       <dsp:nvSpPr>
         <dsp:cNvPr id="0" name=""/>
@@ -3494,8 +3842,8 @@
       </dsp:nvSpPr>
       <dsp:spPr>
         <a:xfrm>
-          <a:off x="0" y="3560438"/>
-          <a:ext cx="8256588" cy="1008000"/>
+          <a:off x="0" y="383570"/>
+          <a:ext cx="7280910" cy="2419200"/>
         </a:xfrm>
         <a:prstGeom prst="rect">
           <a:avLst/>
@@ -3536,14 +3884,14 @@
         <a:fontRef idx="minor"/>
       </dsp:style>
       <dsp:txBody>
-        <a:bodyPr spcFirstLastPara="0" vert="horz" wrap="square" lIns="640803" tIns="333248" rIns="640803" bIns="113792" numCol="1" spcCol="1270" anchor="t" anchorCtr="0">
+        <a:bodyPr spcFirstLastPara="0" vert="horz" wrap="square" lIns="565080" tIns="499872" rIns="565080" bIns="170688" numCol="1" spcCol="1270" anchor="t" anchorCtr="0">
           <a:noAutofit/>
         </a:bodyPr>
         <a:lstStyle/>
         <a:p>
-          <a:pPr marL="171450" lvl="1" indent="-171450" algn="l" defTabSz="711200">
+          <a:pPr marL="228600" lvl="1" indent="-228600" algn="l" defTabSz="1066800">
             <a:lnSpc>
-              <a:spcPct val="90000"/>
+              <a:spcPct val="100000"/>
             </a:lnSpc>
             <a:spcBef>
               <a:spcPct val="0"/>
@@ -3554,15 +3902,27 @@
             <a:buChar char="••"/>
           </a:pPr>
           <a:r>
-            <a:rPr lang="zh-CN" altLang="en-US" sz="1600" kern="1200" dirty="0" smtClean="0"/>
-            <a:t>提供小区团购功能，商户可以获得居民的团购需求开启团购</a:t>
+            <a:rPr lang="zh-CN" altLang="en-US" sz="2400" kern="1200" dirty="0" smtClean="0"/>
+            <a:t>提供</a:t>
           </a:r>
-          <a:endParaRPr lang="zh-CN" altLang="en-US" sz="1600" kern="1200" dirty="0"/>
+          <a:r>
+            <a:rPr lang="zh-CN" altLang="en-US" sz="2400" b="1" u="none" kern="1200" dirty="0" smtClean="0">
+              <a:solidFill>
+                <a:schemeClr val="accent1"/>
+              </a:solidFill>
+            </a:rPr>
+            <a:t>小区团购</a:t>
+          </a:r>
+          <a:r>
+            <a:rPr lang="zh-CN" altLang="en-US" sz="2400" kern="1200" dirty="0" smtClean="0"/>
+            <a:t>功能，商户可以了解居民的团购需求开启团购</a:t>
+          </a:r>
+          <a:endParaRPr lang="zh-CN" altLang="en-US" sz="2400" kern="1200" dirty="0"/>
         </a:p>
         <a:p>
-          <a:pPr marL="171450" lvl="1" indent="-171450" algn="l" defTabSz="711200">
+          <a:pPr marL="228600" lvl="1" indent="-228600" algn="l" defTabSz="1066800">
             <a:lnSpc>
-              <a:spcPct val="90000"/>
+              <a:spcPct val="100000"/>
             </a:lnSpc>
             <a:spcBef>
               <a:spcPct val="0"/>
@@ -3573,15 +3933,27 @@
             <a:buChar char="••"/>
           </a:pPr>
           <a:r>
-            <a:rPr lang="zh-CN" altLang="en-US" sz="1600" kern="1200" dirty="0" smtClean="0"/>
-            <a:t>提供周边优惠功能，商户可以将优惠信息直接提供给用户</a:t>
+            <a:rPr lang="zh-CN" altLang="en-US" sz="2400" kern="1200" dirty="0" smtClean="0"/>
+            <a:t>提供</a:t>
           </a:r>
-          <a:endParaRPr lang="zh-CN" altLang="en-US" sz="1600" kern="1200" dirty="0"/>
+          <a:r>
+            <a:rPr lang="zh-CN" altLang="en-US" sz="2400" b="1" kern="1200" dirty="0" smtClean="0">
+              <a:solidFill>
+                <a:schemeClr val="accent1"/>
+              </a:solidFill>
+            </a:rPr>
+            <a:t>周边优惠</a:t>
+          </a:r>
+          <a:r>
+            <a:rPr lang="zh-CN" altLang="en-US" sz="2400" kern="1200" dirty="0" smtClean="0"/>
+            <a:t>功能，商户可以将优惠信息直接提供给用户</a:t>
+          </a:r>
+          <a:endParaRPr lang="zh-CN" altLang="en-US" sz="2400" kern="1200" dirty="0"/>
         </a:p>
       </dsp:txBody>
       <dsp:txXfrm>
-        <a:off x="0" y="3560438"/>
-        <a:ext cx="8256588" cy="1008000"/>
+        <a:off x="0" y="383570"/>
+        <a:ext cx="7280910" cy="2419200"/>
       </dsp:txXfrm>
     </dsp:sp>
     <dsp:sp modelId="{04F6827F-281B-42C5-A9D8-0CB3AAB5A08B}">
@@ -3591,8 +3963,8 @@
       </dsp:nvSpPr>
       <dsp:spPr>
         <a:xfrm>
-          <a:off x="412829" y="3324278"/>
-          <a:ext cx="5779611" cy="472320"/>
+          <a:off x="364045" y="29330"/>
+          <a:ext cx="5096637" cy="708479"/>
         </a:xfrm>
         <a:prstGeom prst="roundRect">
           <a:avLst/>
@@ -3634,12 +4006,12 @@
         </a:fontRef>
       </dsp:style>
       <dsp:txBody>
-        <a:bodyPr spcFirstLastPara="0" vert="horz" wrap="square" lIns="218456" tIns="0" rIns="218456" bIns="0" numCol="1" spcCol="1270" anchor="ctr" anchorCtr="0">
+        <a:bodyPr spcFirstLastPara="0" vert="horz" wrap="square" lIns="192641" tIns="0" rIns="192641" bIns="0" numCol="1" spcCol="1270" anchor="ctr" anchorCtr="0">
           <a:noAutofit/>
         </a:bodyPr>
         <a:lstStyle/>
         <a:p>
-          <a:pPr lvl="0" algn="l" defTabSz="711200">
+          <a:pPr lvl="0" algn="l" defTabSz="1066800">
             <a:lnSpc>
               <a:spcPct val="90000"/>
             </a:lnSpc>
@@ -3651,1165 +4023,15 @@
             </a:spcAft>
           </a:pPr>
           <a:r>
-            <a:rPr lang="zh-CN" altLang="en-US" sz="1600" kern="1200" dirty="0" smtClean="0"/>
+            <a:rPr lang="zh-CN" altLang="en-US" sz="2400" kern="1200" dirty="0" smtClean="0"/>
             <a:t>对于周边商户</a:t>
           </a:r>
-          <a:endParaRPr lang="zh-CN" altLang="en-US" sz="1600" kern="1200" dirty="0"/>
+          <a:endParaRPr lang="zh-CN" altLang="en-US" sz="2400" kern="1200" dirty="0"/>
         </a:p>
       </dsp:txBody>
       <dsp:txXfrm>
-        <a:off x="412829" y="3324278"/>
-        <a:ext cx="5779611" cy="472320"/>
-      </dsp:txXfrm>
-    </dsp:sp>
-  </dsp:spTree>
-</dsp:drawing>
-</file>
-
-<file path=ppt/diagrams/drawing2.xml><?xml version="1.0" encoding="utf-8"?>
-<dsp:drawing xmlns:dgm="http://schemas.openxmlformats.org/drawingml/2006/diagram" xmlns:a="http://schemas.openxmlformats.org/drawingml/2006/main" xmlns:dsp="http://schemas.microsoft.com/office/drawing/2008/diagram">
-  <dsp:spTree>
-    <dsp:nvGrpSpPr>
-      <dsp:cNvPr id="0" name=""/>
-      <dsp:cNvGrpSpPr/>
-    </dsp:nvGrpSpPr>
-    <dsp:grpSpPr/>
-    <dsp:sp modelId="{D6C023B1-4119-4CE8-963E-7A50604B78B9}">
-      <dsp:nvSpPr>
-        <dsp:cNvPr id="0" name=""/>
-        <dsp:cNvSpPr/>
-      </dsp:nvSpPr>
-      <dsp:spPr>
-        <a:xfrm>
-          <a:off x="0" y="344917"/>
-          <a:ext cx="8256588" cy="1285200"/>
-        </a:xfrm>
-        <a:prstGeom prst="rect">
-          <a:avLst/>
-        </a:prstGeom>
-        <a:solidFill>
-          <a:schemeClr val="lt1">
-            <a:alpha val="90000"/>
-            <a:hueOff val="0"/>
-            <a:satOff val="0"/>
-            <a:lumOff val="0"/>
-            <a:alphaOff val="0"/>
-          </a:schemeClr>
-        </a:solidFill>
-        <a:ln w="12700" cap="flat" cmpd="sng" algn="ctr">
-          <a:solidFill>
-            <a:schemeClr val="accent1">
-              <a:hueOff val="0"/>
-              <a:satOff val="0"/>
-              <a:lumOff val="0"/>
-              <a:alphaOff val="0"/>
-            </a:schemeClr>
-          </a:solidFill>
-          <a:prstDash val="solid"/>
-          <a:miter lim="800000"/>
-        </a:ln>
-        <a:effectLst/>
-      </dsp:spPr>
-      <dsp:style>
-        <a:lnRef idx="2">
-          <a:scrgbClr r="0" g="0" b="0"/>
-        </a:lnRef>
-        <a:fillRef idx="1">
-          <a:scrgbClr r="0" g="0" b="0"/>
-        </a:fillRef>
-        <a:effectRef idx="0">
-          <a:scrgbClr r="0" g="0" b="0"/>
-        </a:effectRef>
-        <a:fontRef idx="minor"/>
-      </dsp:style>
-      <dsp:txBody>
-        <a:bodyPr spcFirstLastPara="0" vert="horz" wrap="square" lIns="640803" tIns="333248" rIns="640803" bIns="113792" numCol="1" spcCol="1270" anchor="t" anchorCtr="0">
-          <a:noAutofit/>
-        </a:bodyPr>
-        <a:lstStyle/>
-        <a:p>
-          <a:pPr marL="171450" lvl="1" indent="-171450" algn="l" defTabSz="711200">
-            <a:lnSpc>
-              <a:spcPct val="90000"/>
-            </a:lnSpc>
-            <a:spcBef>
-              <a:spcPct val="0"/>
-            </a:spcBef>
-            <a:spcAft>
-              <a:spcPct val="15000"/>
-            </a:spcAft>
-            <a:buChar char="••"/>
-          </a:pPr>
-          <a:r>
-            <a:rPr lang="zh-CN" altLang="en-US" sz="1600" kern="1200" dirty="0" smtClean="0"/>
-            <a:t>提供了物业缴费功能，用户可以通过支付宝缴费</a:t>
-          </a:r>
-          <a:endParaRPr lang="zh-CN" altLang="en-US" sz="1600" kern="1200" dirty="0"/>
-        </a:p>
-        <a:p>
-          <a:pPr marL="171450" lvl="1" indent="-171450" algn="l" defTabSz="711200">
-            <a:lnSpc>
-              <a:spcPct val="90000"/>
-            </a:lnSpc>
-            <a:spcBef>
-              <a:spcPct val="0"/>
-            </a:spcBef>
-            <a:spcAft>
-              <a:spcPct val="15000"/>
-            </a:spcAft>
-            <a:buChar char="••"/>
-          </a:pPr>
-          <a:r>
-            <a:rPr lang="zh-CN" altLang="en-US" sz="1600" kern="1200" dirty="0" smtClean="0"/>
-            <a:t>提供了周边优惠功能，用户可以定位自己的位置获取周边优惠商品的信息</a:t>
-          </a:r>
-          <a:endParaRPr lang="zh-CN" altLang="en-US" sz="1600" kern="1200" dirty="0"/>
-        </a:p>
-        <a:p>
-          <a:pPr marL="171450" lvl="1" indent="-171450" algn="l" defTabSz="711200">
-            <a:lnSpc>
-              <a:spcPct val="90000"/>
-            </a:lnSpc>
-            <a:spcBef>
-              <a:spcPct val="0"/>
-            </a:spcBef>
-            <a:spcAft>
-              <a:spcPct val="15000"/>
-            </a:spcAft>
-            <a:buChar char="••"/>
-          </a:pPr>
-          <a:r>
-            <a:rPr lang="zh-CN" altLang="en-US" sz="1600" kern="1200" dirty="0" smtClean="0"/>
-            <a:t>提供了手机端与网页端服务</a:t>
-          </a:r>
-          <a:endParaRPr lang="zh-CN" altLang="en-US" sz="1600" kern="1200" dirty="0"/>
-        </a:p>
-      </dsp:txBody>
-      <dsp:txXfrm>
-        <a:off x="0" y="344917"/>
-        <a:ext cx="8256588" cy="1285200"/>
-      </dsp:txXfrm>
-    </dsp:sp>
-    <dsp:sp modelId="{0906846D-B162-433A-97D0-D4044DEE67CF}">
-      <dsp:nvSpPr>
-        <dsp:cNvPr id="0" name=""/>
-        <dsp:cNvSpPr/>
-      </dsp:nvSpPr>
-      <dsp:spPr>
-        <a:xfrm>
-          <a:off x="412829" y="108757"/>
-          <a:ext cx="5779611" cy="472320"/>
-        </a:xfrm>
-        <a:prstGeom prst="roundRect">
-          <a:avLst/>
-        </a:prstGeom>
-        <a:solidFill>
-          <a:schemeClr val="accent1">
-            <a:hueOff val="0"/>
-            <a:satOff val="0"/>
-            <a:lumOff val="0"/>
-            <a:alphaOff val="0"/>
-          </a:schemeClr>
-        </a:solidFill>
-        <a:ln w="12700" cap="flat" cmpd="sng" algn="ctr">
-          <a:solidFill>
-            <a:schemeClr val="lt1">
-              <a:hueOff val="0"/>
-              <a:satOff val="0"/>
-              <a:lumOff val="0"/>
-              <a:alphaOff val="0"/>
-            </a:schemeClr>
-          </a:solidFill>
-          <a:prstDash val="solid"/>
-          <a:miter lim="800000"/>
-        </a:ln>
-        <a:effectLst/>
-      </dsp:spPr>
-      <dsp:style>
-        <a:lnRef idx="2">
-          <a:scrgbClr r="0" g="0" b="0"/>
-        </a:lnRef>
-        <a:fillRef idx="1">
-          <a:scrgbClr r="0" g="0" b="0"/>
-        </a:fillRef>
-        <a:effectRef idx="0">
-          <a:scrgbClr r="0" g="0" b="0"/>
-        </a:effectRef>
-        <a:fontRef idx="minor">
-          <a:schemeClr val="lt1"/>
-        </a:fontRef>
-      </dsp:style>
-      <dsp:txBody>
-        <a:bodyPr spcFirstLastPara="0" vert="horz" wrap="square" lIns="218456" tIns="0" rIns="218456" bIns="0" numCol="1" spcCol="1270" anchor="ctr" anchorCtr="0">
-          <a:noAutofit/>
-        </a:bodyPr>
-        <a:lstStyle/>
-        <a:p>
-          <a:pPr lvl="0" algn="l" defTabSz="711200">
-            <a:lnSpc>
-              <a:spcPct val="90000"/>
-            </a:lnSpc>
-            <a:spcBef>
-              <a:spcPct val="0"/>
-            </a:spcBef>
-            <a:spcAft>
-              <a:spcPct val="35000"/>
-            </a:spcAft>
-          </a:pPr>
-          <a:r>
-            <a:rPr lang="zh-CN" altLang="en-US" sz="1600" kern="1200" dirty="0" smtClean="0"/>
-            <a:t>对于用户</a:t>
-          </a:r>
-          <a:endParaRPr lang="zh-CN" altLang="en-US" sz="1600" kern="1200" dirty="0"/>
-        </a:p>
-      </dsp:txBody>
-      <dsp:txXfrm>
-        <a:off x="412829" y="108757"/>
-        <a:ext cx="5779611" cy="472320"/>
-      </dsp:txXfrm>
-    </dsp:sp>
-    <dsp:sp modelId="{35B04919-E45A-445B-8E33-878B767387DD}">
-      <dsp:nvSpPr>
-        <dsp:cNvPr id="0" name=""/>
-        <dsp:cNvSpPr/>
-      </dsp:nvSpPr>
-      <dsp:spPr>
-        <a:xfrm>
-          <a:off x="0" y="1952678"/>
-          <a:ext cx="8256588" cy="1285200"/>
-        </a:xfrm>
-        <a:prstGeom prst="rect">
-          <a:avLst/>
-        </a:prstGeom>
-        <a:solidFill>
-          <a:schemeClr val="lt1">
-            <a:alpha val="90000"/>
-            <a:hueOff val="0"/>
-            <a:satOff val="0"/>
-            <a:lumOff val="0"/>
-            <a:alphaOff val="0"/>
-          </a:schemeClr>
-        </a:solidFill>
-        <a:ln w="12700" cap="flat" cmpd="sng" algn="ctr">
-          <a:solidFill>
-            <a:schemeClr val="accent1">
-              <a:hueOff val="0"/>
-              <a:satOff val="0"/>
-              <a:lumOff val="0"/>
-              <a:alphaOff val="0"/>
-            </a:schemeClr>
-          </a:solidFill>
-          <a:prstDash val="solid"/>
-          <a:miter lim="800000"/>
-        </a:ln>
-        <a:effectLst/>
-      </dsp:spPr>
-      <dsp:style>
-        <a:lnRef idx="2">
-          <a:scrgbClr r="0" g="0" b="0"/>
-        </a:lnRef>
-        <a:fillRef idx="1">
-          <a:scrgbClr r="0" g="0" b="0"/>
-        </a:fillRef>
-        <a:effectRef idx="0">
-          <a:scrgbClr r="0" g="0" b="0"/>
-        </a:effectRef>
-        <a:fontRef idx="minor"/>
-      </dsp:style>
-      <dsp:txBody>
-        <a:bodyPr spcFirstLastPara="0" vert="horz" wrap="square" lIns="640803" tIns="333248" rIns="640803" bIns="113792" numCol="1" spcCol="1270" anchor="t" anchorCtr="0">
-          <a:noAutofit/>
-        </a:bodyPr>
-        <a:lstStyle/>
-        <a:p>
-          <a:pPr marL="171450" lvl="1" indent="-171450" algn="l" defTabSz="711200">
-            <a:lnSpc>
-              <a:spcPct val="90000"/>
-            </a:lnSpc>
-            <a:spcBef>
-              <a:spcPct val="0"/>
-            </a:spcBef>
-            <a:spcAft>
-              <a:spcPct val="15000"/>
-            </a:spcAft>
-            <a:buChar char="••"/>
-          </a:pPr>
-          <a:r>
-            <a:rPr lang="zh-CN" altLang="en-US" sz="1600" kern="1200" dirty="0" smtClean="0"/>
-            <a:t>提供物业通知功能，可以群发或者指定用户发送通知</a:t>
-          </a:r>
-          <a:endParaRPr lang="zh-CN" altLang="en-US" sz="1600" kern="1200" dirty="0"/>
-        </a:p>
-        <a:p>
-          <a:pPr marL="171450" lvl="1" indent="-171450" algn="l" defTabSz="711200">
-            <a:lnSpc>
-              <a:spcPct val="90000"/>
-            </a:lnSpc>
-            <a:spcBef>
-              <a:spcPct val="0"/>
-            </a:spcBef>
-            <a:spcAft>
-              <a:spcPct val="15000"/>
-            </a:spcAft>
-            <a:buChar char="••"/>
-          </a:pPr>
-          <a:r>
-            <a:rPr lang="zh-CN" altLang="en-US" sz="1600" kern="1200" dirty="0" smtClean="0"/>
-            <a:t>提供缴费功能，可以发送账单给用户便捷收款</a:t>
-          </a:r>
-          <a:endParaRPr lang="zh-CN" altLang="en-US" sz="1600" kern="1200" dirty="0"/>
-        </a:p>
-        <a:p>
-          <a:pPr marL="171450" lvl="1" indent="-171450" algn="l" defTabSz="711200">
-            <a:lnSpc>
-              <a:spcPct val="90000"/>
-            </a:lnSpc>
-            <a:spcBef>
-              <a:spcPct val="0"/>
-            </a:spcBef>
-            <a:spcAft>
-              <a:spcPct val="15000"/>
-            </a:spcAft>
-            <a:buChar char="••"/>
-          </a:pPr>
-          <a:r>
-            <a:rPr lang="zh-CN" altLang="en-US" sz="1600" kern="1200" dirty="0" smtClean="0"/>
-            <a:t>提供生活服务功能，管理员可以直接收到用户的维修请求</a:t>
-          </a:r>
-          <a:endParaRPr lang="zh-CN" altLang="en-US" sz="1600" kern="1200" dirty="0"/>
-        </a:p>
-      </dsp:txBody>
-      <dsp:txXfrm>
-        <a:off x="0" y="1952678"/>
-        <a:ext cx="8256588" cy="1285200"/>
-      </dsp:txXfrm>
-    </dsp:sp>
-    <dsp:sp modelId="{C6732B46-C6AA-48F3-A0C4-4ACA7A63178C}">
-      <dsp:nvSpPr>
-        <dsp:cNvPr id="0" name=""/>
-        <dsp:cNvSpPr/>
-      </dsp:nvSpPr>
-      <dsp:spPr>
-        <a:xfrm>
-          <a:off x="412829" y="1716518"/>
-          <a:ext cx="5779611" cy="472320"/>
-        </a:xfrm>
-        <a:prstGeom prst="roundRect">
-          <a:avLst/>
-        </a:prstGeom>
-        <a:solidFill>
-          <a:schemeClr val="accent1">
-            <a:hueOff val="0"/>
-            <a:satOff val="0"/>
-            <a:lumOff val="0"/>
-            <a:alphaOff val="0"/>
-          </a:schemeClr>
-        </a:solidFill>
-        <a:ln w="12700" cap="flat" cmpd="sng" algn="ctr">
-          <a:solidFill>
-            <a:schemeClr val="lt1">
-              <a:hueOff val="0"/>
-              <a:satOff val="0"/>
-              <a:lumOff val="0"/>
-              <a:alphaOff val="0"/>
-            </a:schemeClr>
-          </a:solidFill>
-          <a:prstDash val="solid"/>
-          <a:miter lim="800000"/>
-        </a:ln>
-        <a:effectLst/>
-      </dsp:spPr>
-      <dsp:style>
-        <a:lnRef idx="2">
-          <a:scrgbClr r="0" g="0" b="0"/>
-        </a:lnRef>
-        <a:fillRef idx="1">
-          <a:scrgbClr r="0" g="0" b="0"/>
-        </a:fillRef>
-        <a:effectRef idx="0">
-          <a:scrgbClr r="0" g="0" b="0"/>
-        </a:effectRef>
-        <a:fontRef idx="minor">
-          <a:schemeClr val="lt1"/>
-        </a:fontRef>
-      </dsp:style>
-      <dsp:txBody>
-        <a:bodyPr spcFirstLastPara="0" vert="horz" wrap="square" lIns="218456" tIns="0" rIns="218456" bIns="0" numCol="1" spcCol="1270" anchor="ctr" anchorCtr="0">
-          <a:noAutofit/>
-        </a:bodyPr>
-        <a:lstStyle/>
-        <a:p>
-          <a:pPr lvl="0" algn="l" defTabSz="711200">
-            <a:lnSpc>
-              <a:spcPct val="90000"/>
-            </a:lnSpc>
-            <a:spcBef>
-              <a:spcPct val="0"/>
-            </a:spcBef>
-            <a:spcAft>
-              <a:spcPct val="35000"/>
-            </a:spcAft>
-          </a:pPr>
-          <a:r>
-            <a:rPr lang="zh-CN" altLang="en-US" sz="1600" kern="1200" dirty="0" smtClean="0"/>
-            <a:t>对于管理员</a:t>
-          </a:r>
-          <a:endParaRPr lang="zh-CN" altLang="en-US" sz="1600" kern="1200" dirty="0"/>
-        </a:p>
-      </dsp:txBody>
-      <dsp:txXfrm>
-        <a:off x="412829" y="1716518"/>
-        <a:ext cx="5779611" cy="472320"/>
-      </dsp:txXfrm>
-    </dsp:sp>
-    <dsp:sp modelId="{6A001656-CA27-4567-96E8-EF933E971BD3}">
-      <dsp:nvSpPr>
-        <dsp:cNvPr id="0" name=""/>
-        <dsp:cNvSpPr/>
-      </dsp:nvSpPr>
-      <dsp:spPr>
-        <a:xfrm>
-          <a:off x="0" y="3560438"/>
-          <a:ext cx="8256588" cy="1008000"/>
-        </a:xfrm>
-        <a:prstGeom prst="rect">
-          <a:avLst/>
-        </a:prstGeom>
-        <a:solidFill>
-          <a:schemeClr val="lt1">
-            <a:alpha val="90000"/>
-            <a:hueOff val="0"/>
-            <a:satOff val="0"/>
-            <a:lumOff val="0"/>
-            <a:alphaOff val="0"/>
-          </a:schemeClr>
-        </a:solidFill>
-        <a:ln w="12700" cap="flat" cmpd="sng" algn="ctr">
-          <a:solidFill>
-            <a:schemeClr val="accent1">
-              <a:hueOff val="0"/>
-              <a:satOff val="0"/>
-              <a:lumOff val="0"/>
-              <a:alphaOff val="0"/>
-            </a:schemeClr>
-          </a:solidFill>
-          <a:prstDash val="solid"/>
-          <a:miter lim="800000"/>
-        </a:ln>
-        <a:effectLst/>
-      </dsp:spPr>
-      <dsp:style>
-        <a:lnRef idx="2">
-          <a:scrgbClr r="0" g="0" b="0"/>
-        </a:lnRef>
-        <a:fillRef idx="1">
-          <a:scrgbClr r="0" g="0" b="0"/>
-        </a:fillRef>
-        <a:effectRef idx="0">
-          <a:scrgbClr r="0" g="0" b="0"/>
-        </a:effectRef>
-        <a:fontRef idx="minor"/>
-      </dsp:style>
-      <dsp:txBody>
-        <a:bodyPr spcFirstLastPara="0" vert="horz" wrap="square" lIns="640803" tIns="333248" rIns="640803" bIns="113792" numCol="1" spcCol="1270" anchor="t" anchorCtr="0">
-          <a:noAutofit/>
-        </a:bodyPr>
-        <a:lstStyle/>
-        <a:p>
-          <a:pPr marL="171450" lvl="1" indent="-171450" algn="l" defTabSz="711200">
-            <a:lnSpc>
-              <a:spcPct val="90000"/>
-            </a:lnSpc>
-            <a:spcBef>
-              <a:spcPct val="0"/>
-            </a:spcBef>
-            <a:spcAft>
-              <a:spcPct val="15000"/>
-            </a:spcAft>
-            <a:buChar char="••"/>
-          </a:pPr>
-          <a:r>
-            <a:rPr lang="zh-CN" altLang="en-US" sz="1600" kern="1200" dirty="0" smtClean="0"/>
-            <a:t>提供小区团购功能，商户可以获得居民的团购需求开启团购</a:t>
-          </a:r>
-          <a:endParaRPr lang="zh-CN" altLang="en-US" sz="1600" kern="1200" dirty="0"/>
-        </a:p>
-        <a:p>
-          <a:pPr marL="171450" lvl="1" indent="-171450" algn="l" defTabSz="711200">
-            <a:lnSpc>
-              <a:spcPct val="90000"/>
-            </a:lnSpc>
-            <a:spcBef>
-              <a:spcPct val="0"/>
-            </a:spcBef>
-            <a:spcAft>
-              <a:spcPct val="15000"/>
-            </a:spcAft>
-            <a:buChar char="••"/>
-          </a:pPr>
-          <a:r>
-            <a:rPr lang="zh-CN" altLang="en-US" sz="1600" kern="1200" dirty="0" smtClean="0"/>
-            <a:t>提供周边优惠功能，商户可以将优惠信息直接提供给用户</a:t>
-          </a:r>
-          <a:endParaRPr lang="zh-CN" altLang="en-US" sz="1600" kern="1200" dirty="0"/>
-        </a:p>
-      </dsp:txBody>
-      <dsp:txXfrm>
-        <a:off x="0" y="3560438"/>
-        <a:ext cx="8256588" cy="1008000"/>
-      </dsp:txXfrm>
-    </dsp:sp>
-    <dsp:sp modelId="{04F6827F-281B-42C5-A9D8-0CB3AAB5A08B}">
-      <dsp:nvSpPr>
-        <dsp:cNvPr id="0" name=""/>
-        <dsp:cNvSpPr/>
-      </dsp:nvSpPr>
-      <dsp:spPr>
-        <a:xfrm>
-          <a:off x="412829" y="3324278"/>
-          <a:ext cx="5779611" cy="472320"/>
-        </a:xfrm>
-        <a:prstGeom prst="roundRect">
-          <a:avLst/>
-        </a:prstGeom>
-        <a:solidFill>
-          <a:schemeClr val="accent1">
-            <a:hueOff val="0"/>
-            <a:satOff val="0"/>
-            <a:lumOff val="0"/>
-            <a:alphaOff val="0"/>
-          </a:schemeClr>
-        </a:solidFill>
-        <a:ln w="12700" cap="flat" cmpd="sng" algn="ctr">
-          <a:solidFill>
-            <a:schemeClr val="lt1">
-              <a:hueOff val="0"/>
-              <a:satOff val="0"/>
-              <a:lumOff val="0"/>
-              <a:alphaOff val="0"/>
-            </a:schemeClr>
-          </a:solidFill>
-          <a:prstDash val="solid"/>
-          <a:miter lim="800000"/>
-        </a:ln>
-        <a:effectLst/>
-      </dsp:spPr>
-      <dsp:style>
-        <a:lnRef idx="2">
-          <a:scrgbClr r="0" g="0" b="0"/>
-        </a:lnRef>
-        <a:fillRef idx="1">
-          <a:scrgbClr r="0" g="0" b="0"/>
-        </a:fillRef>
-        <a:effectRef idx="0">
-          <a:scrgbClr r="0" g="0" b="0"/>
-        </a:effectRef>
-        <a:fontRef idx="minor">
-          <a:schemeClr val="lt1"/>
-        </a:fontRef>
-      </dsp:style>
-      <dsp:txBody>
-        <a:bodyPr spcFirstLastPara="0" vert="horz" wrap="square" lIns="218456" tIns="0" rIns="218456" bIns="0" numCol="1" spcCol="1270" anchor="ctr" anchorCtr="0">
-          <a:noAutofit/>
-        </a:bodyPr>
-        <a:lstStyle/>
-        <a:p>
-          <a:pPr lvl="0" algn="l" defTabSz="711200">
-            <a:lnSpc>
-              <a:spcPct val="90000"/>
-            </a:lnSpc>
-            <a:spcBef>
-              <a:spcPct val="0"/>
-            </a:spcBef>
-            <a:spcAft>
-              <a:spcPct val="35000"/>
-            </a:spcAft>
-          </a:pPr>
-          <a:r>
-            <a:rPr lang="zh-CN" altLang="en-US" sz="1600" kern="1200" dirty="0" smtClean="0"/>
-            <a:t>对于周边商户</a:t>
-          </a:r>
-          <a:endParaRPr lang="zh-CN" altLang="en-US" sz="1600" kern="1200" dirty="0"/>
-        </a:p>
-      </dsp:txBody>
-      <dsp:txXfrm>
-        <a:off x="412829" y="3324278"/>
-        <a:ext cx="5779611" cy="472320"/>
-      </dsp:txXfrm>
-    </dsp:sp>
-  </dsp:spTree>
-</dsp:drawing>
-</file>
-
-<file path=ppt/diagrams/drawing3.xml><?xml version="1.0" encoding="utf-8"?>
-<dsp:drawing xmlns:dgm="http://schemas.openxmlformats.org/drawingml/2006/diagram" xmlns:a="http://schemas.openxmlformats.org/drawingml/2006/main" xmlns:dsp="http://schemas.microsoft.com/office/drawing/2008/diagram">
-  <dsp:spTree>
-    <dsp:nvGrpSpPr>
-      <dsp:cNvPr id="0" name=""/>
-      <dsp:cNvGrpSpPr/>
-    </dsp:nvGrpSpPr>
-    <dsp:grpSpPr/>
-    <dsp:sp modelId="{D6C023B1-4119-4CE8-963E-7A50604B78B9}">
-      <dsp:nvSpPr>
-        <dsp:cNvPr id="0" name=""/>
-        <dsp:cNvSpPr/>
-      </dsp:nvSpPr>
-      <dsp:spPr>
-        <a:xfrm>
-          <a:off x="0" y="344917"/>
-          <a:ext cx="8256588" cy="1285200"/>
-        </a:xfrm>
-        <a:prstGeom prst="rect">
-          <a:avLst/>
-        </a:prstGeom>
-        <a:solidFill>
-          <a:schemeClr val="lt1">
-            <a:alpha val="90000"/>
-            <a:hueOff val="0"/>
-            <a:satOff val="0"/>
-            <a:lumOff val="0"/>
-            <a:alphaOff val="0"/>
-          </a:schemeClr>
-        </a:solidFill>
-        <a:ln w="12700" cap="flat" cmpd="sng" algn="ctr">
-          <a:solidFill>
-            <a:schemeClr val="accent1">
-              <a:hueOff val="0"/>
-              <a:satOff val="0"/>
-              <a:lumOff val="0"/>
-              <a:alphaOff val="0"/>
-            </a:schemeClr>
-          </a:solidFill>
-          <a:prstDash val="solid"/>
-          <a:miter lim="800000"/>
-        </a:ln>
-        <a:effectLst/>
-      </dsp:spPr>
-      <dsp:style>
-        <a:lnRef idx="2">
-          <a:scrgbClr r="0" g="0" b="0"/>
-        </a:lnRef>
-        <a:fillRef idx="1">
-          <a:scrgbClr r="0" g="0" b="0"/>
-        </a:fillRef>
-        <a:effectRef idx="0">
-          <a:scrgbClr r="0" g="0" b="0"/>
-        </a:effectRef>
-        <a:fontRef idx="minor"/>
-      </dsp:style>
-      <dsp:txBody>
-        <a:bodyPr spcFirstLastPara="0" vert="horz" wrap="square" lIns="640803" tIns="333248" rIns="640803" bIns="113792" numCol="1" spcCol="1270" anchor="t" anchorCtr="0">
-          <a:noAutofit/>
-        </a:bodyPr>
-        <a:lstStyle/>
-        <a:p>
-          <a:pPr marL="171450" lvl="1" indent="-171450" algn="l" defTabSz="711200">
-            <a:lnSpc>
-              <a:spcPct val="90000"/>
-            </a:lnSpc>
-            <a:spcBef>
-              <a:spcPct val="0"/>
-            </a:spcBef>
-            <a:spcAft>
-              <a:spcPct val="15000"/>
-            </a:spcAft>
-            <a:buChar char="••"/>
-          </a:pPr>
-          <a:r>
-            <a:rPr lang="zh-CN" altLang="en-US" sz="1600" kern="1200" dirty="0" smtClean="0"/>
-            <a:t>提供了物业缴费功能，用户可以通过支付宝缴费</a:t>
-          </a:r>
-          <a:endParaRPr lang="zh-CN" altLang="en-US" sz="1600" kern="1200" dirty="0"/>
-        </a:p>
-        <a:p>
-          <a:pPr marL="171450" lvl="1" indent="-171450" algn="l" defTabSz="711200">
-            <a:lnSpc>
-              <a:spcPct val="90000"/>
-            </a:lnSpc>
-            <a:spcBef>
-              <a:spcPct val="0"/>
-            </a:spcBef>
-            <a:spcAft>
-              <a:spcPct val="15000"/>
-            </a:spcAft>
-            <a:buChar char="••"/>
-          </a:pPr>
-          <a:r>
-            <a:rPr lang="zh-CN" altLang="en-US" sz="1600" kern="1200" dirty="0" smtClean="0"/>
-            <a:t>提供了周边优惠功能，用户可以定位自己的位置获取周边优惠商品的信息</a:t>
-          </a:r>
-          <a:endParaRPr lang="zh-CN" altLang="en-US" sz="1600" kern="1200" dirty="0"/>
-        </a:p>
-        <a:p>
-          <a:pPr marL="171450" lvl="1" indent="-171450" algn="l" defTabSz="711200">
-            <a:lnSpc>
-              <a:spcPct val="90000"/>
-            </a:lnSpc>
-            <a:spcBef>
-              <a:spcPct val="0"/>
-            </a:spcBef>
-            <a:spcAft>
-              <a:spcPct val="15000"/>
-            </a:spcAft>
-            <a:buChar char="••"/>
-          </a:pPr>
-          <a:r>
-            <a:rPr lang="zh-CN" altLang="en-US" sz="1600" kern="1200" dirty="0" smtClean="0"/>
-            <a:t>提供了手机端与网页端服务</a:t>
-          </a:r>
-          <a:endParaRPr lang="zh-CN" altLang="en-US" sz="1600" kern="1200" dirty="0"/>
-        </a:p>
-      </dsp:txBody>
-      <dsp:txXfrm>
-        <a:off x="0" y="344917"/>
-        <a:ext cx="8256588" cy="1285200"/>
-      </dsp:txXfrm>
-    </dsp:sp>
-    <dsp:sp modelId="{0906846D-B162-433A-97D0-D4044DEE67CF}">
-      <dsp:nvSpPr>
-        <dsp:cNvPr id="0" name=""/>
-        <dsp:cNvSpPr/>
-      </dsp:nvSpPr>
-      <dsp:spPr>
-        <a:xfrm>
-          <a:off x="412829" y="108757"/>
-          <a:ext cx="5779611" cy="472320"/>
-        </a:xfrm>
-        <a:prstGeom prst="roundRect">
-          <a:avLst/>
-        </a:prstGeom>
-        <a:solidFill>
-          <a:schemeClr val="accent1">
-            <a:hueOff val="0"/>
-            <a:satOff val="0"/>
-            <a:lumOff val="0"/>
-            <a:alphaOff val="0"/>
-          </a:schemeClr>
-        </a:solidFill>
-        <a:ln w="12700" cap="flat" cmpd="sng" algn="ctr">
-          <a:solidFill>
-            <a:schemeClr val="lt1">
-              <a:hueOff val="0"/>
-              <a:satOff val="0"/>
-              <a:lumOff val="0"/>
-              <a:alphaOff val="0"/>
-            </a:schemeClr>
-          </a:solidFill>
-          <a:prstDash val="solid"/>
-          <a:miter lim="800000"/>
-        </a:ln>
-        <a:effectLst/>
-      </dsp:spPr>
-      <dsp:style>
-        <a:lnRef idx="2">
-          <a:scrgbClr r="0" g="0" b="0"/>
-        </a:lnRef>
-        <a:fillRef idx="1">
-          <a:scrgbClr r="0" g="0" b="0"/>
-        </a:fillRef>
-        <a:effectRef idx="0">
-          <a:scrgbClr r="0" g="0" b="0"/>
-        </a:effectRef>
-        <a:fontRef idx="minor">
-          <a:schemeClr val="lt1"/>
-        </a:fontRef>
-      </dsp:style>
-      <dsp:txBody>
-        <a:bodyPr spcFirstLastPara="0" vert="horz" wrap="square" lIns="218456" tIns="0" rIns="218456" bIns="0" numCol="1" spcCol="1270" anchor="ctr" anchorCtr="0">
-          <a:noAutofit/>
-        </a:bodyPr>
-        <a:lstStyle/>
-        <a:p>
-          <a:pPr lvl="0" algn="l" defTabSz="711200">
-            <a:lnSpc>
-              <a:spcPct val="90000"/>
-            </a:lnSpc>
-            <a:spcBef>
-              <a:spcPct val="0"/>
-            </a:spcBef>
-            <a:spcAft>
-              <a:spcPct val="35000"/>
-            </a:spcAft>
-          </a:pPr>
-          <a:r>
-            <a:rPr lang="zh-CN" altLang="en-US" sz="1600" kern="1200" dirty="0" smtClean="0"/>
-            <a:t>对于用户</a:t>
-          </a:r>
-          <a:endParaRPr lang="zh-CN" altLang="en-US" sz="1600" kern="1200" dirty="0"/>
-        </a:p>
-      </dsp:txBody>
-      <dsp:txXfrm>
-        <a:off x="412829" y="108757"/>
-        <a:ext cx="5779611" cy="472320"/>
-      </dsp:txXfrm>
-    </dsp:sp>
-    <dsp:sp modelId="{35B04919-E45A-445B-8E33-878B767387DD}">
-      <dsp:nvSpPr>
-        <dsp:cNvPr id="0" name=""/>
-        <dsp:cNvSpPr/>
-      </dsp:nvSpPr>
-      <dsp:spPr>
-        <a:xfrm>
-          <a:off x="0" y="1952678"/>
-          <a:ext cx="8256588" cy="1285200"/>
-        </a:xfrm>
-        <a:prstGeom prst="rect">
-          <a:avLst/>
-        </a:prstGeom>
-        <a:solidFill>
-          <a:schemeClr val="lt1">
-            <a:alpha val="90000"/>
-            <a:hueOff val="0"/>
-            <a:satOff val="0"/>
-            <a:lumOff val="0"/>
-            <a:alphaOff val="0"/>
-          </a:schemeClr>
-        </a:solidFill>
-        <a:ln w="12700" cap="flat" cmpd="sng" algn="ctr">
-          <a:solidFill>
-            <a:schemeClr val="accent1">
-              <a:hueOff val="0"/>
-              <a:satOff val="0"/>
-              <a:lumOff val="0"/>
-              <a:alphaOff val="0"/>
-            </a:schemeClr>
-          </a:solidFill>
-          <a:prstDash val="solid"/>
-          <a:miter lim="800000"/>
-        </a:ln>
-        <a:effectLst/>
-      </dsp:spPr>
-      <dsp:style>
-        <a:lnRef idx="2">
-          <a:scrgbClr r="0" g="0" b="0"/>
-        </a:lnRef>
-        <a:fillRef idx="1">
-          <a:scrgbClr r="0" g="0" b="0"/>
-        </a:fillRef>
-        <a:effectRef idx="0">
-          <a:scrgbClr r="0" g="0" b="0"/>
-        </a:effectRef>
-        <a:fontRef idx="minor"/>
-      </dsp:style>
-      <dsp:txBody>
-        <a:bodyPr spcFirstLastPara="0" vert="horz" wrap="square" lIns="640803" tIns="333248" rIns="640803" bIns="113792" numCol="1" spcCol="1270" anchor="t" anchorCtr="0">
-          <a:noAutofit/>
-        </a:bodyPr>
-        <a:lstStyle/>
-        <a:p>
-          <a:pPr marL="171450" lvl="1" indent="-171450" algn="l" defTabSz="711200">
-            <a:lnSpc>
-              <a:spcPct val="90000"/>
-            </a:lnSpc>
-            <a:spcBef>
-              <a:spcPct val="0"/>
-            </a:spcBef>
-            <a:spcAft>
-              <a:spcPct val="15000"/>
-            </a:spcAft>
-            <a:buChar char="••"/>
-          </a:pPr>
-          <a:r>
-            <a:rPr lang="zh-CN" altLang="en-US" sz="1600" kern="1200" dirty="0" smtClean="0"/>
-            <a:t>提供物业通知功能，可以群发或者指定用户发送通知</a:t>
-          </a:r>
-          <a:endParaRPr lang="zh-CN" altLang="en-US" sz="1600" kern="1200" dirty="0"/>
-        </a:p>
-        <a:p>
-          <a:pPr marL="171450" lvl="1" indent="-171450" algn="l" defTabSz="711200">
-            <a:lnSpc>
-              <a:spcPct val="90000"/>
-            </a:lnSpc>
-            <a:spcBef>
-              <a:spcPct val="0"/>
-            </a:spcBef>
-            <a:spcAft>
-              <a:spcPct val="15000"/>
-            </a:spcAft>
-            <a:buChar char="••"/>
-          </a:pPr>
-          <a:r>
-            <a:rPr lang="zh-CN" altLang="en-US" sz="1600" kern="1200" dirty="0" smtClean="0"/>
-            <a:t>提供缴费功能，可以发送账单给用户便捷收款</a:t>
-          </a:r>
-          <a:endParaRPr lang="zh-CN" altLang="en-US" sz="1600" kern="1200" dirty="0"/>
-        </a:p>
-        <a:p>
-          <a:pPr marL="171450" lvl="1" indent="-171450" algn="l" defTabSz="711200">
-            <a:lnSpc>
-              <a:spcPct val="90000"/>
-            </a:lnSpc>
-            <a:spcBef>
-              <a:spcPct val="0"/>
-            </a:spcBef>
-            <a:spcAft>
-              <a:spcPct val="15000"/>
-            </a:spcAft>
-            <a:buChar char="••"/>
-          </a:pPr>
-          <a:r>
-            <a:rPr lang="zh-CN" altLang="en-US" sz="1600" kern="1200" dirty="0" smtClean="0"/>
-            <a:t>提供生活服务功能，管理员可以直接收到用户的维修请求</a:t>
-          </a:r>
-          <a:endParaRPr lang="zh-CN" altLang="en-US" sz="1600" kern="1200" dirty="0"/>
-        </a:p>
-      </dsp:txBody>
-      <dsp:txXfrm>
-        <a:off x="0" y="1952678"/>
-        <a:ext cx="8256588" cy="1285200"/>
-      </dsp:txXfrm>
-    </dsp:sp>
-    <dsp:sp modelId="{C6732B46-C6AA-48F3-A0C4-4ACA7A63178C}">
-      <dsp:nvSpPr>
-        <dsp:cNvPr id="0" name=""/>
-        <dsp:cNvSpPr/>
-      </dsp:nvSpPr>
-      <dsp:spPr>
-        <a:xfrm>
-          <a:off x="412829" y="1716518"/>
-          <a:ext cx="5779611" cy="472320"/>
-        </a:xfrm>
-        <a:prstGeom prst="roundRect">
-          <a:avLst/>
-        </a:prstGeom>
-        <a:solidFill>
-          <a:schemeClr val="accent1">
-            <a:hueOff val="0"/>
-            <a:satOff val="0"/>
-            <a:lumOff val="0"/>
-            <a:alphaOff val="0"/>
-          </a:schemeClr>
-        </a:solidFill>
-        <a:ln w="12700" cap="flat" cmpd="sng" algn="ctr">
-          <a:solidFill>
-            <a:schemeClr val="lt1">
-              <a:hueOff val="0"/>
-              <a:satOff val="0"/>
-              <a:lumOff val="0"/>
-              <a:alphaOff val="0"/>
-            </a:schemeClr>
-          </a:solidFill>
-          <a:prstDash val="solid"/>
-          <a:miter lim="800000"/>
-        </a:ln>
-        <a:effectLst/>
-      </dsp:spPr>
-      <dsp:style>
-        <a:lnRef idx="2">
-          <a:scrgbClr r="0" g="0" b="0"/>
-        </a:lnRef>
-        <a:fillRef idx="1">
-          <a:scrgbClr r="0" g="0" b="0"/>
-        </a:fillRef>
-        <a:effectRef idx="0">
-          <a:scrgbClr r="0" g="0" b="0"/>
-        </a:effectRef>
-        <a:fontRef idx="minor">
-          <a:schemeClr val="lt1"/>
-        </a:fontRef>
-      </dsp:style>
-      <dsp:txBody>
-        <a:bodyPr spcFirstLastPara="0" vert="horz" wrap="square" lIns="218456" tIns="0" rIns="218456" bIns="0" numCol="1" spcCol="1270" anchor="ctr" anchorCtr="0">
-          <a:noAutofit/>
-        </a:bodyPr>
-        <a:lstStyle/>
-        <a:p>
-          <a:pPr lvl="0" algn="l" defTabSz="711200">
-            <a:lnSpc>
-              <a:spcPct val="90000"/>
-            </a:lnSpc>
-            <a:spcBef>
-              <a:spcPct val="0"/>
-            </a:spcBef>
-            <a:spcAft>
-              <a:spcPct val="35000"/>
-            </a:spcAft>
-          </a:pPr>
-          <a:r>
-            <a:rPr lang="zh-CN" altLang="en-US" sz="1600" kern="1200" dirty="0" smtClean="0"/>
-            <a:t>对于管理员</a:t>
-          </a:r>
-          <a:endParaRPr lang="zh-CN" altLang="en-US" sz="1600" kern="1200" dirty="0"/>
-        </a:p>
-      </dsp:txBody>
-      <dsp:txXfrm>
-        <a:off x="412829" y="1716518"/>
-        <a:ext cx="5779611" cy="472320"/>
-      </dsp:txXfrm>
-    </dsp:sp>
-    <dsp:sp modelId="{6A001656-CA27-4567-96E8-EF933E971BD3}">
-      <dsp:nvSpPr>
-        <dsp:cNvPr id="0" name=""/>
-        <dsp:cNvSpPr/>
-      </dsp:nvSpPr>
-      <dsp:spPr>
-        <a:xfrm>
-          <a:off x="0" y="3560438"/>
-          <a:ext cx="8256588" cy="1008000"/>
-        </a:xfrm>
-        <a:prstGeom prst="rect">
-          <a:avLst/>
-        </a:prstGeom>
-        <a:solidFill>
-          <a:schemeClr val="lt1">
-            <a:alpha val="90000"/>
-            <a:hueOff val="0"/>
-            <a:satOff val="0"/>
-            <a:lumOff val="0"/>
-            <a:alphaOff val="0"/>
-          </a:schemeClr>
-        </a:solidFill>
-        <a:ln w="12700" cap="flat" cmpd="sng" algn="ctr">
-          <a:solidFill>
-            <a:schemeClr val="accent1">
-              <a:hueOff val="0"/>
-              <a:satOff val="0"/>
-              <a:lumOff val="0"/>
-              <a:alphaOff val="0"/>
-            </a:schemeClr>
-          </a:solidFill>
-          <a:prstDash val="solid"/>
-          <a:miter lim="800000"/>
-        </a:ln>
-        <a:effectLst/>
-      </dsp:spPr>
-      <dsp:style>
-        <a:lnRef idx="2">
-          <a:scrgbClr r="0" g="0" b="0"/>
-        </a:lnRef>
-        <a:fillRef idx="1">
-          <a:scrgbClr r="0" g="0" b="0"/>
-        </a:fillRef>
-        <a:effectRef idx="0">
-          <a:scrgbClr r="0" g="0" b="0"/>
-        </a:effectRef>
-        <a:fontRef idx="minor"/>
-      </dsp:style>
-      <dsp:txBody>
-        <a:bodyPr spcFirstLastPara="0" vert="horz" wrap="square" lIns="640803" tIns="333248" rIns="640803" bIns="113792" numCol="1" spcCol="1270" anchor="t" anchorCtr="0">
-          <a:noAutofit/>
-        </a:bodyPr>
-        <a:lstStyle/>
-        <a:p>
-          <a:pPr marL="171450" lvl="1" indent="-171450" algn="l" defTabSz="711200">
-            <a:lnSpc>
-              <a:spcPct val="90000"/>
-            </a:lnSpc>
-            <a:spcBef>
-              <a:spcPct val="0"/>
-            </a:spcBef>
-            <a:spcAft>
-              <a:spcPct val="15000"/>
-            </a:spcAft>
-            <a:buChar char="••"/>
-          </a:pPr>
-          <a:r>
-            <a:rPr lang="zh-CN" altLang="en-US" sz="1600" kern="1200" dirty="0" smtClean="0"/>
-            <a:t>提供小区团购功能，商户可以获得居民的团购需求开启团购</a:t>
-          </a:r>
-          <a:endParaRPr lang="zh-CN" altLang="en-US" sz="1600" kern="1200" dirty="0"/>
-        </a:p>
-        <a:p>
-          <a:pPr marL="171450" lvl="1" indent="-171450" algn="l" defTabSz="711200">
-            <a:lnSpc>
-              <a:spcPct val="90000"/>
-            </a:lnSpc>
-            <a:spcBef>
-              <a:spcPct val="0"/>
-            </a:spcBef>
-            <a:spcAft>
-              <a:spcPct val="15000"/>
-            </a:spcAft>
-            <a:buChar char="••"/>
-          </a:pPr>
-          <a:r>
-            <a:rPr lang="zh-CN" altLang="en-US" sz="1600" kern="1200" dirty="0" smtClean="0"/>
-            <a:t>提供周边优惠功能，商户可以将优惠信息直接提供给用户</a:t>
-          </a:r>
-          <a:endParaRPr lang="zh-CN" altLang="en-US" sz="1600" kern="1200" dirty="0"/>
-        </a:p>
-      </dsp:txBody>
-      <dsp:txXfrm>
-        <a:off x="0" y="3560438"/>
-        <a:ext cx="8256588" cy="1008000"/>
-      </dsp:txXfrm>
-    </dsp:sp>
-    <dsp:sp modelId="{04F6827F-281B-42C5-A9D8-0CB3AAB5A08B}">
-      <dsp:nvSpPr>
-        <dsp:cNvPr id="0" name=""/>
-        <dsp:cNvSpPr/>
-      </dsp:nvSpPr>
-      <dsp:spPr>
-        <a:xfrm>
-          <a:off x="412829" y="3324278"/>
-          <a:ext cx="5779611" cy="472320"/>
-        </a:xfrm>
-        <a:prstGeom prst="roundRect">
-          <a:avLst/>
-        </a:prstGeom>
-        <a:solidFill>
-          <a:schemeClr val="accent1">
-            <a:hueOff val="0"/>
-            <a:satOff val="0"/>
-            <a:lumOff val="0"/>
-            <a:alphaOff val="0"/>
-          </a:schemeClr>
-        </a:solidFill>
-        <a:ln w="12700" cap="flat" cmpd="sng" algn="ctr">
-          <a:solidFill>
-            <a:schemeClr val="lt1">
-              <a:hueOff val="0"/>
-              <a:satOff val="0"/>
-              <a:lumOff val="0"/>
-              <a:alphaOff val="0"/>
-            </a:schemeClr>
-          </a:solidFill>
-          <a:prstDash val="solid"/>
-          <a:miter lim="800000"/>
-        </a:ln>
-        <a:effectLst/>
-      </dsp:spPr>
-      <dsp:style>
-        <a:lnRef idx="2">
-          <a:scrgbClr r="0" g="0" b="0"/>
-        </a:lnRef>
-        <a:fillRef idx="1">
-          <a:scrgbClr r="0" g="0" b="0"/>
-        </a:fillRef>
-        <a:effectRef idx="0">
-          <a:scrgbClr r="0" g="0" b="0"/>
-        </a:effectRef>
-        <a:fontRef idx="minor">
-          <a:schemeClr val="lt1"/>
-        </a:fontRef>
-      </dsp:style>
-      <dsp:txBody>
-        <a:bodyPr spcFirstLastPara="0" vert="horz" wrap="square" lIns="218456" tIns="0" rIns="218456" bIns="0" numCol="1" spcCol="1270" anchor="ctr" anchorCtr="0">
-          <a:noAutofit/>
-        </a:bodyPr>
-        <a:lstStyle/>
-        <a:p>
-          <a:pPr lvl="0" algn="l" defTabSz="711200">
-            <a:lnSpc>
-              <a:spcPct val="90000"/>
-            </a:lnSpc>
-            <a:spcBef>
-              <a:spcPct val="0"/>
-            </a:spcBef>
-            <a:spcAft>
-              <a:spcPct val="35000"/>
-            </a:spcAft>
-          </a:pPr>
-          <a:r>
-            <a:rPr lang="zh-CN" altLang="en-US" sz="1600" kern="1200" dirty="0" smtClean="0"/>
-            <a:t>对于周边商户</a:t>
-          </a:r>
-          <a:endParaRPr lang="zh-CN" altLang="en-US" sz="1600" kern="1200" dirty="0"/>
-        </a:p>
-      </dsp:txBody>
-      <dsp:txXfrm>
-        <a:off x="412829" y="3324278"/>
-        <a:ext cx="5779611" cy="472320"/>
+        <a:off x="364045" y="29330"/>
+        <a:ext cx="5096637" cy="708479"/>
       </dsp:txXfrm>
     </dsp:sp>
   </dsp:spTree>
@@ -4817,7 +4039,7 @@
 </file>
 
 <file path=ppt/diagrams/layout1.xml><?xml version="1.0" encoding="utf-8"?>
-<dgm:layoutDef xmlns:dgm="http://schemas.openxmlformats.org/drawingml/2006/diagram" xmlns:a="http://schemas.openxmlformats.org/drawingml/2006/main" uniqueId="urn:microsoft.com/office/officeart/2005/8/layout/list1">
+<dgm:layoutDef xmlns:dgm="http://schemas.openxmlformats.org/drawingml/2006/diagram" xmlns:a="http://schemas.openxmlformats.org/drawingml/2006/main" uniqueId="urn:microsoft.com/office/officeart/2005/8/layout/list1#1">
   <dgm:title val=""/>
   <dgm:desc val=""/>
   <dgm:catLst>
@@ -5044,7 +4266,7 @@
 </file>
 
 <file path=ppt/diagrams/layout2.xml><?xml version="1.0" encoding="utf-8"?>
-<dgm:layoutDef xmlns:dgm="http://schemas.openxmlformats.org/drawingml/2006/diagram" xmlns:a="http://schemas.openxmlformats.org/drawingml/2006/main" uniqueId="urn:microsoft.com/office/officeart/2005/8/layout/list1">
+<dgm:layoutDef xmlns:dgm="http://schemas.openxmlformats.org/drawingml/2006/diagram" xmlns:a="http://schemas.openxmlformats.org/drawingml/2006/main" uniqueId="urn:microsoft.com/office/officeart/2005/8/layout/list1#2">
   <dgm:title val=""/>
   <dgm:desc val=""/>
   <dgm:catLst>
@@ -5271,7 +4493,7 @@
 </file>
 
 <file path=ppt/diagrams/layout3.xml><?xml version="1.0" encoding="utf-8"?>
-<dgm:layoutDef xmlns:dgm="http://schemas.openxmlformats.org/drawingml/2006/diagram" xmlns:a="http://schemas.openxmlformats.org/drawingml/2006/main" uniqueId="urn:microsoft.com/office/officeart/2005/8/layout/list1">
+<dgm:layoutDef xmlns:dgm="http://schemas.openxmlformats.org/drawingml/2006/diagram" xmlns:a="http://schemas.openxmlformats.org/drawingml/2006/main" uniqueId="urn:microsoft.com/office/officeart/2005/8/layout/list1#3">
   <dgm:title val=""/>
   <dgm:desc val=""/>
   <dgm:catLst>
@@ -5498,7 +4720,7 @@
 </file>
 
 <file path=ppt/diagrams/quickStyle1.xml><?xml version="1.0" encoding="utf-8"?>
-<dgm:styleDef xmlns:dgm="http://schemas.openxmlformats.org/drawingml/2006/diagram" xmlns:a="http://schemas.openxmlformats.org/drawingml/2006/main" uniqueId="urn:microsoft.com/office/officeart/2005/8/quickstyle/simple1">
+<dgm:styleDef xmlns:dgm="http://schemas.openxmlformats.org/drawingml/2006/diagram" xmlns:a="http://schemas.openxmlformats.org/drawingml/2006/main" uniqueId="urn:microsoft.com/office/officeart/2005/8/quickstyle/simple1#1">
   <dgm:title val=""/>
   <dgm:desc val=""/>
   <dgm:catLst>
@@ -5513,6 +4735,7 @@
       <a:camera prst="orthographicFront"/>
       <a:lightRig rig="threePt" dir="t"/>
     </dgm:scene3d>
+    <dgm:sp3d/>
     <dgm:txPr/>
     <dgm:style>
       <a:lnRef idx="2">
@@ -5532,6 +4755,7 @@
       <a:camera prst="orthographicFront"/>
       <a:lightRig rig="threePt" dir="t"/>
     </dgm:scene3d>
+    <dgm:sp3d/>
     <dgm:txPr/>
     <dgm:style>
       <a:lnRef idx="2">
@@ -5551,6 +4775,7 @@
       <a:camera prst="orthographicFront"/>
       <a:lightRig rig="threePt" dir="t"/>
     </dgm:scene3d>
+    <dgm:sp3d/>
     <dgm:txPr/>
     <dgm:style>
       <a:lnRef idx="2">
@@ -5570,6 +4795,7 @@
       <a:camera prst="orthographicFront"/>
       <a:lightRig rig="threePt" dir="t"/>
     </dgm:scene3d>
+    <dgm:sp3d/>
     <dgm:txPr/>
     <dgm:style>
       <a:lnRef idx="2">
@@ -5591,6 +4817,7 @@
       <a:camera prst="orthographicFront"/>
       <a:lightRig rig="threePt" dir="t"/>
     </dgm:scene3d>
+    <dgm:sp3d/>
     <dgm:txPr/>
     <dgm:style>
       <a:lnRef idx="2">
@@ -5612,6 +4839,7 @@
       <a:camera prst="orthographicFront"/>
       <a:lightRig rig="threePt" dir="t"/>
     </dgm:scene3d>
+    <dgm:sp3d/>
     <dgm:txPr/>
     <dgm:style>
       <a:lnRef idx="2">
@@ -5633,6 +4861,7 @@
       <a:camera prst="orthographicFront"/>
       <a:lightRig rig="threePt" dir="t"/>
     </dgm:scene3d>
+    <dgm:sp3d/>
     <dgm:txPr/>
     <dgm:style>
       <a:lnRef idx="2">
@@ -5654,6 +4883,7 @@
       <a:camera prst="orthographicFront"/>
       <a:lightRig rig="threePt" dir="t"/>
     </dgm:scene3d>
+    <dgm:sp3d/>
     <dgm:txPr/>
     <dgm:style>
       <a:lnRef idx="2">
@@ -5675,6 +4905,7 @@
       <a:camera prst="orthographicFront"/>
       <a:lightRig rig="threePt" dir="t"/>
     </dgm:scene3d>
+    <dgm:sp3d/>
     <dgm:txPr/>
     <dgm:style>
       <a:lnRef idx="2">
@@ -5696,6 +4927,7 @@
       <a:camera prst="orthographicFront"/>
       <a:lightRig rig="threePt" dir="t"/>
     </dgm:scene3d>
+    <dgm:sp3d/>
     <dgm:txPr/>
     <dgm:style>
       <a:lnRef idx="2">
@@ -5715,6 +4947,7 @@
       <a:camera prst="orthographicFront"/>
       <a:lightRig rig="threePt" dir="t"/>
     </dgm:scene3d>
+    <dgm:sp3d/>
     <dgm:txPr/>
     <dgm:style>
       <a:lnRef idx="2">
@@ -5734,6 +4967,7 @@
       <a:camera prst="orthographicFront"/>
       <a:lightRig rig="threePt" dir="t"/>
     </dgm:scene3d>
+    <dgm:sp3d/>
     <dgm:txPr/>
     <dgm:style>
       <a:lnRef idx="2">
@@ -5753,6 +4987,7 @@
       <a:camera prst="orthographicFront"/>
       <a:lightRig rig="threePt" dir="t"/>
     </dgm:scene3d>
+    <dgm:sp3d/>
     <dgm:txPr/>
     <dgm:style>
       <a:lnRef idx="0">
@@ -5772,6 +5007,7 @@
       <a:camera prst="orthographicFront"/>
       <a:lightRig rig="threePt" dir="t"/>
     </dgm:scene3d>
+    <dgm:sp3d/>
     <dgm:txPr/>
     <dgm:style>
       <a:lnRef idx="0">
@@ -5793,6 +5029,7 @@
       <a:camera prst="orthographicFront"/>
       <a:lightRig rig="threePt" dir="t"/>
     </dgm:scene3d>
+    <dgm:sp3d/>
     <dgm:txPr/>
     <dgm:style>
       <a:lnRef idx="2">
@@ -5812,6 +5049,7 @@
       <a:camera prst="orthographicFront"/>
       <a:lightRig rig="threePt" dir="t"/>
     </dgm:scene3d>
+    <dgm:sp3d/>
     <dgm:txPr/>
     <dgm:style>
       <a:lnRef idx="2">
@@ -5831,6 +5069,7 @@
       <a:camera prst="orthographicFront"/>
       <a:lightRig rig="threePt" dir="t"/>
     </dgm:scene3d>
+    <dgm:sp3d/>
     <dgm:txPr/>
     <dgm:style>
       <a:lnRef idx="0">
@@ -5850,6 +5089,7 @@
       <a:camera prst="orthographicFront"/>
       <a:lightRig rig="threePt" dir="t"/>
     </dgm:scene3d>
+    <dgm:sp3d/>
     <dgm:txPr/>
     <dgm:style>
       <a:lnRef idx="2">
@@ -5869,6 +5109,7 @@
       <a:camera prst="orthographicFront"/>
       <a:lightRig rig="threePt" dir="t"/>
     </dgm:scene3d>
+    <dgm:sp3d/>
     <dgm:txPr/>
     <dgm:style>
       <a:lnRef idx="2">
@@ -5888,6 +5129,7 @@
       <a:camera prst="orthographicFront"/>
       <a:lightRig rig="threePt" dir="t"/>
     </dgm:scene3d>
+    <dgm:sp3d/>
     <dgm:txPr/>
     <dgm:style>
       <a:lnRef idx="2">
@@ -5907,6 +5149,7 @@
       <a:camera prst="orthographicFront"/>
       <a:lightRig rig="threePt" dir="t"/>
     </dgm:scene3d>
+    <dgm:sp3d/>
     <dgm:txPr/>
     <dgm:style>
       <a:lnRef idx="2">
@@ -5926,6 +5169,7 @@
       <a:camera prst="orthographicFront"/>
       <a:lightRig rig="threePt" dir="t"/>
     </dgm:scene3d>
+    <dgm:sp3d/>
     <dgm:txPr/>
     <dgm:style>
       <a:lnRef idx="2">
@@ -5945,6 +5189,7 @@
       <a:camera prst="orthographicFront"/>
       <a:lightRig rig="threePt" dir="t"/>
     </dgm:scene3d>
+    <dgm:sp3d/>
     <dgm:txPr/>
     <dgm:style>
       <a:lnRef idx="2">
@@ -5964,6 +5209,7 @@
       <a:camera prst="orthographicFront"/>
       <a:lightRig rig="threePt" dir="t"/>
     </dgm:scene3d>
+    <dgm:sp3d/>
     <dgm:txPr/>
     <dgm:style>
       <a:lnRef idx="2">
@@ -5983,6 +5229,7 @@
       <a:camera prst="orthographicFront"/>
       <a:lightRig rig="threePt" dir="t"/>
     </dgm:scene3d>
+    <dgm:sp3d/>
     <dgm:txPr/>
     <dgm:style>
       <a:lnRef idx="2">
@@ -6002,6 +5249,7 @@
       <a:camera prst="orthographicFront"/>
       <a:lightRig rig="threePt" dir="t"/>
     </dgm:scene3d>
+    <dgm:sp3d/>
     <dgm:txPr/>
     <dgm:style>
       <a:lnRef idx="0">
@@ -6023,6 +5271,7 @@
       <a:camera prst="orthographicFront"/>
       <a:lightRig rig="threePt" dir="t"/>
     </dgm:scene3d>
+    <dgm:sp3d/>
     <dgm:txPr/>
     <dgm:style>
       <a:lnRef idx="2">
@@ -6044,6 +5293,7 @@
       <a:camera prst="orthographicFront"/>
       <a:lightRig rig="threePt" dir="t"/>
     </dgm:scene3d>
+    <dgm:sp3d/>
     <dgm:txPr/>
     <dgm:style>
       <a:lnRef idx="2">
@@ -6065,6 +5315,7 @@
       <a:camera prst="orthographicFront"/>
       <a:lightRig rig="threePt" dir="t"/>
     </dgm:scene3d>
+    <dgm:sp3d/>
     <dgm:txPr/>
     <dgm:style>
       <a:lnRef idx="2">
@@ -6086,6 +5337,7 @@
       <a:camera prst="orthographicFront"/>
       <a:lightRig rig="threePt" dir="t"/>
     </dgm:scene3d>
+    <dgm:sp3d/>
     <dgm:txPr/>
     <dgm:style>
       <a:lnRef idx="2">
@@ -6107,6 +5359,7 @@
       <a:camera prst="orthographicFront"/>
       <a:lightRig rig="threePt" dir="t"/>
     </dgm:scene3d>
+    <dgm:sp3d/>
     <dgm:txPr/>
     <dgm:style>
       <a:lnRef idx="2">
@@ -6128,6 +5381,7 @@
       <a:camera prst="orthographicFront"/>
       <a:lightRig rig="threePt" dir="t"/>
     </dgm:scene3d>
+    <dgm:sp3d/>
     <dgm:txPr/>
     <dgm:style>
       <a:lnRef idx="2">
@@ -6149,6 +5403,7 @@
       <a:camera prst="orthographicFront"/>
       <a:lightRig rig="threePt" dir="t"/>
     </dgm:scene3d>
+    <dgm:sp3d/>
     <dgm:txPr/>
     <dgm:style>
       <a:lnRef idx="2">
@@ -6168,6 +5423,7 @@
       <a:camera prst="orthographicFront"/>
       <a:lightRig rig="threePt" dir="t"/>
     </dgm:scene3d>
+    <dgm:sp3d/>
     <dgm:txPr/>
     <dgm:style>
       <a:lnRef idx="2">
@@ -6187,6 +5443,7 @@
       <a:camera prst="orthographicFront"/>
       <a:lightRig rig="threePt" dir="t"/>
     </dgm:scene3d>
+    <dgm:sp3d/>
     <dgm:txPr/>
     <dgm:style>
       <a:lnRef idx="2">
@@ -6206,6 +5463,7 @@
       <a:camera prst="orthographicFront"/>
       <a:lightRig rig="threePt" dir="t"/>
     </dgm:scene3d>
+    <dgm:sp3d/>
     <dgm:txPr/>
     <dgm:style>
       <a:lnRef idx="2">
@@ -6225,6 +5483,7 @@
       <a:camera prst="orthographicFront"/>
       <a:lightRig rig="threePt" dir="t"/>
     </dgm:scene3d>
+    <dgm:sp3d/>
     <dgm:txPr/>
     <dgm:style>
       <a:lnRef idx="2">
@@ -6246,6 +5505,7 @@
       <a:camera prst="orthographicFront"/>
       <a:lightRig rig="threePt" dir="t"/>
     </dgm:scene3d>
+    <dgm:sp3d/>
     <dgm:txPr/>
     <dgm:style>
       <a:lnRef idx="2">
@@ -6267,6 +5527,7 @@
       <a:camera prst="orthographicFront"/>
       <a:lightRig rig="threePt" dir="t"/>
     </dgm:scene3d>
+    <dgm:sp3d/>
     <dgm:txPr/>
     <dgm:style>
       <a:lnRef idx="2">
@@ -6288,6 +5549,7 @@
       <a:camera prst="orthographicFront"/>
       <a:lightRig rig="threePt" dir="t"/>
     </dgm:scene3d>
+    <dgm:sp3d/>
     <dgm:txPr/>
     <dgm:style>
       <a:lnRef idx="2">
@@ -6309,6 +5571,7 @@
       <a:camera prst="orthographicFront"/>
       <a:lightRig rig="threePt" dir="t"/>
     </dgm:scene3d>
+    <dgm:sp3d/>
     <dgm:txPr/>
     <dgm:style>
       <a:lnRef idx="0">
@@ -6328,6 +5591,7 @@
       <a:camera prst="orthographicFront"/>
       <a:lightRig rig="threePt" dir="t"/>
     </dgm:scene3d>
+    <dgm:sp3d/>
     <dgm:txPr/>
     <dgm:style>
       <a:lnRef idx="1">
@@ -6347,6 +5611,7 @@
       <a:camera prst="orthographicFront"/>
       <a:lightRig rig="threePt" dir="t"/>
     </dgm:scene3d>
+    <dgm:sp3d/>
     <dgm:txPr/>
     <dgm:style>
       <a:lnRef idx="0">
@@ -6368,6 +5633,7 @@
       <a:camera prst="orthographicFront"/>
       <a:lightRig rig="threePt" dir="t"/>
     </dgm:scene3d>
+    <dgm:sp3d/>
     <dgm:txPr/>
     <dgm:style>
       <a:lnRef idx="2">
@@ -6387,6 +5653,7 @@
       <a:camera prst="orthographicFront"/>
       <a:lightRig rig="threePt" dir="t"/>
     </dgm:scene3d>
+    <dgm:sp3d/>
     <dgm:txPr/>
     <dgm:style>
       <a:lnRef idx="2">
@@ -6406,6 +5673,7 @@
       <a:camera prst="orthographicFront"/>
       <a:lightRig rig="threePt" dir="t"/>
     </dgm:scene3d>
+    <dgm:sp3d/>
     <dgm:txPr/>
     <dgm:style>
       <a:lnRef idx="2">
@@ -6425,6 +5693,7 @@
       <a:camera prst="orthographicFront"/>
       <a:lightRig rig="threePt" dir="t"/>
     </dgm:scene3d>
+    <dgm:sp3d/>
     <dgm:txPr/>
     <dgm:style>
       <a:lnRef idx="1">
@@ -6444,6 +5713,7 @@
       <a:camera prst="orthographicFront"/>
       <a:lightRig rig="threePt" dir="t"/>
     </dgm:scene3d>
+    <dgm:sp3d/>
     <dgm:txPr/>
     <dgm:style>
       <a:lnRef idx="0">
@@ -6463,6 +5733,7 @@
       <a:camera prst="orthographicFront"/>
       <a:lightRig rig="threePt" dir="t"/>
     </dgm:scene3d>
+    <dgm:sp3d/>
     <dgm:txPr/>
     <dgm:style>
       <a:lnRef idx="2">
@@ -6483,7 +5754,7 @@
 </file>
 
 <file path=ppt/diagrams/quickStyle2.xml><?xml version="1.0" encoding="utf-8"?>
-<dgm:styleDef xmlns:dgm="http://schemas.openxmlformats.org/drawingml/2006/diagram" xmlns:a="http://schemas.openxmlformats.org/drawingml/2006/main" uniqueId="urn:microsoft.com/office/officeart/2005/8/quickstyle/simple1">
+<dgm:styleDef xmlns:dgm="http://schemas.openxmlformats.org/drawingml/2006/diagram" xmlns:a="http://schemas.openxmlformats.org/drawingml/2006/main" uniqueId="urn:microsoft.com/office/officeart/2005/8/quickstyle/simple1#2">
   <dgm:title val=""/>
   <dgm:desc val=""/>
   <dgm:catLst>
@@ -6498,6 +5769,7 @@
       <a:camera prst="orthographicFront"/>
       <a:lightRig rig="threePt" dir="t"/>
     </dgm:scene3d>
+    <dgm:sp3d/>
     <dgm:txPr/>
     <dgm:style>
       <a:lnRef idx="2">
@@ -6517,6 +5789,7 @@
       <a:camera prst="orthographicFront"/>
       <a:lightRig rig="threePt" dir="t"/>
     </dgm:scene3d>
+    <dgm:sp3d/>
     <dgm:txPr/>
     <dgm:style>
       <a:lnRef idx="2">
@@ -6536,6 +5809,7 @@
       <a:camera prst="orthographicFront"/>
       <a:lightRig rig="threePt" dir="t"/>
     </dgm:scene3d>
+    <dgm:sp3d/>
     <dgm:txPr/>
     <dgm:style>
       <a:lnRef idx="2">
@@ -6555,6 +5829,7 @@
       <a:camera prst="orthographicFront"/>
       <a:lightRig rig="threePt" dir="t"/>
     </dgm:scene3d>
+    <dgm:sp3d/>
     <dgm:txPr/>
     <dgm:style>
       <a:lnRef idx="2">
@@ -6576,6 +5851,7 @@
       <a:camera prst="orthographicFront"/>
       <a:lightRig rig="threePt" dir="t"/>
     </dgm:scene3d>
+    <dgm:sp3d/>
     <dgm:txPr/>
     <dgm:style>
       <a:lnRef idx="2">
@@ -6597,6 +5873,7 @@
       <a:camera prst="orthographicFront"/>
       <a:lightRig rig="threePt" dir="t"/>
     </dgm:scene3d>
+    <dgm:sp3d/>
     <dgm:txPr/>
     <dgm:style>
       <a:lnRef idx="2">
@@ -6618,6 +5895,7 @@
       <a:camera prst="orthographicFront"/>
       <a:lightRig rig="threePt" dir="t"/>
     </dgm:scene3d>
+    <dgm:sp3d/>
     <dgm:txPr/>
     <dgm:style>
       <a:lnRef idx="2">
@@ -6639,6 +5917,7 @@
       <a:camera prst="orthographicFront"/>
       <a:lightRig rig="threePt" dir="t"/>
     </dgm:scene3d>
+    <dgm:sp3d/>
     <dgm:txPr/>
     <dgm:style>
       <a:lnRef idx="2">
@@ -6660,6 +5939,7 @@
       <a:camera prst="orthographicFront"/>
       <a:lightRig rig="threePt" dir="t"/>
     </dgm:scene3d>
+    <dgm:sp3d/>
     <dgm:txPr/>
     <dgm:style>
       <a:lnRef idx="2">
@@ -6681,6 +5961,7 @@
       <a:camera prst="orthographicFront"/>
       <a:lightRig rig="threePt" dir="t"/>
     </dgm:scene3d>
+    <dgm:sp3d/>
     <dgm:txPr/>
     <dgm:style>
       <a:lnRef idx="2">
@@ -6700,6 +5981,7 @@
       <a:camera prst="orthographicFront"/>
       <a:lightRig rig="threePt" dir="t"/>
     </dgm:scene3d>
+    <dgm:sp3d/>
     <dgm:txPr/>
     <dgm:style>
       <a:lnRef idx="2">
@@ -6719,6 +6001,7 @@
       <a:camera prst="orthographicFront"/>
       <a:lightRig rig="threePt" dir="t"/>
     </dgm:scene3d>
+    <dgm:sp3d/>
     <dgm:txPr/>
     <dgm:style>
       <a:lnRef idx="2">
@@ -6738,6 +6021,7 @@
       <a:camera prst="orthographicFront"/>
       <a:lightRig rig="threePt" dir="t"/>
     </dgm:scene3d>
+    <dgm:sp3d/>
     <dgm:txPr/>
     <dgm:style>
       <a:lnRef idx="0">
@@ -6757,6 +6041,7 @@
       <a:camera prst="orthographicFront"/>
       <a:lightRig rig="threePt" dir="t"/>
     </dgm:scene3d>
+    <dgm:sp3d/>
     <dgm:txPr/>
     <dgm:style>
       <a:lnRef idx="0">
@@ -6778,6 +6063,7 @@
       <a:camera prst="orthographicFront"/>
       <a:lightRig rig="threePt" dir="t"/>
     </dgm:scene3d>
+    <dgm:sp3d/>
     <dgm:txPr/>
     <dgm:style>
       <a:lnRef idx="2">
@@ -6797,6 +6083,7 @@
       <a:camera prst="orthographicFront"/>
       <a:lightRig rig="threePt" dir="t"/>
     </dgm:scene3d>
+    <dgm:sp3d/>
     <dgm:txPr/>
     <dgm:style>
       <a:lnRef idx="2">
@@ -6816,6 +6103,7 @@
       <a:camera prst="orthographicFront"/>
       <a:lightRig rig="threePt" dir="t"/>
     </dgm:scene3d>
+    <dgm:sp3d/>
     <dgm:txPr/>
     <dgm:style>
       <a:lnRef idx="0">
@@ -6835,6 +6123,7 @@
       <a:camera prst="orthographicFront"/>
       <a:lightRig rig="threePt" dir="t"/>
     </dgm:scene3d>
+    <dgm:sp3d/>
     <dgm:txPr/>
     <dgm:style>
       <a:lnRef idx="2">
@@ -6854,6 +6143,7 @@
       <a:camera prst="orthographicFront"/>
       <a:lightRig rig="threePt" dir="t"/>
     </dgm:scene3d>
+    <dgm:sp3d/>
     <dgm:txPr/>
     <dgm:style>
       <a:lnRef idx="2">
@@ -6873,6 +6163,7 @@
       <a:camera prst="orthographicFront"/>
       <a:lightRig rig="threePt" dir="t"/>
     </dgm:scene3d>
+    <dgm:sp3d/>
     <dgm:txPr/>
     <dgm:style>
       <a:lnRef idx="2">
@@ -6892,6 +6183,7 @@
       <a:camera prst="orthographicFront"/>
       <a:lightRig rig="threePt" dir="t"/>
     </dgm:scene3d>
+    <dgm:sp3d/>
     <dgm:txPr/>
     <dgm:style>
       <a:lnRef idx="2">
@@ -6911,6 +6203,7 @@
       <a:camera prst="orthographicFront"/>
       <a:lightRig rig="threePt" dir="t"/>
     </dgm:scene3d>
+    <dgm:sp3d/>
     <dgm:txPr/>
     <dgm:style>
       <a:lnRef idx="2">
@@ -6930,6 +6223,7 @@
       <a:camera prst="orthographicFront"/>
       <a:lightRig rig="threePt" dir="t"/>
     </dgm:scene3d>
+    <dgm:sp3d/>
     <dgm:txPr/>
     <dgm:style>
       <a:lnRef idx="2">
@@ -6949,6 +6243,7 @@
       <a:camera prst="orthographicFront"/>
       <a:lightRig rig="threePt" dir="t"/>
     </dgm:scene3d>
+    <dgm:sp3d/>
     <dgm:txPr/>
     <dgm:style>
       <a:lnRef idx="2">
@@ -6968,6 +6263,7 @@
       <a:camera prst="orthographicFront"/>
       <a:lightRig rig="threePt" dir="t"/>
     </dgm:scene3d>
+    <dgm:sp3d/>
     <dgm:txPr/>
     <dgm:style>
       <a:lnRef idx="2">
@@ -6987,6 +6283,7 @@
       <a:camera prst="orthographicFront"/>
       <a:lightRig rig="threePt" dir="t"/>
     </dgm:scene3d>
+    <dgm:sp3d/>
     <dgm:txPr/>
     <dgm:style>
       <a:lnRef idx="0">
@@ -7008,6 +6305,7 @@
       <a:camera prst="orthographicFront"/>
       <a:lightRig rig="threePt" dir="t"/>
     </dgm:scene3d>
+    <dgm:sp3d/>
     <dgm:txPr/>
     <dgm:style>
       <a:lnRef idx="2">
@@ -7029,6 +6327,7 @@
       <a:camera prst="orthographicFront"/>
       <a:lightRig rig="threePt" dir="t"/>
     </dgm:scene3d>
+    <dgm:sp3d/>
     <dgm:txPr/>
     <dgm:style>
       <a:lnRef idx="2">
@@ -7050,6 +6349,7 @@
       <a:camera prst="orthographicFront"/>
       <a:lightRig rig="threePt" dir="t"/>
     </dgm:scene3d>
+    <dgm:sp3d/>
     <dgm:txPr/>
     <dgm:style>
       <a:lnRef idx="2">
@@ -7071,6 +6371,7 @@
       <a:camera prst="orthographicFront"/>
       <a:lightRig rig="threePt" dir="t"/>
     </dgm:scene3d>
+    <dgm:sp3d/>
     <dgm:txPr/>
     <dgm:style>
       <a:lnRef idx="2">
@@ -7092,6 +6393,7 @@
       <a:camera prst="orthographicFront"/>
       <a:lightRig rig="threePt" dir="t"/>
     </dgm:scene3d>
+    <dgm:sp3d/>
     <dgm:txPr/>
     <dgm:style>
       <a:lnRef idx="2">
@@ -7113,6 +6415,7 @@
       <a:camera prst="orthographicFront"/>
       <a:lightRig rig="threePt" dir="t"/>
     </dgm:scene3d>
+    <dgm:sp3d/>
     <dgm:txPr/>
     <dgm:style>
       <a:lnRef idx="2">
@@ -7134,6 +6437,7 @@
       <a:camera prst="orthographicFront"/>
       <a:lightRig rig="threePt" dir="t"/>
     </dgm:scene3d>
+    <dgm:sp3d/>
     <dgm:txPr/>
     <dgm:style>
       <a:lnRef idx="2">
@@ -7153,6 +6457,7 @@
       <a:camera prst="orthographicFront"/>
       <a:lightRig rig="threePt" dir="t"/>
     </dgm:scene3d>
+    <dgm:sp3d/>
     <dgm:txPr/>
     <dgm:style>
       <a:lnRef idx="2">
@@ -7172,6 +6477,7 @@
       <a:camera prst="orthographicFront"/>
       <a:lightRig rig="threePt" dir="t"/>
     </dgm:scene3d>
+    <dgm:sp3d/>
     <dgm:txPr/>
     <dgm:style>
       <a:lnRef idx="2">
@@ -7191,6 +6497,7 @@
       <a:camera prst="orthographicFront"/>
       <a:lightRig rig="threePt" dir="t"/>
     </dgm:scene3d>
+    <dgm:sp3d/>
     <dgm:txPr/>
     <dgm:style>
       <a:lnRef idx="2">
@@ -7210,6 +6517,7 @@
       <a:camera prst="orthographicFront"/>
       <a:lightRig rig="threePt" dir="t"/>
     </dgm:scene3d>
+    <dgm:sp3d/>
     <dgm:txPr/>
     <dgm:style>
       <a:lnRef idx="2">
@@ -7231,6 +6539,7 @@
       <a:camera prst="orthographicFront"/>
       <a:lightRig rig="threePt" dir="t"/>
     </dgm:scene3d>
+    <dgm:sp3d/>
     <dgm:txPr/>
     <dgm:style>
       <a:lnRef idx="2">
@@ -7252,6 +6561,7 @@
       <a:camera prst="orthographicFront"/>
       <a:lightRig rig="threePt" dir="t"/>
     </dgm:scene3d>
+    <dgm:sp3d/>
     <dgm:txPr/>
     <dgm:style>
       <a:lnRef idx="2">
@@ -7273,6 +6583,7 @@
       <a:camera prst="orthographicFront"/>
       <a:lightRig rig="threePt" dir="t"/>
     </dgm:scene3d>
+    <dgm:sp3d/>
     <dgm:txPr/>
     <dgm:style>
       <a:lnRef idx="2">
@@ -7294,6 +6605,7 @@
       <a:camera prst="orthographicFront"/>
       <a:lightRig rig="threePt" dir="t"/>
     </dgm:scene3d>
+    <dgm:sp3d/>
     <dgm:txPr/>
     <dgm:style>
       <a:lnRef idx="0">
@@ -7313,6 +6625,7 @@
       <a:camera prst="orthographicFront"/>
       <a:lightRig rig="threePt" dir="t"/>
     </dgm:scene3d>
+    <dgm:sp3d/>
     <dgm:txPr/>
     <dgm:style>
       <a:lnRef idx="1">
@@ -7332,6 +6645,7 @@
       <a:camera prst="orthographicFront"/>
       <a:lightRig rig="threePt" dir="t"/>
     </dgm:scene3d>
+    <dgm:sp3d/>
     <dgm:txPr/>
     <dgm:style>
       <a:lnRef idx="0">
@@ -7353,6 +6667,7 @@
       <a:camera prst="orthographicFront"/>
       <a:lightRig rig="threePt" dir="t"/>
     </dgm:scene3d>
+    <dgm:sp3d/>
     <dgm:txPr/>
     <dgm:style>
       <a:lnRef idx="2">
@@ -7372,6 +6687,7 @@
       <a:camera prst="orthographicFront"/>
       <a:lightRig rig="threePt" dir="t"/>
     </dgm:scene3d>
+    <dgm:sp3d/>
     <dgm:txPr/>
     <dgm:style>
       <a:lnRef idx="2">
@@ -7391,6 +6707,7 @@
       <a:camera prst="orthographicFront"/>
       <a:lightRig rig="threePt" dir="t"/>
     </dgm:scene3d>
+    <dgm:sp3d/>
     <dgm:txPr/>
     <dgm:style>
       <a:lnRef idx="2">
@@ -7410,6 +6727,7 @@
       <a:camera prst="orthographicFront"/>
       <a:lightRig rig="threePt" dir="t"/>
     </dgm:scene3d>
+    <dgm:sp3d/>
     <dgm:txPr/>
     <dgm:style>
       <a:lnRef idx="1">
@@ -7429,6 +6747,7 @@
       <a:camera prst="orthographicFront"/>
       <a:lightRig rig="threePt" dir="t"/>
     </dgm:scene3d>
+    <dgm:sp3d/>
     <dgm:txPr/>
     <dgm:style>
       <a:lnRef idx="0">
@@ -7448,6 +6767,7 @@
       <a:camera prst="orthographicFront"/>
       <a:lightRig rig="threePt" dir="t"/>
     </dgm:scene3d>
+    <dgm:sp3d/>
     <dgm:txPr/>
     <dgm:style>
       <a:lnRef idx="2">
@@ -7468,7 +6788,7 @@
 </file>
 
 <file path=ppt/diagrams/quickStyle3.xml><?xml version="1.0" encoding="utf-8"?>
-<dgm:styleDef xmlns:dgm="http://schemas.openxmlformats.org/drawingml/2006/diagram" xmlns:a="http://schemas.openxmlformats.org/drawingml/2006/main" uniqueId="urn:microsoft.com/office/officeart/2005/8/quickstyle/simple1">
+<dgm:styleDef xmlns:dgm="http://schemas.openxmlformats.org/drawingml/2006/diagram" xmlns:a="http://schemas.openxmlformats.org/drawingml/2006/main" uniqueId="urn:microsoft.com/office/officeart/2005/8/quickstyle/simple1#3">
   <dgm:title val=""/>
   <dgm:desc val=""/>
   <dgm:catLst>
@@ -7483,6 +6803,7 @@
       <a:camera prst="orthographicFront"/>
       <a:lightRig rig="threePt" dir="t"/>
     </dgm:scene3d>
+    <dgm:sp3d/>
     <dgm:txPr/>
     <dgm:style>
       <a:lnRef idx="2">
@@ -7502,6 +6823,7 @@
       <a:camera prst="orthographicFront"/>
       <a:lightRig rig="threePt" dir="t"/>
     </dgm:scene3d>
+    <dgm:sp3d/>
     <dgm:txPr/>
     <dgm:style>
       <a:lnRef idx="2">
@@ -7521,6 +6843,7 @@
       <a:camera prst="orthographicFront"/>
       <a:lightRig rig="threePt" dir="t"/>
     </dgm:scene3d>
+    <dgm:sp3d/>
     <dgm:txPr/>
     <dgm:style>
       <a:lnRef idx="2">
@@ -7540,6 +6863,7 @@
       <a:camera prst="orthographicFront"/>
       <a:lightRig rig="threePt" dir="t"/>
     </dgm:scene3d>
+    <dgm:sp3d/>
     <dgm:txPr/>
     <dgm:style>
       <a:lnRef idx="2">
@@ -7561,6 +6885,7 @@
       <a:camera prst="orthographicFront"/>
       <a:lightRig rig="threePt" dir="t"/>
     </dgm:scene3d>
+    <dgm:sp3d/>
     <dgm:txPr/>
     <dgm:style>
       <a:lnRef idx="2">
@@ -7582,6 +6907,7 @@
       <a:camera prst="orthographicFront"/>
       <a:lightRig rig="threePt" dir="t"/>
     </dgm:scene3d>
+    <dgm:sp3d/>
     <dgm:txPr/>
     <dgm:style>
       <a:lnRef idx="2">
@@ -7603,6 +6929,7 @@
       <a:camera prst="orthographicFront"/>
       <a:lightRig rig="threePt" dir="t"/>
     </dgm:scene3d>
+    <dgm:sp3d/>
     <dgm:txPr/>
     <dgm:style>
       <a:lnRef idx="2">
@@ -7624,6 +6951,7 @@
       <a:camera prst="orthographicFront"/>
       <a:lightRig rig="threePt" dir="t"/>
     </dgm:scene3d>
+    <dgm:sp3d/>
     <dgm:txPr/>
     <dgm:style>
       <a:lnRef idx="2">
@@ -7645,6 +6973,7 @@
       <a:camera prst="orthographicFront"/>
       <a:lightRig rig="threePt" dir="t"/>
     </dgm:scene3d>
+    <dgm:sp3d/>
     <dgm:txPr/>
     <dgm:style>
       <a:lnRef idx="2">
@@ -7666,6 +6995,7 @@
       <a:camera prst="orthographicFront"/>
       <a:lightRig rig="threePt" dir="t"/>
     </dgm:scene3d>
+    <dgm:sp3d/>
     <dgm:txPr/>
     <dgm:style>
       <a:lnRef idx="2">
@@ -7685,6 +7015,7 @@
       <a:camera prst="orthographicFront"/>
       <a:lightRig rig="threePt" dir="t"/>
     </dgm:scene3d>
+    <dgm:sp3d/>
     <dgm:txPr/>
     <dgm:style>
       <a:lnRef idx="2">
@@ -7704,6 +7035,7 @@
       <a:camera prst="orthographicFront"/>
       <a:lightRig rig="threePt" dir="t"/>
     </dgm:scene3d>
+    <dgm:sp3d/>
     <dgm:txPr/>
     <dgm:style>
       <a:lnRef idx="2">
@@ -7723,6 +7055,7 @@
       <a:camera prst="orthographicFront"/>
       <a:lightRig rig="threePt" dir="t"/>
     </dgm:scene3d>
+    <dgm:sp3d/>
     <dgm:txPr/>
     <dgm:style>
       <a:lnRef idx="0">
@@ -7742,6 +7075,7 @@
       <a:camera prst="orthographicFront"/>
       <a:lightRig rig="threePt" dir="t"/>
     </dgm:scene3d>
+    <dgm:sp3d/>
     <dgm:txPr/>
     <dgm:style>
       <a:lnRef idx="0">
@@ -7763,6 +7097,7 @@
       <a:camera prst="orthographicFront"/>
       <a:lightRig rig="threePt" dir="t"/>
     </dgm:scene3d>
+    <dgm:sp3d/>
     <dgm:txPr/>
     <dgm:style>
       <a:lnRef idx="2">
@@ -7782,6 +7117,7 @@
       <a:camera prst="orthographicFront"/>
       <a:lightRig rig="threePt" dir="t"/>
     </dgm:scene3d>
+    <dgm:sp3d/>
     <dgm:txPr/>
     <dgm:style>
       <a:lnRef idx="2">
@@ -7801,6 +7137,7 @@
       <a:camera prst="orthographicFront"/>
       <a:lightRig rig="threePt" dir="t"/>
     </dgm:scene3d>
+    <dgm:sp3d/>
     <dgm:txPr/>
     <dgm:style>
       <a:lnRef idx="0">
@@ -7820,6 +7157,7 @@
       <a:camera prst="orthographicFront"/>
       <a:lightRig rig="threePt" dir="t"/>
     </dgm:scene3d>
+    <dgm:sp3d/>
     <dgm:txPr/>
     <dgm:style>
       <a:lnRef idx="2">
@@ -7839,6 +7177,7 @@
       <a:camera prst="orthographicFront"/>
       <a:lightRig rig="threePt" dir="t"/>
     </dgm:scene3d>
+    <dgm:sp3d/>
     <dgm:txPr/>
     <dgm:style>
       <a:lnRef idx="2">
@@ -7858,6 +7197,7 @@
       <a:camera prst="orthographicFront"/>
       <a:lightRig rig="threePt" dir="t"/>
     </dgm:scene3d>
+    <dgm:sp3d/>
     <dgm:txPr/>
     <dgm:style>
       <a:lnRef idx="2">
@@ -7877,6 +7217,7 @@
       <a:camera prst="orthographicFront"/>
       <a:lightRig rig="threePt" dir="t"/>
     </dgm:scene3d>
+    <dgm:sp3d/>
     <dgm:txPr/>
     <dgm:style>
       <a:lnRef idx="2">
@@ -7896,6 +7237,7 @@
       <a:camera prst="orthographicFront"/>
       <a:lightRig rig="threePt" dir="t"/>
     </dgm:scene3d>
+    <dgm:sp3d/>
     <dgm:txPr/>
     <dgm:style>
       <a:lnRef idx="2">
@@ -7915,6 +7257,7 @@
       <a:camera prst="orthographicFront"/>
       <a:lightRig rig="threePt" dir="t"/>
     </dgm:scene3d>
+    <dgm:sp3d/>
     <dgm:txPr/>
     <dgm:style>
       <a:lnRef idx="2">
@@ -7934,6 +7277,7 @@
       <a:camera prst="orthographicFront"/>
       <a:lightRig rig="threePt" dir="t"/>
     </dgm:scene3d>
+    <dgm:sp3d/>
     <dgm:txPr/>
     <dgm:style>
       <a:lnRef idx="2">
@@ -7953,6 +7297,7 @@
       <a:camera prst="orthographicFront"/>
       <a:lightRig rig="threePt" dir="t"/>
     </dgm:scene3d>
+    <dgm:sp3d/>
     <dgm:txPr/>
     <dgm:style>
       <a:lnRef idx="2">
@@ -7972,6 +7317,7 @@
       <a:camera prst="orthographicFront"/>
       <a:lightRig rig="threePt" dir="t"/>
     </dgm:scene3d>
+    <dgm:sp3d/>
     <dgm:txPr/>
     <dgm:style>
       <a:lnRef idx="0">
@@ -7993,6 +7339,7 @@
       <a:camera prst="orthographicFront"/>
       <a:lightRig rig="threePt" dir="t"/>
     </dgm:scene3d>
+    <dgm:sp3d/>
     <dgm:txPr/>
     <dgm:style>
       <a:lnRef idx="2">
@@ -8014,6 +7361,7 @@
       <a:camera prst="orthographicFront"/>
       <a:lightRig rig="threePt" dir="t"/>
     </dgm:scene3d>
+    <dgm:sp3d/>
     <dgm:txPr/>
     <dgm:style>
       <a:lnRef idx="2">
@@ -8035,6 +7383,7 @@
       <a:camera prst="orthographicFront"/>
       <a:lightRig rig="threePt" dir="t"/>
     </dgm:scene3d>
+    <dgm:sp3d/>
     <dgm:txPr/>
     <dgm:style>
       <a:lnRef idx="2">
@@ -8056,6 +7405,7 @@
       <a:camera prst="orthographicFront"/>
       <a:lightRig rig="threePt" dir="t"/>
     </dgm:scene3d>
+    <dgm:sp3d/>
     <dgm:txPr/>
     <dgm:style>
       <a:lnRef idx="2">
@@ -8077,6 +7427,7 @@
       <a:camera prst="orthographicFront"/>
       <a:lightRig rig="threePt" dir="t"/>
     </dgm:scene3d>
+    <dgm:sp3d/>
     <dgm:txPr/>
     <dgm:style>
       <a:lnRef idx="2">
@@ -8098,6 +7449,7 @@
       <a:camera prst="orthographicFront"/>
       <a:lightRig rig="threePt" dir="t"/>
     </dgm:scene3d>
+    <dgm:sp3d/>
     <dgm:txPr/>
     <dgm:style>
       <a:lnRef idx="2">
@@ -8119,6 +7471,7 @@
       <a:camera prst="orthographicFront"/>
       <a:lightRig rig="threePt" dir="t"/>
     </dgm:scene3d>
+    <dgm:sp3d/>
     <dgm:txPr/>
     <dgm:style>
       <a:lnRef idx="2">
@@ -8138,6 +7491,7 @@
       <a:camera prst="orthographicFront"/>
       <a:lightRig rig="threePt" dir="t"/>
     </dgm:scene3d>
+    <dgm:sp3d/>
     <dgm:txPr/>
     <dgm:style>
       <a:lnRef idx="2">
@@ -8157,6 +7511,7 @@
       <a:camera prst="orthographicFront"/>
       <a:lightRig rig="threePt" dir="t"/>
     </dgm:scene3d>
+    <dgm:sp3d/>
     <dgm:txPr/>
     <dgm:style>
       <a:lnRef idx="2">
@@ -8176,6 +7531,7 @@
       <a:camera prst="orthographicFront"/>
       <a:lightRig rig="threePt" dir="t"/>
     </dgm:scene3d>
+    <dgm:sp3d/>
     <dgm:txPr/>
     <dgm:style>
       <a:lnRef idx="2">
@@ -8195,6 +7551,7 @@
       <a:camera prst="orthographicFront"/>
       <a:lightRig rig="threePt" dir="t"/>
     </dgm:scene3d>
+    <dgm:sp3d/>
     <dgm:txPr/>
     <dgm:style>
       <a:lnRef idx="2">
@@ -8216,6 +7573,7 @@
       <a:camera prst="orthographicFront"/>
       <a:lightRig rig="threePt" dir="t"/>
     </dgm:scene3d>
+    <dgm:sp3d/>
     <dgm:txPr/>
     <dgm:style>
       <a:lnRef idx="2">
@@ -8237,6 +7595,7 @@
       <a:camera prst="orthographicFront"/>
       <a:lightRig rig="threePt" dir="t"/>
     </dgm:scene3d>
+    <dgm:sp3d/>
     <dgm:txPr/>
     <dgm:style>
       <a:lnRef idx="2">
@@ -8258,6 +7617,7 @@
       <a:camera prst="orthographicFront"/>
       <a:lightRig rig="threePt" dir="t"/>
     </dgm:scene3d>
+    <dgm:sp3d/>
     <dgm:txPr/>
     <dgm:style>
       <a:lnRef idx="2">
@@ -8279,6 +7639,7 @@
       <a:camera prst="orthographicFront"/>
       <a:lightRig rig="threePt" dir="t"/>
     </dgm:scene3d>
+    <dgm:sp3d/>
     <dgm:txPr/>
     <dgm:style>
       <a:lnRef idx="0">
@@ -8298,6 +7659,7 @@
       <a:camera prst="orthographicFront"/>
       <a:lightRig rig="threePt" dir="t"/>
     </dgm:scene3d>
+    <dgm:sp3d/>
     <dgm:txPr/>
     <dgm:style>
       <a:lnRef idx="1">
@@ -8317,6 +7679,7 @@
       <a:camera prst="orthographicFront"/>
       <a:lightRig rig="threePt" dir="t"/>
     </dgm:scene3d>
+    <dgm:sp3d/>
     <dgm:txPr/>
     <dgm:style>
       <a:lnRef idx="0">
@@ -8338,6 +7701,7 @@
       <a:camera prst="orthographicFront"/>
       <a:lightRig rig="threePt" dir="t"/>
     </dgm:scene3d>
+    <dgm:sp3d/>
     <dgm:txPr/>
     <dgm:style>
       <a:lnRef idx="2">
@@ -8357,6 +7721,7 @@
       <a:camera prst="orthographicFront"/>
       <a:lightRig rig="threePt" dir="t"/>
     </dgm:scene3d>
+    <dgm:sp3d/>
     <dgm:txPr/>
     <dgm:style>
       <a:lnRef idx="2">
@@ -8376,6 +7741,7 @@
       <a:camera prst="orthographicFront"/>
       <a:lightRig rig="threePt" dir="t"/>
     </dgm:scene3d>
+    <dgm:sp3d/>
     <dgm:txPr/>
     <dgm:style>
       <a:lnRef idx="2">
@@ -8395,6 +7761,7 @@
       <a:camera prst="orthographicFront"/>
       <a:lightRig rig="threePt" dir="t"/>
     </dgm:scene3d>
+    <dgm:sp3d/>
     <dgm:txPr/>
     <dgm:style>
       <a:lnRef idx="1">
@@ -8414,6 +7781,7 @@
       <a:camera prst="orthographicFront"/>
       <a:lightRig rig="threePt" dir="t"/>
     </dgm:scene3d>
+    <dgm:sp3d/>
     <dgm:txPr/>
     <dgm:style>
       <a:lnRef idx="0">
@@ -8433,6 +7801,7 @@
       <a:camera prst="orthographicFront"/>
       <a:lightRig rig="threePt" dir="t"/>
     </dgm:scene3d>
+    <dgm:sp3d/>
     <dgm:txPr/>
     <dgm:style>
       <a:lnRef idx="2">
@@ -8534,6 +7903,8 @@
           <a:p>
             <a:fld id="{202C1FBA-CF23-45CA-A289-03E32D160964}" type="datetimeFigureOut">
               <a:rPr lang="zh-CN" altLang="en-US" smtClean="0"/>
+              <a:pPr/>
+              <a:t>2019/9/8 Sunday</a:t>
             </a:fld>
             <a:endParaRPr lang="zh-CN" altLang="en-US"/>
           </a:p>
@@ -8599,6 +7970,8 @@
           <a:p>
             <a:fld id="{07F2B0C5-C56D-47E9-BCFE-D990A940F17B}" type="slidenum">
               <a:rPr lang="zh-CN" altLang="en-US" smtClean="0"/>
+              <a:pPr/>
+              <a:t>‹#›</a:t>
             </a:fld>
             <a:endParaRPr lang="zh-CN" altLang="en-US"/>
           </a:p>
@@ -8692,6 +8065,8 @@
           <a:p>
             <a:fld id="{6D966BD8-0FC1-456F-BDC6-7D0CA8E36566}" type="datetimeFigureOut">
               <a:rPr lang="zh-CN" altLang="en-US" smtClean="0"/>
+              <a:pPr/>
+              <a:t>2019/9/8 Sunday</a:t>
             </a:fld>
             <a:endParaRPr lang="zh-CN" altLang="en-US"/>
           </a:p>
@@ -8758,7 +8133,6 @@
               <a:rPr lang="zh-CN" altLang="en-US" smtClean="0"/>
               <a:t>编辑母版文本样式</a:t>
             </a:r>
-            <a:endParaRPr lang="zh-CN" altLang="en-US" smtClean="0"/>
           </a:p>
           <a:p>
             <a:pPr lvl="1"/>
@@ -8766,7 +8140,6 @@
               <a:rPr lang="zh-CN" altLang="en-US" smtClean="0"/>
               <a:t>第二级</a:t>
             </a:r>
-            <a:endParaRPr lang="zh-CN" altLang="en-US" smtClean="0"/>
           </a:p>
           <a:p>
             <a:pPr lvl="2"/>
@@ -8774,7 +8147,6 @@
               <a:rPr lang="zh-CN" altLang="en-US" smtClean="0"/>
               <a:t>第三级</a:t>
             </a:r>
-            <a:endParaRPr lang="zh-CN" altLang="en-US" smtClean="0"/>
           </a:p>
           <a:p>
             <a:pPr lvl="3"/>
@@ -8782,7 +8154,6 @@
               <a:rPr lang="zh-CN" altLang="en-US" smtClean="0"/>
               <a:t>第四级</a:t>
             </a:r>
-            <a:endParaRPr lang="zh-CN" altLang="en-US" smtClean="0"/>
           </a:p>
           <a:p>
             <a:pPr lvl="4"/>
@@ -8854,6 +8225,8 @@
           <a:p>
             <a:fld id="{E3CFC841-E2E1-4802-8701-94EA307E94B0}" type="slidenum">
               <a:rPr lang="zh-CN" altLang="en-US" smtClean="0"/>
+              <a:pPr/>
+              <a:t>‹#›</a:t>
             </a:fld>
             <a:endParaRPr lang="zh-CN" altLang="en-US"/>
           </a:p>
@@ -8958,7 +8331,7 @@
 </file>
 
 <file path=ppt/slideLayouts/slideLayout1.xml><?xml version="1.0" encoding="utf-8"?>
-<p:sldLayout xmlns:a="http://schemas.openxmlformats.org/drawingml/2006/main" xmlns:r="http://schemas.openxmlformats.org/officeDocument/2006/relationships" xmlns:p="http://schemas.openxmlformats.org/presentationml/2006/main" preserve="1" showMasterSp="0">
+<p:sldLayout xmlns:a="http://schemas.openxmlformats.org/drawingml/2006/main" xmlns:r="http://schemas.openxmlformats.org/officeDocument/2006/relationships" xmlns:p="http://schemas.openxmlformats.org/presentationml/2006/main" showMasterSp="0" preserve="1">
   <p:cSld name="标题幻灯片">
     <p:bg>
       <p:bgPr>
@@ -8994,7 +8367,7 @@
           <a:blip r:embed="rId2" cstate="print">
             <a:extLst>
               <a:ext uri="{28A0092B-C50C-407E-A947-70E740481C1C}">
-                <a14:useLocalDpi xmlns:a14="http://schemas.microsoft.com/office/drawing/2010/main" val="0"/>
+                <a14:useLocalDpi xmlns:a14="http://schemas.microsoft.com/office/drawing/2010/main" xmlns="" val="0"/>
               </a:ext>
             </a:extLst>
           </a:blip>
@@ -9116,7 +8489,7 @@
           <a:blip r:embed="rId3" cstate="print">
             <a:extLst>
               <a:ext uri="{28A0092B-C50C-407E-A947-70E740481C1C}">
-                <a14:useLocalDpi xmlns:a14="http://schemas.microsoft.com/office/drawing/2010/main" val="0"/>
+                <a14:useLocalDpi xmlns:a14="http://schemas.microsoft.com/office/drawing/2010/main" xmlns="" val="0"/>
               </a:ext>
             </a:extLst>
           </a:blip>
@@ -9179,7 +8552,7 @@
     <a:masterClrMapping/>
   </p:clrMapOvr>
   <mc:AlternateContent xmlns:mc="http://schemas.openxmlformats.org/markup-compatibility/2006">
-    <mc:Choice xmlns:p14="http://schemas.microsoft.com/office/powerpoint/2010/main" Requires="p14">
+    <mc:Choice xmlns:p14="http://schemas.microsoft.com/office/powerpoint/2010/main" xmlns="" Requires="p14">
       <p:transition spd="slow" p14:dur="2000"/>
     </mc:Choice>
     <mc:Fallback>
@@ -9197,7 +8570,7 @@
 </file>
 
 <file path=ppt/slideLayouts/slideLayout10.xml><?xml version="1.0" encoding="utf-8"?>
-<p:sldLayout xmlns:a="http://schemas.openxmlformats.org/drawingml/2006/main" xmlns:r="http://schemas.openxmlformats.org/officeDocument/2006/relationships" xmlns:p="http://schemas.openxmlformats.org/presentationml/2006/main" preserve="1" showMasterSp="0">
+<p:sldLayout xmlns:a="http://schemas.openxmlformats.org/drawingml/2006/main" xmlns:r="http://schemas.openxmlformats.org/officeDocument/2006/relationships" xmlns:p="http://schemas.openxmlformats.org/presentationml/2006/main" showMasterSp="0" preserve="1">
   <p:cSld name="空白-有页码">
     <p:spTree>
       <p:nvGrpSpPr>
@@ -9295,7 +8668,7 @@
           <a:blip r:embed="rId3" cstate="print">
             <a:extLst>
               <a:ext uri="{BEBA8EAE-BF5A-486C-A8C5-ECC9F3942E4B}">
-                <a14:imgProps xmlns:a14="http://schemas.microsoft.com/office/drawing/2010/main">
+                <a14:imgProps xmlns:a14="http://schemas.microsoft.com/office/drawing/2010/main" xmlns="">
                   <a14:imgLayer r:embed="rId4">
                     <a14:imgEffect>
                       <a14:brightnessContrast bright="100000"/>
@@ -9304,7 +8677,7 @@
                 </a14:imgProps>
               </a:ext>
               <a:ext uri="{28A0092B-C50C-407E-A947-70E740481C1C}">
-                <a14:useLocalDpi xmlns:a14="http://schemas.microsoft.com/office/drawing/2010/main" val="0"/>
+                <a14:useLocalDpi xmlns:a14="http://schemas.microsoft.com/office/drawing/2010/main" xmlns="" val="0"/>
               </a:ext>
             </a:extLst>
           </a:blip>
@@ -9445,6 +8818,8 @@
           <a:p>
             <a:fld id="{E1703B59-C883-4B8B-974E-AFB30A6C43A7}" type="slidenum">
               <a:rPr lang="en-US" altLang="zh-CN" smtClean="0"/>
+              <a:pPr/>
+              <a:t>‹#›</a:t>
             </a:fld>
             <a:endParaRPr lang="en-US" altLang="zh-CN"/>
           </a:p>
@@ -9532,7 +8907,7 @@
           <a:blip r:embed="rId3" cstate="print">
             <a:extLst>
               <a:ext uri="{BEBA8EAE-BF5A-486C-A8C5-ECC9F3942E4B}">
-                <a14:imgProps xmlns:a14="http://schemas.microsoft.com/office/drawing/2010/main">
+                <a14:imgProps xmlns:a14="http://schemas.microsoft.com/office/drawing/2010/main" xmlns="">
                   <a14:imgLayer r:embed="rId4">
                     <a14:imgEffect>
                       <a14:brightnessContrast bright="100000"/>
@@ -9541,7 +8916,7 @@
                 </a14:imgProps>
               </a:ext>
               <a:ext uri="{28A0092B-C50C-407E-A947-70E740481C1C}">
-                <a14:useLocalDpi xmlns:a14="http://schemas.microsoft.com/office/drawing/2010/main" val="0"/>
+                <a14:useLocalDpi xmlns:a14="http://schemas.microsoft.com/office/drawing/2010/main" xmlns="" val="0"/>
               </a:ext>
             </a:extLst>
           </a:blip>
@@ -9608,7 +8983,7 @@
     <a:masterClrMapping/>
   </p:clrMapOvr>
   <mc:AlternateContent xmlns:mc="http://schemas.openxmlformats.org/markup-compatibility/2006">
-    <mc:Choice xmlns:p14="http://schemas.microsoft.com/office/powerpoint/2010/main" Requires="p14">
+    <mc:Choice xmlns:p14="http://schemas.microsoft.com/office/powerpoint/2010/main" xmlns="" Requires="p14">
       <p:transition spd="slow" p14:dur="2000"/>
     </mc:Choice>
     <mc:Fallback>
@@ -9700,7 +9075,6 @@
               <a:rPr lang="zh-CN" altLang="en-US" smtClean="0"/>
               <a:t>编辑母版文本样式</a:t>
             </a:r>
-            <a:endParaRPr lang="zh-CN" altLang="en-US" smtClean="0"/>
           </a:p>
           <a:p>
             <a:pPr lvl="1"/>
@@ -9708,7 +9082,6 @@
               <a:rPr lang="zh-CN" altLang="en-US" smtClean="0"/>
               <a:t>第二级</a:t>
             </a:r>
-            <a:endParaRPr lang="zh-CN" altLang="en-US" smtClean="0"/>
           </a:p>
           <a:p>
             <a:pPr lvl="2"/>
@@ -9716,7 +9089,6 @@
               <a:rPr lang="zh-CN" altLang="en-US" smtClean="0"/>
               <a:t>第三级</a:t>
             </a:r>
-            <a:endParaRPr lang="zh-CN" altLang="en-US" smtClean="0"/>
           </a:p>
           <a:p>
             <a:pPr lvl="3"/>
@@ -9724,7 +9096,6 @@
               <a:rPr lang="zh-CN" altLang="en-US" smtClean="0"/>
               <a:t>第四级</a:t>
             </a:r>
-            <a:endParaRPr lang="zh-CN" altLang="en-US" smtClean="0"/>
           </a:p>
           <a:p>
             <a:pPr lvl="4"/>
@@ -9794,7 +9165,6 @@
               <a:rPr lang="zh-CN" altLang="en-US" smtClean="0"/>
               <a:t>编辑母版文本样式</a:t>
             </a:r>
-            <a:endParaRPr lang="zh-CN" altLang="en-US" smtClean="0"/>
           </a:p>
           <a:p>
             <a:pPr lvl="1"/>
@@ -9802,7 +9172,6 @@
               <a:rPr lang="zh-CN" altLang="en-US" smtClean="0"/>
               <a:t>第二级</a:t>
             </a:r>
-            <a:endParaRPr lang="zh-CN" altLang="en-US" smtClean="0"/>
           </a:p>
           <a:p>
             <a:pPr lvl="2"/>
@@ -9810,7 +9179,6 @@
               <a:rPr lang="zh-CN" altLang="en-US" smtClean="0"/>
               <a:t>第三级</a:t>
             </a:r>
-            <a:endParaRPr lang="zh-CN" altLang="en-US" smtClean="0"/>
           </a:p>
           <a:p>
             <a:pPr lvl="3"/>
@@ -9818,7 +9186,6 @@
               <a:rPr lang="zh-CN" altLang="en-US" smtClean="0"/>
               <a:t>第四级</a:t>
             </a:r>
-            <a:endParaRPr lang="zh-CN" altLang="en-US" smtClean="0"/>
           </a:p>
           <a:p>
             <a:pPr lvl="4"/>
@@ -9876,7 +9243,7 @@
     <a:masterClrMapping/>
   </p:clrMapOvr>
   <mc:AlternateContent xmlns:mc="http://schemas.openxmlformats.org/markup-compatibility/2006">
-    <mc:Choice xmlns:p14="http://schemas.microsoft.com/office/powerpoint/2010/main" Requires="p14">
+    <mc:Choice xmlns:p14="http://schemas.microsoft.com/office/powerpoint/2010/main" xmlns="" Requires="p14">
       <p:transition spd="slow" p14:dur="2000"/>
     </mc:Choice>
     <mc:Fallback>
@@ -10034,7 +9401,6 @@
               <a:rPr lang="zh-CN" altLang="en-US" smtClean="0"/>
               <a:t>编辑母版文本样式</a:t>
             </a:r>
-            <a:endParaRPr lang="zh-CN" altLang="en-US" smtClean="0"/>
           </a:p>
           <a:p>
             <a:pPr lvl="1"/>
@@ -10042,7 +9408,6 @@
               <a:rPr lang="zh-CN" altLang="en-US" smtClean="0"/>
               <a:t>第二级</a:t>
             </a:r>
-            <a:endParaRPr lang="zh-CN" altLang="en-US" smtClean="0"/>
           </a:p>
           <a:p>
             <a:pPr lvl="2"/>
@@ -10050,7 +9415,6 @@
               <a:rPr lang="zh-CN" altLang="en-US" smtClean="0"/>
               <a:t>第三级</a:t>
             </a:r>
-            <a:endParaRPr lang="zh-CN" altLang="en-US" smtClean="0"/>
           </a:p>
           <a:p>
             <a:pPr lvl="3"/>
@@ -10058,7 +9422,6 @@
               <a:rPr lang="zh-CN" altLang="en-US" smtClean="0"/>
               <a:t>第四级</a:t>
             </a:r>
-            <a:endParaRPr lang="zh-CN" altLang="en-US" smtClean="0"/>
           </a:p>
           <a:p>
             <a:pPr lvl="4"/>
@@ -10128,7 +9491,6 @@
               <a:rPr lang="zh-CN" altLang="en-US" smtClean="0"/>
               <a:t>编辑母版文本样式</a:t>
             </a:r>
-            <a:endParaRPr lang="zh-CN" altLang="en-US" smtClean="0"/>
           </a:p>
           <a:p>
             <a:pPr lvl="1"/>
@@ -10136,7 +9498,6 @@
               <a:rPr lang="zh-CN" altLang="en-US" smtClean="0"/>
               <a:t>第二级</a:t>
             </a:r>
-            <a:endParaRPr lang="zh-CN" altLang="en-US" smtClean="0"/>
           </a:p>
           <a:p>
             <a:pPr lvl="2"/>
@@ -10144,7 +9505,6 @@
               <a:rPr lang="zh-CN" altLang="en-US" smtClean="0"/>
               <a:t>第三级</a:t>
             </a:r>
-            <a:endParaRPr lang="zh-CN" altLang="en-US" smtClean="0"/>
           </a:p>
           <a:p>
             <a:pPr lvl="3"/>
@@ -10152,7 +9512,6 @@
               <a:rPr lang="zh-CN" altLang="en-US" smtClean="0"/>
               <a:t>第四级</a:t>
             </a:r>
-            <a:endParaRPr lang="zh-CN" altLang="en-US" smtClean="0"/>
           </a:p>
           <a:p>
             <a:pPr lvl="4"/>
@@ -10202,6 +9561,8 @@
           <a:p>
             <a:fld id="{54BD5A17-3153-4A95-988E-B577C14000F1}" type="slidenum">
               <a:rPr lang="en-US" altLang="zh-CN" smtClean="0"/>
+              <a:pPr/>
+              <a:t>‹#›</a:t>
             </a:fld>
             <a:endParaRPr lang="en-US" altLang="zh-CN" dirty="0"/>
           </a:p>
@@ -10277,7 +9638,7 @@
     <a:masterClrMapping/>
   </p:clrMapOvr>
   <mc:AlternateContent xmlns:mc="http://schemas.openxmlformats.org/markup-compatibility/2006">
-    <mc:Choice xmlns:p14="http://schemas.microsoft.com/office/powerpoint/2010/main" Requires="p14">
+    <mc:Choice xmlns:p14="http://schemas.microsoft.com/office/powerpoint/2010/main" xmlns="" Requires="p14">
       <p:transition spd="slow" p14:dur="2000"/>
     </mc:Choice>
     <mc:Fallback>
@@ -10295,7 +9656,7 @@
 </file>
 
 <file path=ppt/slideLayouts/slideLayout13.xml><?xml version="1.0" encoding="utf-8"?>
-<p:sldLayout xmlns:a="http://schemas.openxmlformats.org/drawingml/2006/main" xmlns:r="http://schemas.openxmlformats.org/officeDocument/2006/relationships" xmlns:p="http://schemas.openxmlformats.org/presentationml/2006/main" preserve="1" showMasterSp="0">
+<p:sldLayout xmlns:a="http://schemas.openxmlformats.org/drawingml/2006/main" xmlns:r="http://schemas.openxmlformats.org/officeDocument/2006/relationships" xmlns:p="http://schemas.openxmlformats.org/presentationml/2006/main" showMasterSp="0" preserve="1">
   <p:cSld name="对比">
     <p:spTree>
       <p:nvGrpSpPr>
@@ -10440,7 +9801,6 @@
               <a:rPr lang="zh-CN" altLang="en-US" smtClean="0"/>
               <a:t>编辑母版文本样式</a:t>
             </a:r>
-            <a:endParaRPr lang="zh-CN" altLang="en-US" smtClean="0"/>
           </a:p>
           <a:p>
             <a:pPr lvl="1"/>
@@ -10448,7 +9808,6 @@
               <a:rPr lang="zh-CN" altLang="en-US" smtClean="0"/>
               <a:t>第二级</a:t>
             </a:r>
-            <a:endParaRPr lang="zh-CN" altLang="en-US" smtClean="0"/>
           </a:p>
           <a:p>
             <a:pPr lvl="2"/>
@@ -10456,7 +9815,6 @@
               <a:rPr lang="zh-CN" altLang="en-US" smtClean="0"/>
               <a:t>第三级</a:t>
             </a:r>
-            <a:endParaRPr lang="zh-CN" altLang="en-US" smtClean="0"/>
           </a:p>
           <a:p>
             <a:pPr lvl="3"/>
@@ -10464,7 +9822,6 @@
               <a:rPr lang="zh-CN" altLang="en-US" smtClean="0"/>
               <a:t>第四级</a:t>
             </a:r>
-            <a:endParaRPr lang="zh-CN" altLang="en-US" smtClean="0"/>
           </a:p>
           <a:p>
             <a:pPr lvl="4"/>
@@ -10534,7 +9891,6 @@
               <a:rPr lang="zh-CN" altLang="en-US" smtClean="0"/>
               <a:t>编辑母版文本样式</a:t>
             </a:r>
-            <a:endParaRPr lang="zh-CN" altLang="en-US" smtClean="0"/>
           </a:p>
           <a:p>
             <a:pPr lvl="1"/>
@@ -10542,7 +9898,6 @@
               <a:rPr lang="zh-CN" altLang="en-US" smtClean="0"/>
               <a:t>第二级</a:t>
             </a:r>
-            <a:endParaRPr lang="zh-CN" altLang="en-US" smtClean="0"/>
           </a:p>
           <a:p>
             <a:pPr lvl="2"/>
@@ -10550,7 +9905,6 @@
               <a:rPr lang="zh-CN" altLang="en-US" smtClean="0"/>
               <a:t>第三级</a:t>
             </a:r>
-            <a:endParaRPr lang="zh-CN" altLang="en-US" smtClean="0"/>
           </a:p>
           <a:p>
             <a:pPr lvl="3"/>
@@ -10558,7 +9912,6 @@
               <a:rPr lang="zh-CN" altLang="en-US" smtClean="0"/>
               <a:t>第四级</a:t>
             </a:r>
-            <a:endParaRPr lang="zh-CN" altLang="en-US" smtClean="0"/>
           </a:p>
           <a:p>
             <a:pPr lvl="4"/>
@@ -10616,7 +9969,6 @@
               <a:rPr lang="zh-CN" altLang="en-US" dirty="0" smtClean="0"/>
               <a:t>单击此处编辑标题</a:t>
             </a:r>
-            <a:endParaRPr lang="zh-CN" altLang="en-US" dirty="0" smtClean="0"/>
           </a:p>
         </p:txBody>
       </p:sp>
@@ -10702,7 +10054,7 @@
           <a:blip r:embed="rId3" cstate="print">
             <a:extLst>
               <a:ext uri="{BEBA8EAE-BF5A-486C-A8C5-ECC9F3942E4B}">
-                <a14:imgProps xmlns:a14="http://schemas.microsoft.com/office/drawing/2010/main">
+                <a14:imgProps xmlns:a14="http://schemas.microsoft.com/office/drawing/2010/main" xmlns="">
                   <a14:imgLayer r:embed="rId4">
                     <a14:imgEffect>
                       <a14:brightnessContrast bright="100000"/>
@@ -10711,7 +10063,7 @@
                 </a14:imgProps>
               </a:ext>
               <a:ext uri="{28A0092B-C50C-407E-A947-70E740481C1C}">
-                <a14:useLocalDpi xmlns:a14="http://schemas.microsoft.com/office/drawing/2010/main" val="0"/>
+                <a14:useLocalDpi xmlns:a14="http://schemas.microsoft.com/office/drawing/2010/main" xmlns="" val="0"/>
               </a:ext>
             </a:extLst>
           </a:blip>
@@ -10854,7 +10206,7 @@
           <a:blip r:embed="rId3" cstate="print">
             <a:extLst>
               <a:ext uri="{BEBA8EAE-BF5A-486C-A8C5-ECC9F3942E4B}">
-                <a14:imgProps xmlns:a14="http://schemas.microsoft.com/office/drawing/2010/main">
+                <a14:imgProps xmlns:a14="http://schemas.microsoft.com/office/drawing/2010/main" xmlns="">
                   <a14:imgLayer r:embed="rId4">
                     <a14:imgEffect>
                       <a14:brightnessContrast bright="100000"/>
@@ -10863,7 +10215,7 @@
                 </a14:imgProps>
               </a:ext>
               <a:ext uri="{28A0092B-C50C-407E-A947-70E740481C1C}">
-                <a14:useLocalDpi xmlns:a14="http://schemas.microsoft.com/office/drawing/2010/main" val="0"/>
+                <a14:useLocalDpi xmlns:a14="http://schemas.microsoft.com/office/drawing/2010/main" xmlns="" val="0"/>
               </a:ext>
             </a:extLst>
           </a:blip>
@@ -10930,7 +10282,7 @@
     <a:masterClrMapping/>
   </p:clrMapOvr>
   <mc:AlternateContent xmlns:mc="http://schemas.openxmlformats.org/markup-compatibility/2006">
-    <mc:Choice xmlns:p14="http://schemas.microsoft.com/office/powerpoint/2010/main" Requires="p14">
+    <mc:Choice xmlns:p14="http://schemas.microsoft.com/office/powerpoint/2010/main" xmlns="" Requires="p14">
       <p:transition spd="slow" p14:dur="2000"/>
     </mc:Choice>
     <mc:Fallback>
@@ -10948,7 +10300,7 @@
 </file>
 
 <file path=ppt/slideLayouts/slideLayout14.xml><?xml version="1.0" encoding="utf-8"?>
-<p:sldLayout xmlns:a="http://schemas.openxmlformats.org/drawingml/2006/main" xmlns:r="http://schemas.openxmlformats.org/officeDocument/2006/relationships" xmlns:p="http://schemas.openxmlformats.org/presentationml/2006/main" preserve="1" showMasterSp="0">
+<p:sldLayout xmlns:a="http://schemas.openxmlformats.org/drawingml/2006/main" xmlns:r="http://schemas.openxmlformats.org/officeDocument/2006/relationships" xmlns:p="http://schemas.openxmlformats.org/presentationml/2006/main" showMasterSp="0" preserve="1">
   <p:cSld name="对比-有页码">
     <p:spTree>
       <p:nvGrpSpPr>
@@ -11046,7 +10398,7 @@
           <a:blip r:embed="rId3" cstate="print">
             <a:extLst>
               <a:ext uri="{BEBA8EAE-BF5A-486C-A8C5-ECC9F3942E4B}">
-                <a14:imgProps xmlns:a14="http://schemas.microsoft.com/office/drawing/2010/main">
+                <a14:imgProps xmlns:a14="http://schemas.microsoft.com/office/drawing/2010/main" xmlns="">
                   <a14:imgLayer r:embed="rId4">
                     <a14:imgEffect>
                       <a14:brightnessContrast bright="100000"/>
@@ -11055,7 +10407,7 @@
                 </a14:imgProps>
               </a:ext>
               <a:ext uri="{28A0092B-C50C-407E-A947-70E740481C1C}">
-                <a14:useLocalDpi xmlns:a14="http://schemas.microsoft.com/office/drawing/2010/main" val="0"/>
+                <a14:useLocalDpi xmlns:a14="http://schemas.microsoft.com/office/drawing/2010/main" xmlns="" val="0"/>
               </a:ext>
             </a:extLst>
           </a:blip>
@@ -11287,7 +10639,6 @@
               <a:rPr lang="zh-CN" altLang="en-US" smtClean="0"/>
               <a:t>编辑母版文本样式</a:t>
             </a:r>
-            <a:endParaRPr lang="zh-CN" altLang="en-US" smtClean="0"/>
           </a:p>
           <a:p>
             <a:pPr lvl="1"/>
@@ -11295,7 +10646,6 @@
               <a:rPr lang="zh-CN" altLang="en-US" smtClean="0"/>
               <a:t>第二级</a:t>
             </a:r>
-            <a:endParaRPr lang="zh-CN" altLang="en-US" smtClean="0"/>
           </a:p>
           <a:p>
             <a:pPr lvl="2"/>
@@ -11303,7 +10653,6 @@
               <a:rPr lang="zh-CN" altLang="en-US" smtClean="0"/>
               <a:t>第三级</a:t>
             </a:r>
-            <a:endParaRPr lang="zh-CN" altLang="en-US" smtClean="0"/>
           </a:p>
           <a:p>
             <a:pPr lvl="3"/>
@@ -11311,7 +10660,6 @@
               <a:rPr lang="zh-CN" altLang="en-US" smtClean="0"/>
               <a:t>第四级</a:t>
             </a:r>
-            <a:endParaRPr lang="zh-CN" altLang="en-US" smtClean="0"/>
           </a:p>
           <a:p>
             <a:pPr lvl="4"/>
@@ -11381,7 +10729,6 @@
               <a:rPr lang="zh-CN" altLang="en-US" smtClean="0"/>
               <a:t>编辑母版文本样式</a:t>
             </a:r>
-            <a:endParaRPr lang="zh-CN" altLang="en-US" smtClean="0"/>
           </a:p>
           <a:p>
             <a:pPr lvl="1"/>
@@ -11389,7 +10736,6 @@
               <a:rPr lang="zh-CN" altLang="en-US" smtClean="0"/>
               <a:t>第二级</a:t>
             </a:r>
-            <a:endParaRPr lang="zh-CN" altLang="en-US" smtClean="0"/>
           </a:p>
           <a:p>
             <a:pPr lvl="2"/>
@@ -11397,7 +10743,6 @@
               <a:rPr lang="zh-CN" altLang="en-US" smtClean="0"/>
               <a:t>第三级</a:t>
             </a:r>
-            <a:endParaRPr lang="zh-CN" altLang="en-US" smtClean="0"/>
           </a:p>
           <a:p>
             <a:pPr lvl="3"/>
@@ -11405,7 +10750,6 @@
               <a:rPr lang="zh-CN" altLang="en-US" smtClean="0"/>
               <a:t>第四级</a:t>
             </a:r>
-            <a:endParaRPr lang="zh-CN" altLang="en-US" smtClean="0"/>
           </a:p>
           <a:p>
             <a:pPr lvl="4"/>
@@ -11463,7 +10807,6 @@
               <a:rPr lang="zh-CN" altLang="en-US" dirty="0" smtClean="0"/>
               <a:t>单击此处编辑标题</a:t>
             </a:r>
-            <a:endParaRPr lang="zh-CN" altLang="en-US" dirty="0" smtClean="0"/>
           </a:p>
         </p:txBody>
       </p:sp>
@@ -11505,6 +10848,8 @@
           <a:p>
             <a:fld id="{54BD5A17-3153-4A95-988E-B577C14000F1}" type="slidenum">
               <a:rPr lang="en-US" altLang="zh-CN" smtClean="0"/>
+              <a:pPr/>
+              <a:t>‹#›</a:t>
             </a:fld>
             <a:endParaRPr lang="en-US" altLang="zh-CN" dirty="0"/>
           </a:p>
@@ -11592,7 +10937,7 @@
           <a:blip r:embed="rId3" cstate="print">
             <a:extLst>
               <a:ext uri="{BEBA8EAE-BF5A-486C-A8C5-ECC9F3942E4B}">
-                <a14:imgProps xmlns:a14="http://schemas.microsoft.com/office/drawing/2010/main">
+                <a14:imgProps xmlns:a14="http://schemas.microsoft.com/office/drawing/2010/main" xmlns="">
                   <a14:imgLayer r:embed="rId4">
                     <a14:imgEffect>
                       <a14:brightnessContrast bright="100000"/>
@@ -11601,7 +10946,7 @@
                 </a14:imgProps>
               </a:ext>
               <a:ext uri="{28A0092B-C50C-407E-A947-70E740481C1C}">
-                <a14:useLocalDpi xmlns:a14="http://schemas.microsoft.com/office/drawing/2010/main" val="0"/>
+                <a14:useLocalDpi xmlns:a14="http://schemas.microsoft.com/office/drawing/2010/main" xmlns="" val="0"/>
               </a:ext>
             </a:extLst>
           </a:blip>
@@ -11668,7 +11013,7 @@
     <a:masterClrMapping/>
   </p:clrMapOvr>
   <mc:AlternateContent xmlns:mc="http://schemas.openxmlformats.org/markup-compatibility/2006">
-    <mc:Choice xmlns:p14="http://schemas.microsoft.com/office/powerpoint/2010/main" Requires="p14">
+    <mc:Choice xmlns:p14="http://schemas.microsoft.com/office/powerpoint/2010/main" xmlns="" Requires="p14">
       <p:transition spd="slow" p14:dur="2000"/>
     </mc:Choice>
     <mc:Fallback>
@@ -11686,7 +11031,7 @@
 </file>
 
 <file path=ppt/slideLayouts/slideLayout15.xml><?xml version="1.0" encoding="utf-8"?>
-<p:sldLayout xmlns:a="http://schemas.openxmlformats.org/drawingml/2006/main" xmlns:r="http://schemas.openxmlformats.org/officeDocument/2006/relationships" xmlns:p="http://schemas.openxmlformats.org/presentationml/2006/main" preserve="1" showMasterSp="0">
+<p:sldLayout xmlns:a="http://schemas.openxmlformats.org/drawingml/2006/main" xmlns:r="http://schemas.openxmlformats.org/officeDocument/2006/relationships" xmlns:p="http://schemas.openxmlformats.org/presentationml/2006/main" showMasterSp="0" preserve="1">
   <p:cSld name="1_封面">
     <p:bg>
       <p:bgPr>
@@ -11722,7 +11067,7 @@
           <a:blip r:embed="rId2" cstate="print">
             <a:extLst>
               <a:ext uri="{28A0092B-C50C-407E-A947-70E740481C1C}">
-                <a14:useLocalDpi xmlns:a14="http://schemas.microsoft.com/office/drawing/2010/main" val="0"/>
+                <a14:useLocalDpi xmlns:a14="http://schemas.microsoft.com/office/drawing/2010/main" xmlns="" val="0"/>
               </a:ext>
             </a:extLst>
           </a:blip>
@@ -11893,7 +11238,7 @@
           <a:blip r:embed="rId3" cstate="print">
             <a:extLst>
               <a:ext uri="{28A0092B-C50C-407E-A947-70E740481C1C}">
-                <a14:useLocalDpi xmlns:a14="http://schemas.microsoft.com/office/drawing/2010/main" val="0"/>
+                <a14:useLocalDpi xmlns:a14="http://schemas.microsoft.com/office/drawing/2010/main" xmlns="" val="0"/>
               </a:ext>
             </a:extLst>
           </a:blip>
@@ -11962,7 +11307,7 @@
           <a:blip r:embed="rId3" cstate="print">
             <a:extLst>
               <a:ext uri="{28A0092B-C50C-407E-A947-70E740481C1C}">
-                <a14:useLocalDpi xmlns:a14="http://schemas.microsoft.com/office/drawing/2010/main" val="0"/>
+                <a14:useLocalDpi xmlns:a14="http://schemas.microsoft.com/office/drawing/2010/main" xmlns="" val="0"/>
               </a:ext>
             </a:extLst>
           </a:blip>
@@ -12025,7 +11370,7 @@
     <a:masterClrMapping/>
   </p:clrMapOvr>
   <mc:AlternateContent xmlns:mc="http://schemas.openxmlformats.org/markup-compatibility/2006">
-    <mc:Choice xmlns:p14="http://schemas.microsoft.com/office/powerpoint/2010/main" Requires="p14">
+    <mc:Choice xmlns:p14="http://schemas.microsoft.com/office/powerpoint/2010/main" xmlns="" Requires="p14">
       <p:transition spd="slow" p14:dur="2000"/>
     </mc:Choice>
     <mc:Fallback>
@@ -12079,7 +11424,7 @@
           <a:blip r:embed="rId2" cstate="print">
             <a:extLst>
               <a:ext uri="{28A0092B-C50C-407E-A947-70E740481C1C}">
-                <a14:useLocalDpi xmlns:a14="http://schemas.microsoft.com/office/drawing/2010/main" val="0"/>
+                <a14:useLocalDpi xmlns:a14="http://schemas.microsoft.com/office/drawing/2010/main" xmlns="" val="0"/>
               </a:ext>
             </a:extLst>
           </a:blip>
@@ -12109,7 +11454,7 @@
           <a:blip r:embed="rId3" cstate="print">
             <a:extLst>
               <a:ext uri="{28A0092B-C50C-407E-A947-70E740481C1C}">
-                <a14:useLocalDpi xmlns:a14="http://schemas.microsoft.com/office/drawing/2010/main" val="0"/>
+                <a14:useLocalDpi xmlns:a14="http://schemas.microsoft.com/office/drawing/2010/main" xmlns="" val="0"/>
               </a:ext>
             </a:extLst>
           </a:blip>
@@ -12177,7 +11522,7 @@
           <a:blip r:embed="rId2" cstate="print">
             <a:extLst>
               <a:ext uri="{28A0092B-C50C-407E-A947-70E740481C1C}">
-                <a14:useLocalDpi xmlns:a14="http://schemas.microsoft.com/office/drawing/2010/main" val="0"/>
+                <a14:useLocalDpi xmlns:a14="http://schemas.microsoft.com/office/drawing/2010/main" xmlns="" val="0"/>
               </a:ext>
             </a:extLst>
           </a:blip>
@@ -12201,7 +11546,7 @@
     <a:masterClrMapping/>
   </p:clrMapOvr>
   <mc:AlternateContent xmlns:mc="http://schemas.openxmlformats.org/markup-compatibility/2006">
-    <mc:Choice xmlns:p14="http://schemas.microsoft.com/office/powerpoint/2010/main" Requires="p14">
+    <mc:Choice xmlns:p14="http://schemas.microsoft.com/office/powerpoint/2010/main" xmlns="" Requires="p14">
       <p:transition spd="slow" p14:dur="2000"/>
     </mc:Choice>
     <mc:Fallback>
@@ -12293,7 +11638,6 @@
               <a:rPr lang="zh-CN" altLang="en-US" smtClean="0"/>
               <a:t>编辑母版文本样式</a:t>
             </a:r>
-            <a:endParaRPr lang="zh-CN" altLang="en-US" smtClean="0"/>
           </a:p>
           <a:p>
             <a:pPr lvl="1"/>
@@ -12301,7 +11645,6 @@
               <a:rPr lang="zh-CN" altLang="en-US" smtClean="0"/>
               <a:t>第二级</a:t>
             </a:r>
-            <a:endParaRPr lang="zh-CN" altLang="en-US" smtClean="0"/>
           </a:p>
           <a:p>
             <a:pPr lvl="2"/>
@@ -12309,7 +11652,6 @@
               <a:rPr lang="zh-CN" altLang="en-US" smtClean="0"/>
               <a:t>第三级</a:t>
             </a:r>
-            <a:endParaRPr lang="zh-CN" altLang="en-US" smtClean="0"/>
           </a:p>
           <a:p>
             <a:pPr lvl="3"/>
@@ -12317,7 +11659,6 @@
               <a:rPr lang="zh-CN" altLang="en-US" smtClean="0"/>
               <a:t>第四级</a:t>
             </a:r>
-            <a:endParaRPr lang="zh-CN" altLang="en-US" smtClean="0"/>
           </a:p>
           <a:p>
             <a:pPr lvl="4"/>
@@ -12374,7 +11715,7 @@
     <a:masterClrMapping/>
   </p:clrMapOvr>
   <mc:AlternateContent xmlns:mc="http://schemas.openxmlformats.org/markup-compatibility/2006">
-    <mc:Choice xmlns:p14="http://schemas.microsoft.com/office/powerpoint/2010/main" Requires="p14">
+    <mc:Choice xmlns:p14="http://schemas.microsoft.com/office/powerpoint/2010/main" xmlns="" Requires="p14">
       <p:transition spd="slow" p14:dur="2000"/>
     </mc:Choice>
     <mc:Fallback>
@@ -12466,7 +11807,6 @@
               <a:rPr lang="zh-CN" altLang="en-US" smtClean="0"/>
               <a:t>编辑母版文本样式</a:t>
             </a:r>
-            <a:endParaRPr lang="zh-CN" altLang="en-US" smtClean="0"/>
           </a:p>
           <a:p>
             <a:pPr lvl="1"/>
@@ -12474,7 +11814,6 @@
               <a:rPr lang="zh-CN" altLang="en-US" smtClean="0"/>
               <a:t>第二级</a:t>
             </a:r>
-            <a:endParaRPr lang="zh-CN" altLang="en-US" smtClean="0"/>
           </a:p>
           <a:p>
             <a:pPr lvl="2"/>
@@ -12482,7 +11821,6 @@
               <a:rPr lang="zh-CN" altLang="en-US" smtClean="0"/>
               <a:t>第三级</a:t>
             </a:r>
-            <a:endParaRPr lang="zh-CN" altLang="en-US" smtClean="0"/>
           </a:p>
           <a:p>
             <a:pPr lvl="3"/>
@@ -12490,7 +11828,6 @@
               <a:rPr lang="zh-CN" altLang="en-US" smtClean="0"/>
               <a:t>第四级</a:t>
             </a:r>
-            <a:endParaRPr lang="zh-CN" altLang="en-US" smtClean="0"/>
           </a:p>
           <a:p>
             <a:pPr lvl="4"/>
@@ -12579,6 +11916,8 @@
             <a:pPr lvl="0"/>
             <a:fld id="{E1703B59-C883-4B8B-974E-AFB30A6C43A7}" type="slidenum">
               <a:rPr lang="zh-CN" altLang="en-US" smtClean="0"/>
+              <a:pPr lvl="0"/>
+              <a:t>‹#›</a:t>
             </a:fld>
             <a:endParaRPr lang="zh-CN" altLang="en-US" dirty="0"/>
           </a:p>
@@ -12632,7 +11971,7 @@
     <a:masterClrMapping/>
   </p:clrMapOvr>
   <mc:AlternateContent xmlns:mc="http://schemas.openxmlformats.org/markup-compatibility/2006">
-    <mc:Choice xmlns:p14="http://schemas.microsoft.com/office/powerpoint/2010/main" Requires="p14">
+    <mc:Choice xmlns:p14="http://schemas.microsoft.com/office/powerpoint/2010/main" xmlns="" Requires="p14">
       <p:transition spd="slow" p14:dur="2000"/>
     </mc:Choice>
     <mc:Fallback>
@@ -12650,7 +11989,7 @@
 </file>
 
 <file path=ppt/slideLayouts/slideLayout4.xml><?xml version="1.0" encoding="utf-8"?>
-<p:sldLayout xmlns:a="http://schemas.openxmlformats.org/drawingml/2006/main" xmlns:r="http://schemas.openxmlformats.org/officeDocument/2006/relationships" xmlns:p="http://schemas.openxmlformats.org/presentationml/2006/main" preserve="1" showMasterSp="0">
+<p:sldLayout xmlns:a="http://schemas.openxmlformats.org/drawingml/2006/main" xmlns:r="http://schemas.openxmlformats.org/officeDocument/2006/relationships" xmlns:p="http://schemas.openxmlformats.org/presentationml/2006/main" showMasterSp="0" preserve="1">
   <p:cSld name="内页-极简">
     <p:spTree>
       <p:nvGrpSpPr>
@@ -12724,7 +12063,6 @@
               <a:rPr lang="zh-CN" altLang="en-US" smtClean="0"/>
               <a:t>编辑母版文本样式</a:t>
             </a:r>
-            <a:endParaRPr lang="zh-CN" altLang="en-US" smtClean="0"/>
           </a:p>
           <a:p>
             <a:pPr lvl="1"/>
@@ -12732,7 +12070,6 @@
               <a:rPr lang="zh-CN" altLang="en-US" smtClean="0"/>
               <a:t>第二级</a:t>
             </a:r>
-            <a:endParaRPr lang="zh-CN" altLang="en-US" smtClean="0"/>
           </a:p>
           <a:p>
             <a:pPr lvl="2"/>
@@ -12740,7 +12077,6 @@
               <a:rPr lang="zh-CN" altLang="en-US" smtClean="0"/>
               <a:t>第三级</a:t>
             </a:r>
-            <a:endParaRPr lang="zh-CN" altLang="en-US" smtClean="0"/>
           </a:p>
           <a:p>
             <a:pPr lvl="3"/>
@@ -12748,7 +12084,6 @@
               <a:rPr lang="zh-CN" altLang="en-US" smtClean="0"/>
               <a:t>第四级</a:t>
             </a:r>
-            <a:endParaRPr lang="zh-CN" altLang="en-US" smtClean="0"/>
           </a:p>
           <a:p>
             <a:pPr lvl="4"/>
@@ -12900,7 +12235,7 @@
           <a:blip r:embed="rId2" cstate="print">
             <a:extLst>
               <a:ext uri="{BEBA8EAE-BF5A-486C-A8C5-ECC9F3942E4B}">
-                <a14:imgProps xmlns:a14="http://schemas.microsoft.com/office/drawing/2010/main">
+                <a14:imgProps xmlns:a14="http://schemas.microsoft.com/office/drawing/2010/main" xmlns="">
                   <a14:imgLayer r:embed="rId3">
                     <a14:imgEffect>
                       <a14:brightnessContrast bright="100000"/>
@@ -12909,7 +12244,7 @@
                 </a14:imgProps>
               </a:ext>
               <a:ext uri="{28A0092B-C50C-407E-A947-70E740481C1C}">
-                <a14:useLocalDpi xmlns:a14="http://schemas.microsoft.com/office/drawing/2010/main" val="0"/>
+                <a14:useLocalDpi xmlns:a14="http://schemas.microsoft.com/office/drawing/2010/main" xmlns="" val="0"/>
               </a:ext>
             </a:extLst>
           </a:blip>
@@ -13028,7 +12363,7 @@
           <a:blip r:embed="rId2" cstate="print">
             <a:extLst>
               <a:ext uri="{BEBA8EAE-BF5A-486C-A8C5-ECC9F3942E4B}">
-                <a14:imgProps xmlns:a14="http://schemas.microsoft.com/office/drawing/2010/main">
+                <a14:imgProps xmlns:a14="http://schemas.microsoft.com/office/drawing/2010/main" xmlns="">
                   <a14:imgLayer r:embed="rId3">
                     <a14:imgEffect>
                       <a14:brightnessContrast bright="100000"/>
@@ -13037,7 +12372,7 @@
                 </a14:imgProps>
               </a:ext>
               <a:ext uri="{28A0092B-C50C-407E-A947-70E740481C1C}">
-                <a14:useLocalDpi xmlns:a14="http://schemas.microsoft.com/office/drawing/2010/main" val="0"/>
+                <a14:useLocalDpi xmlns:a14="http://schemas.microsoft.com/office/drawing/2010/main" xmlns="" val="0"/>
               </a:ext>
             </a:extLst>
           </a:blip>
@@ -13061,7 +12396,7 @@
     <a:masterClrMapping/>
   </p:clrMapOvr>
   <mc:AlternateContent xmlns:mc="http://schemas.openxmlformats.org/markup-compatibility/2006">
-    <mc:Choice xmlns:p14="http://schemas.microsoft.com/office/powerpoint/2010/main" Requires="p14">
+    <mc:Choice xmlns:p14="http://schemas.microsoft.com/office/powerpoint/2010/main" xmlns="" Requires="p14">
       <p:transition spd="slow" p14:dur="2000"/>
     </mc:Choice>
     <mc:Fallback>
@@ -13079,7 +12414,7 @@
 </file>
 
 <file path=ppt/slideLayouts/slideLayout5.xml><?xml version="1.0" encoding="utf-8"?>
-<p:sldLayout xmlns:a="http://schemas.openxmlformats.org/drawingml/2006/main" xmlns:r="http://schemas.openxmlformats.org/officeDocument/2006/relationships" xmlns:p="http://schemas.openxmlformats.org/presentationml/2006/main" preserve="1" showMasterSp="0">
+<p:sldLayout xmlns:a="http://schemas.openxmlformats.org/drawingml/2006/main" xmlns:r="http://schemas.openxmlformats.org/officeDocument/2006/relationships" xmlns:p="http://schemas.openxmlformats.org/presentationml/2006/main" showMasterSp="0" preserve="1">
   <p:cSld name="内页-极简-有页码">
     <p:spTree>
       <p:nvGrpSpPr>
@@ -13153,7 +12488,6 @@
               <a:rPr lang="zh-CN" altLang="en-US" smtClean="0"/>
               <a:t>编辑母版文本样式</a:t>
             </a:r>
-            <a:endParaRPr lang="zh-CN" altLang="en-US" smtClean="0"/>
           </a:p>
           <a:p>
             <a:pPr lvl="1"/>
@@ -13161,7 +12495,6 @@
               <a:rPr lang="zh-CN" altLang="en-US" smtClean="0"/>
               <a:t>第二级</a:t>
             </a:r>
-            <a:endParaRPr lang="zh-CN" altLang="en-US" smtClean="0"/>
           </a:p>
           <a:p>
             <a:pPr lvl="2"/>
@@ -13169,7 +12502,6 @@
               <a:rPr lang="zh-CN" altLang="en-US" smtClean="0"/>
               <a:t>第三级</a:t>
             </a:r>
-            <a:endParaRPr lang="zh-CN" altLang="en-US" smtClean="0"/>
           </a:p>
           <a:p>
             <a:pPr lvl="3"/>
@@ -13177,7 +12509,6 @@
               <a:rPr lang="zh-CN" altLang="en-US" smtClean="0"/>
               <a:t>第四级</a:t>
             </a:r>
-            <a:endParaRPr lang="zh-CN" altLang="en-US" smtClean="0"/>
           </a:p>
           <a:p>
             <a:pPr lvl="4"/>
@@ -13355,6 +12686,8 @@
           <a:p>
             <a:fld id="{D4CE0C3C-47D3-4455-AB34-8268314DB49D}" type="slidenum">
               <a:rPr lang="en-US" altLang="zh-CN" smtClean="0"/>
+              <a:pPr/>
+              <a:t>‹#›</a:t>
             </a:fld>
             <a:endParaRPr lang="en-US" altLang="zh-CN"/>
           </a:p>
@@ -13414,7 +12747,7 @@
           <a:blip r:embed="rId2" cstate="print">
             <a:extLst>
               <a:ext uri="{BEBA8EAE-BF5A-486C-A8C5-ECC9F3942E4B}">
-                <a14:imgProps xmlns:a14="http://schemas.microsoft.com/office/drawing/2010/main">
+                <a14:imgProps xmlns:a14="http://schemas.microsoft.com/office/drawing/2010/main" xmlns="">
                   <a14:imgLayer r:embed="rId3">
                     <a14:imgEffect>
                       <a14:brightnessContrast bright="100000"/>
@@ -13423,7 +12756,7 @@
                 </a14:imgProps>
               </a:ext>
               <a:ext uri="{28A0092B-C50C-407E-A947-70E740481C1C}">
-                <a14:useLocalDpi xmlns:a14="http://schemas.microsoft.com/office/drawing/2010/main" val="0"/>
+                <a14:useLocalDpi xmlns:a14="http://schemas.microsoft.com/office/drawing/2010/main" xmlns="" val="0"/>
               </a:ext>
             </a:extLst>
           </a:blip>
@@ -13584,7 +12917,7 @@
           <a:blip r:embed="rId2" cstate="print">
             <a:extLst>
               <a:ext uri="{BEBA8EAE-BF5A-486C-A8C5-ECC9F3942E4B}">
-                <a14:imgProps xmlns:a14="http://schemas.microsoft.com/office/drawing/2010/main">
+                <a14:imgProps xmlns:a14="http://schemas.microsoft.com/office/drawing/2010/main" xmlns="">
                   <a14:imgLayer r:embed="rId3">
                     <a14:imgEffect>
                       <a14:brightnessContrast bright="100000"/>
@@ -13593,7 +12926,7 @@
                 </a14:imgProps>
               </a:ext>
               <a:ext uri="{28A0092B-C50C-407E-A947-70E740481C1C}">
-                <a14:useLocalDpi xmlns:a14="http://schemas.microsoft.com/office/drawing/2010/main" val="0"/>
+                <a14:useLocalDpi xmlns:a14="http://schemas.microsoft.com/office/drawing/2010/main" xmlns="" val="0"/>
               </a:ext>
             </a:extLst>
           </a:blip>
@@ -13617,7 +12950,7 @@
     <a:masterClrMapping/>
   </p:clrMapOvr>
   <mc:AlternateContent xmlns:mc="http://schemas.openxmlformats.org/markup-compatibility/2006">
-    <mc:Choice xmlns:p14="http://schemas.microsoft.com/office/powerpoint/2010/main" Requires="p14">
+    <mc:Choice xmlns:p14="http://schemas.microsoft.com/office/powerpoint/2010/main" xmlns="" Requires="p14">
       <p:transition spd="slow" p14:dur="2000"/>
     </mc:Choice>
     <mc:Fallback>
@@ -13636,7 +12969,7 @@
 </file>
 
 <file path=ppt/slideLayouts/slideLayout6.xml><?xml version="1.0" encoding="utf-8"?>
-<p:sldLayout xmlns:a="http://schemas.openxmlformats.org/drawingml/2006/main" xmlns:r="http://schemas.openxmlformats.org/officeDocument/2006/relationships" xmlns:p="http://schemas.openxmlformats.org/presentationml/2006/main" preserve="1" showMasterSp="0">
+<p:sldLayout xmlns:a="http://schemas.openxmlformats.org/drawingml/2006/main" xmlns:r="http://schemas.openxmlformats.org/officeDocument/2006/relationships" xmlns:p="http://schemas.openxmlformats.org/presentationml/2006/main" showMasterSp="0" preserve="1">
   <p:cSld name="目录">
     <p:spTree>
       <p:nvGrpSpPr>
@@ -13734,7 +13067,7 @@
           <a:blip r:embed="rId3" cstate="print">
             <a:extLst>
               <a:ext uri="{28A0092B-C50C-407E-A947-70E740481C1C}">
-                <a14:useLocalDpi xmlns:a14="http://schemas.microsoft.com/office/drawing/2010/main" val="0"/>
+                <a14:useLocalDpi xmlns:a14="http://schemas.microsoft.com/office/drawing/2010/main" xmlns="" val="0"/>
               </a:ext>
             </a:extLst>
           </a:blip>
@@ -13847,7 +13180,7 @@
           <a:blip r:embed="rId4" cstate="print">
             <a:extLst>
               <a:ext uri="{28A0092B-C50C-407E-A947-70E740481C1C}">
-                <a14:useLocalDpi xmlns:a14="http://schemas.microsoft.com/office/drawing/2010/main" val="0"/>
+                <a14:useLocalDpi xmlns:a14="http://schemas.microsoft.com/office/drawing/2010/main" xmlns="" val="0"/>
               </a:ext>
             </a:extLst>
           </a:blip>
@@ -13944,7 +13277,7 @@
           <a:blip r:embed="rId4" cstate="print">
             <a:extLst>
               <a:ext uri="{28A0092B-C50C-407E-A947-70E740481C1C}">
-                <a14:useLocalDpi xmlns:a14="http://schemas.microsoft.com/office/drawing/2010/main" val="0"/>
+                <a14:useLocalDpi xmlns:a14="http://schemas.microsoft.com/office/drawing/2010/main" xmlns="" val="0"/>
               </a:ext>
             </a:extLst>
           </a:blip>
@@ -13968,7 +13301,7 @@
     <a:masterClrMapping/>
   </p:clrMapOvr>
   <mc:AlternateContent xmlns:mc="http://schemas.openxmlformats.org/markup-compatibility/2006">
-    <mc:Choice xmlns:p14="http://schemas.microsoft.com/office/powerpoint/2010/main" Requires="p14">
+    <mc:Choice xmlns:p14="http://schemas.microsoft.com/office/powerpoint/2010/main" xmlns="" Requires="p14">
       <p:transition spd="slow" p14:dur="2000"/>
     </mc:Choice>
     <mc:Fallback>
@@ -14047,7 +13380,7 @@
     <a:masterClrMapping/>
   </p:clrMapOvr>
   <mc:AlternateContent xmlns:mc="http://schemas.openxmlformats.org/markup-compatibility/2006">
-    <mc:Choice xmlns:p14="http://schemas.microsoft.com/office/powerpoint/2010/main" Requires="p14">
+    <mc:Choice xmlns:p14="http://schemas.microsoft.com/office/powerpoint/2010/main" xmlns="" Requires="p14">
       <p:transition spd="slow" p14:dur="2000"/>
     </mc:Choice>
     <mc:Fallback>
@@ -14200,6 +13533,8 @@
             <a:pPr lvl="0"/>
             <a:fld id="{7E0B4DC1-AB35-4259-8072-EA8F5B8A0BBF}" type="slidenum">
               <a:rPr lang="zh-CN" altLang="en-US" smtClean="0"/>
+              <a:pPr lvl="0"/>
+              <a:t>‹#›</a:t>
             </a:fld>
             <a:endParaRPr lang="zh-CN" altLang="en-US" dirty="0"/>
           </a:p>
@@ -14211,7 +13546,7 @@
     <a:masterClrMapping/>
   </p:clrMapOvr>
   <mc:AlternateContent xmlns:mc="http://schemas.openxmlformats.org/markup-compatibility/2006">
-    <mc:Choice xmlns:p14="http://schemas.microsoft.com/office/powerpoint/2010/main" Requires="p14">
+    <mc:Choice xmlns:p14="http://schemas.microsoft.com/office/powerpoint/2010/main" xmlns="" Requires="p14">
       <p:transition spd="slow" p14:dur="2000"/>
     </mc:Choice>
     <mc:Fallback>
@@ -14229,7 +13564,7 @@
 </file>
 
 <file path=ppt/slideLayouts/slideLayout9.xml><?xml version="1.0" encoding="utf-8"?>
-<p:sldLayout xmlns:a="http://schemas.openxmlformats.org/drawingml/2006/main" xmlns:r="http://schemas.openxmlformats.org/officeDocument/2006/relationships" xmlns:p="http://schemas.openxmlformats.org/presentationml/2006/main" preserve="1" showMasterSp="0">
+<p:sldLayout xmlns:a="http://schemas.openxmlformats.org/drawingml/2006/main" xmlns:r="http://schemas.openxmlformats.org/officeDocument/2006/relationships" xmlns:p="http://schemas.openxmlformats.org/presentationml/2006/main" showMasterSp="0" preserve="1">
   <p:cSld name="空白">
     <p:spTree>
       <p:nvGrpSpPr>
@@ -14327,7 +13662,7 @@
           <a:blip r:embed="rId3" cstate="print">
             <a:extLst>
               <a:ext uri="{BEBA8EAE-BF5A-486C-A8C5-ECC9F3942E4B}">
-                <a14:imgProps xmlns:a14="http://schemas.microsoft.com/office/drawing/2010/main">
+                <a14:imgProps xmlns:a14="http://schemas.microsoft.com/office/drawing/2010/main" xmlns="">
                   <a14:imgLayer r:embed="rId4">
                     <a14:imgEffect>
                       <a14:brightnessContrast bright="100000"/>
@@ -14336,7 +13671,7 @@
                 </a14:imgProps>
               </a:ext>
               <a:ext uri="{28A0092B-C50C-407E-A947-70E740481C1C}">
-                <a14:useLocalDpi xmlns:a14="http://schemas.microsoft.com/office/drawing/2010/main" val="0"/>
+                <a14:useLocalDpi xmlns:a14="http://schemas.microsoft.com/office/drawing/2010/main" xmlns="" val="0"/>
               </a:ext>
             </a:extLst>
           </a:blip>
@@ -14479,7 +13814,7 @@
           <a:blip r:embed="rId3" cstate="print">
             <a:extLst>
               <a:ext uri="{BEBA8EAE-BF5A-486C-A8C5-ECC9F3942E4B}">
-                <a14:imgProps xmlns:a14="http://schemas.microsoft.com/office/drawing/2010/main">
+                <a14:imgProps xmlns:a14="http://schemas.microsoft.com/office/drawing/2010/main" xmlns="">
                   <a14:imgLayer r:embed="rId4">
                     <a14:imgEffect>
                       <a14:brightnessContrast bright="100000"/>
@@ -14488,7 +13823,7 @@
                 </a14:imgProps>
               </a:ext>
               <a:ext uri="{28A0092B-C50C-407E-A947-70E740481C1C}">
-                <a14:useLocalDpi xmlns:a14="http://schemas.microsoft.com/office/drawing/2010/main" val="0"/>
+                <a14:useLocalDpi xmlns:a14="http://schemas.microsoft.com/office/drawing/2010/main" xmlns="" val="0"/>
               </a:ext>
             </a:extLst>
           </a:blip>
@@ -14598,7 +13933,7 @@
           <p:nvPr/>
         </p:nvPicPr>
         <p:blipFill>
-          <a:blip r:embed="rId17" cstate="print"/>
+          <a:blip r:embed="rId18" cstate="print"/>
           <a:stretch>
             <a:fillRect/>
           </a:stretch>
@@ -14643,7 +13978,6 @@
               <a:rPr lang="zh-CN" altLang="en-US" dirty="0" smtClean="0"/>
               <a:t>编辑母版文本样式</a:t>
             </a:r>
-            <a:endParaRPr lang="zh-CN" altLang="en-US" dirty="0" smtClean="0"/>
           </a:p>
           <a:p>
             <a:pPr lvl="1"/>
@@ -14651,7 +13985,6 @@
               <a:rPr lang="zh-CN" altLang="en-US" dirty="0" smtClean="0"/>
               <a:t>第二级</a:t>
             </a:r>
-            <a:endParaRPr lang="zh-CN" altLang="en-US" dirty="0" smtClean="0"/>
           </a:p>
           <a:p>
             <a:pPr lvl="2"/>
@@ -14659,7 +13992,6 @@
               <a:rPr lang="zh-CN" altLang="en-US" dirty="0" smtClean="0"/>
               <a:t>第三级</a:t>
             </a:r>
-            <a:endParaRPr lang="zh-CN" altLang="en-US" dirty="0" smtClean="0"/>
           </a:p>
           <a:p>
             <a:pPr lvl="3"/>
@@ -14667,7 +13999,6 @@
               <a:rPr lang="zh-CN" altLang="en-US" dirty="0" smtClean="0"/>
               <a:t>第四级</a:t>
             </a:r>
-            <a:endParaRPr lang="zh-CN" altLang="en-US" dirty="0" smtClean="0"/>
           </a:p>
           <a:p>
             <a:pPr lvl="4"/>
@@ -14734,11 +14065,11 @@
           <p:nvPr/>
         </p:nvPicPr>
         <p:blipFill>
-          <a:blip r:embed="rId18" cstate="print">
+          <a:blip r:embed="rId19" cstate="print">
             <a:extLst>
               <a:ext uri="{BEBA8EAE-BF5A-486C-A8C5-ECC9F3942E4B}">
-                <a14:imgProps xmlns:a14="http://schemas.microsoft.com/office/drawing/2010/main">
-                  <a14:imgLayer r:embed="rId19">
+                <a14:imgProps xmlns:a14="http://schemas.microsoft.com/office/drawing/2010/main" xmlns="">
+                  <a14:imgLayer r:embed="rId20">
                     <a14:imgEffect>
                       <a14:brightnessContrast bright="100000"/>
                     </a14:imgEffect>
@@ -14746,7 +14077,7 @@
                 </a14:imgProps>
               </a:ext>
               <a:ext uri="{28A0092B-C50C-407E-A947-70E740481C1C}">
-                <a14:useLocalDpi xmlns:a14="http://schemas.microsoft.com/office/drawing/2010/main" val="0"/>
+                <a14:useLocalDpi xmlns:a14="http://schemas.microsoft.com/office/drawing/2010/main" xmlns="" val="0"/>
               </a:ext>
             </a:extLst>
           </a:blip>
@@ -14816,7 +14147,7 @@
           <p:nvPr/>
         </p:nvPicPr>
         <p:blipFill>
-          <a:blip r:embed="rId20" cstate="print"/>
+          <a:blip r:embed="rId21" cstate="print"/>
           <a:stretch>
             <a:fillRect/>
           </a:stretch>
@@ -14873,7 +14204,7 @@
           <p:nvPr userDrawn="1"/>
         </p:nvPicPr>
         <p:blipFill>
-          <a:blip r:embed="rId17" cstate="print"/>
+          <a:blip r:embed="rId18" cstate="print"/>
           <a:stretch>
             <a:fillRect/>
           </a:stretch>
@@ -14943,11 +14274,11 @@
           <p:nvPr userDrawn="1"/>
         </p:nvPicPr>
         <p:blipFill>
-          <a:blip r:embed="rId18" cstate="print">
+          <a:blip r:embed="rId19" cstate="print">
             <a:extLst>
               <a:ext uri="{BEBA8EAE-BF5A-486C-A8C5-ECC9F3942E4B}">
-                <a14:imgProps xmlns:a14="http://schemas.microsoft.com/office/drawing/2010/main">
-                  <a14:imgLayer r:embed="rId19">
+                <a14:imgProps xmlns:a14="http://schemas.microsoft.com/office/drawing/2010/main" xmlns="">
+                  <a14:imgLayer r:embed="rId20">
                     <a14:imgEffect>
                       <a14:brightnessContrast bright="100000"/>
                     </a14:imgEffect>
@@ -14955,7 +14286,7 @@
                 </a14:imgProps>
               </a:ext>
               <a:ext uri="{28A0092B-C50C-407E-A947-70E740481C1C}">
-                <a14:useLocalDpi xmlns:a14="http://schemas.microsoft.com/office/drawing/2010/main" val="0"/>
+                <a14:useLocalDpi xmlns:a14="http://schemas.microsoft.com/office/drawing/2010/main" xmlns="" val="0"/>
               </a:ext>
             </a:extLst>
           </a:blip>
@@ -15025,7 +14356,7 @@
           <p:nvPr userDrawn="1"/>
         </p:nvPicPr>
         <p:blipFill>
-          <a:blip r:embed="rId20" cstate="print"/>
+          <a:blip r:embed="rId21" cstate="print"/>
           <a:stretch>
             <a:fillRect/>
           </a:stretch>
@@ -15445,7 +14776,6 @@
               <a:rPr dirty="0"/>
               <a:t>组</a:t>
             </a:r>
-            <a:endParaRPr dirty="0"/>
           </a:p>
         </p:txBody>
       </p:sp>
@@ -15498,7 +14828,7 @@
     <a:masterClrMapping/>
   </p:clrMapOvr>
   <mc:AlternateContent xmlns:mc="http://schemas.openxmlformats.org/markup-compatibility/2006">
-    <mc:Choice xmlns:p14="http://schemas.microsoft.com/office/powerpoint/2010/main" Requires="p14">
+    <mc:Choice xmlns:p14="http://schemas.microsoft.com/office/powerpoint/2010/main" xmlns="" Requires="p14">
       <p:transition spd="slow" p14:dur="2000"/>
     </mc:Choice>
     <mc:Fallback>
@@ -15567,7 +14897,7 @@
         </p:xfrm>
         <a:graphic>
           <a:graphicData uri="http://schemas.openxmlformats.org/drawingml/2006/diagram">
-            <dgm:relIds xmlns:dgm="http://schemas.openxmlformats.org/drawingml/2006/diagram" xmlns:r="http://schemas.openxmlformats.org/officeDocument/2006/relationships" r:dm="rId1" r:lo="rId2" r:qs="rId3" r:cs="rId4"/>
+            <dgm:relIds xmlns:dgm="http://schemas.openxmlformats.org/drawingml/2006/diagram" xmlns:r="http://schemas.openxmlformats.org/officeDocument/2006/relationships" r:dm="rId2" r:lo="rId3" r:qs="rId4" r:cs="rId5"/>
           </a:graphicData>
         </a:graphic>
       </p:graphicFrame>
@@ -15577,7 +14907,7 @@
     <a:masterClrMapping/>
   </p:clrMapOvr>
   <mc:AlternateContent xmlns:mc="http://schemas.openxmlformats.org/markup-compatibility/2006">
-    <mc:Choice xmlns:p14="http://schemas.microsoft.com/office/powerpoint/2010/main" Requires="p14">
+    <mc:Choice xmlns:p14="http://schemas.microsoft.com/office/powerpoint/2010/main" xmlns="" Requires="p14">
       <p:transition spd="slow" p14:dur="2000"/>
     </mc:Choice>
     <mc:Fallback>
@@ -15641,12 +14971,12 @@
           <p:nvPr/>
         </p:nvGraphicFramePr>
         <p:xfrm>
-          <a:off x="1217930" y="1810385"/>
+          <a:off x="1235515" y="1801593"/>
           <a:ext cx="6925310" cy="3849370"/>
         </p:xfrm>
         <a:graphic>
           <a:graphicData uri="http://schemas.openxmlformats.org/drawingml/2006/diagram">
-            <dgm:relIds xmlns:dgm="http://schemas.openxmlformats.org/drawingml/2006/diagram" xmlns:r="http://schemas.openxmlformats.org/officeDocument/2006/relationships" r:dm="rId1" r:lo="rId2" r:qs="rId3" r:cs="rId4"/>
+            <dgm:relIds xmlns:dgm="http://schemas.openxmlformats.org/drawingml/2006/diagram" xmlns:r="http://schemas.openxmlformats.org/officeDocument/2006/relationships" r:dm="rId2" r:lo="rId3" r:qs="rId4" r:cs="rId5"/>
           </a:graphicData>
         </a:graphic>
       </p:graphicFrame>
@@ -15656,7 +14986,7 @@
     <a:masterClrMapping/>
   </p:clrMapOvr>
   <mc:AlternateContent xmlns:mc="http://schemas.openxmlformats.org/markup-compatibility/2006">
-    <mc:Choice xmlns:p14="http://schemas.microsoft.com/office/powerpoint/2010/main" Requires="p14">
+    <mc:Choice xmlns:p14="http://schemas.microsoft.com/office/powerpoint/2010/main" xmlns="" Requires="p14">
       <p:transition spd="slow" p14:dur="2000"/>
     </mc:Choice>
     <mc:Fallback>
@@ -15725,7 +15055,7 @@
         </p:xfrm>
         <a:graphic>
           <a:graphicData uri="http://schemas.openxmlformats.org/drawingml/2006/diagram">
-            <dgm:relIds xmlns:dgm="http://schemas.openxmlformats.org/drawingml/2006/diagram" xmlns:r="http://schemas.openxmlformats.org/officeDocument/2006/relationships" r:dm="rId1" r:lo="rId2" r:qs="rId3" r:cs="rId4"/>
+            <dgm:relIds xmlns:dgm="http://schemas.openxmlformats.org/drawingml/2006/diagram" xmlns:r="http://schemas.openxmlformats.org/officeDocument/2006/relationships" r:dm="rId2" r:lo="rId3" r:qs="rId4" r:cs="rId5"/>
           </a:graphicData>
         </a:graphic>
       </p:graphicFrame>
@@ -15735,7 +15065,7 @@
     <a:masterClrMapping/>
   </p:clrMapOvr>
   <mc:AlternateContent xmlns:mc="http://schemas.openxmlformats.org/markup-compatibility/2006">
-    <mc:Choice xmlns:p14="http://schemas.microsoft.com/office/powerpoint/2010/main" Requires="p14">
+    <mc:Choice xmlns:p14="http://schemas.microsoft.com/office/powerpoint/2010/main" xmlns="" Requires="p14">
       <p:transition spd="slow" p14:dur="2000"/>
     </mc:Choice>
     <mc:Fallback>
@@ -17061,14 +16391,6 @@
               </a:rPr>
               <a:t>项目展示</a:t>
             </a:r>
-            <a:endParaRPr lang="zh-CN" altLang="en-US" sz="2400" dirty="0">
-              <a:solidFill>
-                <a:schemeClr val="tx1">
-                  <a:lumMod val="75000"/>
-                  <a:lumOff val="25000"/>
-                </a:schemeClr>
-              </a:solidFill>
-            </a:endParaRPr>
           </a:p>
         </p:txBody>
       </p:sp>
@@ -17078,7 +16400,7 @@
     <a:masterClrMapping/>
   </p:clrMapOvr>
   <mc:AlternateContent xmlns:mc="http://schemas.openxmlformats.org/markup-compatibility/2006">
-    <mc:Choice xmlns:p14="http://schemas.microsoft.com/office/powerpoint/2010/main" Requires="p14">
+    <mc:Choice xmlns:p14="http://schemas.microsoft.com/office/powerpoint/2010/main" xmlns="" Requires="p14">
       <p:transition spd="slow" p14:dur="2000"/>
     </mc:Choice>
     <mc:Fallback>
@@ -17144,7 +16466,7 @@
           <p:nvPr/>
         </p:nvPicPr>
         <p:blipFill>
-          <a:blip r:embed="rId1" cstate="print"/>
+          <a:blip r:embed="rId2" cstate="print"/>
           <a:srcRect/>
           <a:stretch>
             <a:fillRect/>
@@ -17170,7 +16492,7 @@
           <p:nvPr/>
         </p:nvPicPr>
         <p:blipFill>
-          <a:blip r:embed="rId2" cstate="print"/>
+          <a:blip r:embed="rId3" cstate="print"/>
           <a:srcRect/>
           <a:stretch>
             <a:fillRect/>
@@ -17207,6 +16529,7 @@
           <a:bodyPr wrap="square" rtlCol="0">
             <a:spAutoFit/>
           </a:bodyPr>
+          <a:lstStyle/>
           <a:p>
             <a:r>
               <a:rPr lang="zh-CN" altLang="en-US" sz="2800">
@@ -17224,19 +16547,6 @@
               </a:rPr>
               <a:t>框架使用</a:t>
             </a:r>
-            <a:endParaRPr lang="zh-CN" altLang="en-US" sz="2800">
-              <a:gradFill>
-                <a:gsLst>
-                  <a:gs pos="0">
-                    <a:srgbClr val="012D86"/>
-                  </a:gs>
-                  <a:gs pos="100000">
-                    <a:srgbClr val="0E2557"/>
-                  </a:gs>
-                </a:gsLst>
-                <a:lin scaled="0"/>
-              </a:gradFill>
-            </a:endParaRPr>
           </a:p>
         </p:txBody>
       </p:sp>
@@ -17249,7 +16559,7 @@
           <p:nvPr/>
         </p:nvPicPr>
         <p:blipFill>
-          <a:blip r:embed="rId3"/>
+          <a:blip r:embed="rId4" cstate="print"/>
           <a:stretch>
             <a:fillRect/>
           </a:stretch>
@@ -17270,7 +16580,7 @@
     <a:masterClrMapping/>
   </p:clrMapOvr>
   <mc:AlternateContent xmlns:mc="http://schemas.openxmlformats.org/markup-compatibility/2006">
-    <mc:Choice xmlns:p14="http://schemas.microsoft.com/office/powerpoint/2010/main" Requires="p14">
+    <mc:Choice xmlns:p14="http://schemas.microsoft.com/office/powerpoint/2010/main" xmlns="" Requires="p14">
       <p:transition spd="slow" p14:dur="2000"/>
     </mc:Choice>
     <mc:Fallback>
@@ -17347,6 +16657,7 @@
           <a:bodyPr wrap="square" rtlCol="0">
             <a:spAutoFit/>
           </a:bodyPr>
+          <a:lstStyle/>
           <a:p>
             <a:r>
               <a:rPr lang="zh-CN" altLang="en-US" sz="2800">
@@ -17364,51 +16675,12 @@
               </a:rPr>
               <a:t>数据库使用</a:t>
             </a:r>
-            <a:endParaRPr lang="zh-CN" altLang="en-US" sz="2800">
-              <a:gradFill>
-                <a:gsLst>
-                  <a:gs pos="0">
-                    <a:srgbClr val="012D86"/>
-                  </a:gs>
-                  <a:gs pos="100000">
-                    <a:srgbClr val="0E2557"/>
-                  </a:gs>
-                </a:gsLst>
-                <a:lin scaled="0"/>
-              </a:gradFill>
-            </a:endParaRPr>
           </a:p>
         </p:txBody>
       </p:sp>
       <p:pic>
         <p:nvPicPr>
           <p:cNvPr id="1031" name="Picture 7" descr="C:\Users\Administrator\AppData\Roaming\Tencent\Users\1054489535\QQ\WinTemp\RichOle\B%%)1YO_A3ZOHZF)G_EMLVX.png"/>
-          <p:cNvPicPr>
-            <a:picLocks noChangeAspect="1" noChangeArrowheads="1"/>
-          </p:cNvPicPr>
-          <p:nvPr/>
-        </p:nvPicPr>
-        <p:blipFill>
-          <a:blip r:embed="rId1" cstate="print"/>
-          <a:srcRect/>
-          <a:stretch>
-            <a:fillRect/>
-          </a:stretch>
-        </p:blipFill>
-        <p:spPr bwMode="auto">
-          <a:xfrm>
-            <a:off x="3297750" y="2071517"/>
-            <a:ext cx="2765182" cy="946980"/>
-          </a:xfrm>
-          <a:prstGeom prst="rect">
-            <a:avLst/>
-          </a:prstGeom>
-          <a:noFill/>
-        </p:spPr>
-      </p:pic>
-      <p:pic>
-        <p:nvPicPr>
-          <p:cNvPr id="1032" name="Picture 8" descr="C:\Users\Administrator\AppData\Roaming\Tencent\Users\1054489535\QQ\WinTemp\RichOle\@ML6%S]F({PBRPAN7[YG}6I.png"/>
           <p:cNvPicPr>
             <a:picLocks noChangeAspect="1" noChangeArrowheads="1"/>
           </p:cNvPicPr>
@@ -17423,6 +16695,32 @@
         </p:blipFill>
         <p:spPr bwMode="auto">
           <a:xfrm>
+            <a:off x="3297750" y="2071517"/>
+            <a:ext cx="2765182" cy="946980"/>
+          </a:xfrm>
+          <a:prstGeom prst="rect">
+            <a:avLst/>
+          </a:prstGeom>
+          <a:noFill/>
+        </p:spPr>
+      </p:pic>
+      <p:pic>
+        <p:nvPicPr>
+          <p:cNvPr id="1032" name="Picture 8" descr="C:\Users\Administrator\AppData\Roaming\Tencent\Users\1054489535\QQ\WinTemp\RichOle\@ML6%S]F({PBRPAN7[YG}6I.png"/>
+          <p:cNvPicPr>
+            <a:picLocks noChangeAspect="1" noChangeArrowheads="1"/>
+          </p:cNvPicPr>
+          <p:nvPr/>
+        </p:nvPicPr>
+        <p:blipFill>
+          <a:blip r:embed="rId3" cstate="print"/>
+          <a:srcRect/>
+          <a:stretch>
+            <a:fillRect/>
+          </a:stretch>
+        </p:blipFill>
+        <p:spPr bwMode="auto">
+          <a:xfrm>
             <a:off x="3669082" y="3494453"/>
             <a:ext cx="2022376" cy="935647"/>
           </a:xfrm>
@@ -17438,7 +16736,7 @@
     <a:masterClrMapping/>
   </p:clrMapOvr>
   <mc:AlternateContent xmlns:mc="http://schemas.openxmlformats.org/markup-compatibility/2006">
-    <mc:Choice xmlns:p14="http://schemas.microsoft.com/office/powerpoint/2010/main" Requires="p14">
+    <mc:Choice xmlns:p14="http://schemas.microsoft.com/office/powerpoint/2010/main" xmlns="" Requires="p14">
       <p:transition spd="slow" p14:dur="2000"/>
     </mc:Choice>
     <mc:Fallback>
@@ -17515,6 +16813,7 @@
           <a:bodyPr wrap="square" rtlCol="0">
             <a:spAutoFit/>
           </a:bodyPr>
+          <a:lstStyle/>
           <a:p>
             <a:r>
               <a:rPr lang="en-US" altLang="zh-CN" sz="2800">
@@ -17548,19 +16847,6 @@
               </a:rPr>
               <a:t>调用</a:t>
             </a:r>
-            <a:endParaRPr lang="zh-CN" altLang="en-US" sz="2800">
-              <a:gradFill>
-                <a:gsLst>
-                  <a:gs pos="0">
-                    <a:srgbClr val="012D86"/>
-                  </a:gs>
-                  <a:gs pos="100000">
-                    <a:srgbClr val="0E2557"/>
-                  </a:gs>
-                </a:gsLst>
-                <a:lin scaled="0"/>
-              </a:gradFill>
-            </a:endParaRPr>
           </a:p>
         </p:txBody>
       </p:sp>
@@ -17573,7 +16859,7 @@
           <p:nvPr/>
         </p:nvPicPr>
         <p:blipFill>
-          <a:blip r:embed="rId1"/>
+          <a:blip r:embed="rId2" cstate="print"/>
           <a:stretch>
             <a:fillRect/>
           </a:stretch>
@@ -17591,32 +16877,6 @@
       <p:pic>
         <p:nvPicPr>
           <p:cNvPr id="1029" name="Picture 5" descr="C:\Users\Administrator\AppData\Roaming\Tencent\Users\1054489535\QQ\WinTemp\RichOle\FQU~85V$(9X)UKQ@L7E]HOV.png"/>
-          <p:cNvPicPr>
-            <a:picLocks noChangeAspect="1" noChangeArrowheads="1"/>
-          </p:cNvPicPr>
-          <p:nvPr/>
-        </p:nvPicPr>
-        <p:blipFill>
-          <a:blip r:embed="rId2" cstate="print"/>
-          <a:srcRect/>
-          <a:stretch>
-            <a:fillRect/>
-          </a:stretch>
-        </p:blipFill>
-        <p:spPr bwMode="auto">
-          <a:xfrm>
-            <a:off x="2733834" y="3303612"/>
-            <a:ext cx="1201164" cy="1899138"/>
-          </a:xfrm>
-          <a:prstGeom prst="rect">
-            <a:avLst/>
-          </a:prstGeom>
-          <a:noFill/>
-        </p:spPr>
-      </p:pic>
-      <p:pic>
-        <p:nvPicPr>
-          <p:cNvPr id="1026" name="Picture 2" descr="C:\Users\Administrator\AppData\Roaming\Tencent\Users\1054489535\QQ\WinTemp\RichOle\RM`V@05AU27W07]PRE5XA9A.png"/>
           <p:cNvPicPr>
             <a:picLocks noChangeAspect="1" noChangeArrowheads="1"/>
           </p:cNvPicPr>
@@ -17631,6 +16891,32 @@
         </p:blipFill>
         <p:spPr bwMode="auto">
           <a:xfrm>
+            <a:off x="2733834" y="3303612"/>
+            <a:ext cx="1201164" cy="1899138"/>
+          </a:xfrm>
+          <a:prstGeom prst="rect">
+            <a:avLst/>
+          </a:prstGeom>
+          <a:noFill/>
+        </p:spPr>
+      </p:pic>
+      <p:pic>
+        <p:nvPicPr>
+          <p:cNvPr id="1026" name="Picture 2" descr="C:\Users\Administrator\AppData\Roaming\Tencent\Users\1054489535\QQ\WinTemp\RichOle\RM`V@05AU27W07]PRE5XA9A.png"/>
+          <p:cNvPicPr>
+            <a:picLocks noChangeAspect="1" noChangeArrowheads="1"/>
+          </p:cNvPicPr>
+          <p:nvPr/>
+        </p:nvPicPr>
+        <p:blipFill>
+          <a:blip r:embed="rId4" cstate="print"/>
+          <a:srcRect/>
+          <a:stretch>
+            <a:fillRect/>
+          </a:stretch>
+        </p:blipFill>
+        <p:spPr bwMode="auto">
+          <a:xfrm>
             <a:off x="4890136" y="3800672"/>
             <a:ext cx="959511" cy="905606"/>
           </a:xfrm>
@@ -17646,7 +16932,7 @@
     <a:masterClrMapping/>
   </p:clrMapOvr>
   <mc:AlternateContent xmlns:mc="http://schemas.openxmlformats.org/markup-compatibility/2006">
-    <mc:Choice xmlns:p14="http://schemas.microsoft.com/office/powerpoint/2010/main" Requires="p14">
+    <mc:Choice xmlns:p14="http://schemas.microsoft.com/office/powerpoint/2010/main" xmlns="" Requires="p14">
       <p:transition spd="slow" p14:dur="2000"/>
     </mc:Choice>
     <mc:Fallback>
@@ -17723,6 +17009,7 @@
           <a:bodyPr wrap="square" rtlCol="0">
             <a:spAutoFit/>
           </a:bodyPr>
+          <a:lstStyle/>
           <a:p>
             <a:r>
               <a:rPr lang="zh-CN" altLang="en-US" sz="2800">
@@ -17740,51 +17027,12 @@
               </a:rPr>
               <a:t>其他技术</a:t>
             </a:r>
-            <a:endParaRPr lang="zh-CN" altLang="en-US" sz="2800">
-              <a:gradFill>
-                <a:gsLst>
-                  <a:gs pos="0">
-                    <a:srgbClr val="012D86"/>
-                  </a:gs>
-                  <a:gs pos="100000">
-                    <a:srgbClr val="0E2557"/>
-                  </a:gs>
-                </a:gsLst>
-                <a:lin scaled="0"/>
-              </a:gradFill>
-            </a:endParaRPr>
           </a:p>
         </p:txBody>
       </p:sp>
       <p:pic>
         <p:nvPicPr>
           <p:cNvPr id="1034" name="Picture 10" descr="C:\Users\Administrator\AppData\Roaming\Tencent\Users\1054489535\QQ\WinTemp\RichOle\WTTY_)H[UCP)D9S5OGA4$73.png"/>
-          <p:cNvPicPr>
-            <a:picLocks noChangeAspect="1" noChangeArrowheads="1"/>
-          </p:cNvPicPr>
-          <p:nvPr/>
-        </p:nvPicPr>
-        <p:blipFill>
-          <a:blip r:embed="rId1" cstate="print"/>
-          <a:srcRect/>
-          <a:stretch>
-            <a:fillRect/>
-          </a:stretch>
-        </p:blipFill>
-        <p:spPr bwMode="auto">
-          <a:xfrm>
-            <a:off x="3518926" y="2288688"/>
-            <a:ext cx="2105025" cy="533400"/>
-          </a:xfrm>
-          <a:prstGeom prst="rect">
-            <a:avLst/>
-          </a:prstGeom>
-          <a:noFill/>
-        </p:spPr>
-      </p:pic>
-      <p:pic>
-        <p:nvPicPr>
-          <p:cNvPr id="1030" name="Picture 6" descr="C:\Users\Administrator\AppData\Roaming\Tencent\Users\1054489535\QQ\WinTemp\RichOle\1K60EC[W}1Q(1{A%_X`WQE0.png"/>
           <p:cNvPicPr>
             <a:picLocks noChangeAspect="1" noChangeArrowheads="1"/>
           </p:cNvPicPr>
@@ -17799,8 +17047,8 @@
         </p:blipFill>
         <p:spPr bwMode="auto">
           <a:xfrm>
-            <a:off x="3553020" y="3328033"/>
-            <a:ext cx="2038350" cy="514350"/>
+            <a:off x="3518926" y="2288688"/>
+            <a:ext cx="2105025" cy="533400"/>
           </a:xfrm>
           <a:prstGeom prst="rect">
             <a:avLst/>
@@ -17810,64 +17058,37 @@
       </p:pic>
       <p:pic>
         <p:nvPicPr>
-          <p:cNvPr id="5" name="图片 4" descr="4UL059_G7EVV5)CT2U8H]9J"/>
+          <p:cNvPr id="1030" name="Picture 6" descr="C:\Users\Administrator\AppData\Roaming\Tencent\Users\1054489535\QQ\WinTemp\RichOle\1K60EC[W}1Q(1{A%_X`WQE0.png"/>
           <p:cNvPicPr>
-            <a:picLocks noChangeAspect="1"/>
+            <a:picLocks noChangeAspect="1" noChangeArrowheads="1"/>
           </p:cNvPicPr>
           <p:nvPr/>
         </p:nvPicPr>
         <p:blipFill>
-          <a:blip r:embed="rId3"/>
+          <a:blip r:embed="rId3" cstate="print"/>
+          <a:srcRect/>
           <a:stretch>
             <a:fillRect/>
           </a:stretch>
         </p:blipFill>
-        <p:spPr>
-          <a:xfrm>
-            <a:off x="3552825" y="4365625"/>
-            <a:ext cx="2076450" cy="514350"/>
-          </a:xfrm>
-          <a:prstGeom prst="rect">
-            <a:avLst/>
-          </a:prstGeom>
-        </p:spPr>
-      </p:pic>
-      <p:sp>
-        <p:nvSpPr>
-          <p:cNvPr id="8" name="文本框 7"/>
-          <p:cNvSpPr txBox="1"/>
-          <p:nvPr/>
-        </p:nvSpPr>
-        <p:spPr>
-          <a:xfrm>
-            <a:off x="5591175" y="4511675"/>
-            <a:ext cx="937260" cy="368300"/>
+        <p:spPr bwMode="auto">
+          <a:xfrm>
+            <a:off x="3553020" y="3328033"/>
+            <a:ext cx="2038350" cy="514350"/>
           </a:xfrm>
           <a:prstGeom prst="rect">
             <a:avLst/>
           </a:prstGeom>
           <a:noFill/>
         </p:spPr>
-        <p:txBody>
-          <a:bodyPr wrap="square" rtlCol="0">
-            <a:spAutoFit/>
-          </a:bodyPr>
-          <a:p>
-            <a:r>
-              <a:rPr lang="zh-CN" altLang="en-US"/>
-              <a:t>（即将）</a:t>
-            </a:r>
-            <a:endParaRPr lang="zh-CN" altLang="en-US"/>
-          </a:p>
-        </p:txBody>
-      </p:sp>
+      </p:pic>
     </p:spTree>
   </p:cSld>
   <p:clrMapOvr>
     <a:masterClrMapping/>
   </p:clrMapOvr>
   <mc:AlternateContent xmlns:mc="http://schemas.openxmlformats.org/markup-compatibility/2006">
-    <mc:Choice xmlns:p14="http://schemas.microsoft.com/office/powerpoint/2010/main" Requires="p14">
+    <mc:Choice xmlns:p14="http://schemas.microsoft.com/office/powerpoint/2010/main" xmlns="" Requires="p14">
       <p:transition spd="slow" p14:dur="2000"/>
     </mc:Choice>
     <mc:Fallback>
@@ -19198,7 +18419,6 @@
               <a:rPr lang="zh-CN" altLang="en-US" sz="2400" dirty="0"/>
               <a:t>项目展示</a:t>
             </a:r>
-            <a:endParaRPr lang="zh-CN" altLang="en-US" sz="2400" dirty="0"/>
           </a:p>
         </p:txBody>
       </p:sp>
@@ -19208,7 +18428,7 @@
     <a:masterClrMapping/>
   </p:clrMapOvr>
   <mc:AlternateContent xmlns:mc="http://schemas.openxmlformats.org/markup-compatibility/2006">
-    <mc:Choice xmlns:p14="http://schemas.microsoft.com/office/powerpoint/2010/main" Requires="p14">
+    <mc:Choice xmlns:p14="http://schemas.microsoft.com/office/powerpoint/2010/main" xmlns="" Requires="p14">
       <p:transition spd="slow" p14:dur="2000"/>
     </mc:Choice>
     <mc:Fallback>
@@ -19276,7 +18496,6 @@
               <a:rPr lang="zh-CN" altLang="en-US" sz="2400" dirty="0" smtClean="0"/>
               <a:t>感谢上海交通大学和上海交通大学软件学院提供的企业实训机会！</a:t>
             </a:r>
-            <a:endParaRPr lang="zh-CN" altLang="en-US" sz="2400" dirty="0" smtClean="0"/>
           </a:p>
           <a:p>
             <a:pPr>
@@ -19287,7 +18506,6 @@
               <a:rPr lang="zh-CN" altLang="en-US" sz="2400" dirty="0" smtClean="0"/>
               <a:t>  感谢姜丽红副院长，沈备军老师，任锐老师的悉心教导！</a:t>
             </a:r>
-            <a:endParaRPr lang="zh-CN" altLang="en-US" sz="2400" dirty="0" smtClean="0"/>
           </a:p>
           <a:p>
             <a:pPr>
@@ -19298,7 +18516,6 @@
               <a:rPr lang="zh-CN" altLang="en-US" sz="2400" dirty="0" smtClean="0"/>
               <a:t>  感谢软酷网络科技有限公司！</a:t>
             </a:r>
-            <a:endParaRPr lang="zh-CN" altLang="en-US" sz="2400" dirty="0" smtClean="0"/>
           </a:p>
           <a:p>
             <a:pPr>
@@ -19309,7 +18526,6 @@
               <a:rPr lang="zh-CN" altLang="en-US" sz="2400" dirty="0" smtClean="0"/>
               <a:t>  感谢企业导师虞洋老师的指导和帮助！</a:t>
             </a:r>
-            <a:endParaRPr lang="zh-CN" altLang="en-US" sz="2400" dirty="0" smtClean="0"/>
           </a:p>
         </p:txBody>
       </p:sp>
@@ -19343,7 +18559,7 @@
     <a:masterClrMapping/>
   </p:clrMapOvr>
   <mc:AlternateContent xmlns:mc="http://schemas.openxmlformats.org/markup-compatibility/2006">
-    <mc:Choice xmlns:p14="http://schemas.microsoft.com/office/powerpoint/2010/main" Requires="p14">
+    <mc:Choice xmlns:p14="http://schemas.microsoft.com/office/powerpoint/2010/main" xmlns="" Requires="p14">
       <p:transition spd="slow" p14:dur="2000"/>
     </mc:Choice>
     <mc:Fallback>
@@ -20691,7 +19907,6 @@
               <a:rPr lang="zh-CN" altLang="en-US" sz="2400" dirty="0"/>
               <a:t>项目展示</a:t>
             </a:r>
-            <a:endParaRPr lang="zh-CN" altLang="en-US" sz="2400" dirty="0"/>
           </a:p>
         </p:txBody>
       </p:sp>
@@ -20765,7 +19980,7 @@
     <a:masterClrMapping/>
   </p:clrMapOvr>
   <mc:AlternateContent xmlns:mc="http://schemas.openxmlformats.org/markup-compatibility/2006">
-    <mc:Choice xmlns:p14="http://schemas.microsoft.com/office/powerpoint/2010/main" Requires="p14">
+    <mc:Choice xmlns:p14="http://schemas.microsoft.com/office/powerpoint/2010/main" xmlns="" Requires="p14">
       <p:transition spd="slow" p14:dur="2000"/>
     </mc:Choice>
     <mc:Fallback>
@@ -22087,14 +21302,6 @@
               </a:rPr>
               <a:t>项目展示</a:t>
             </a:r>
-            <a:endParaRPr lang="zh-CN" altLang="en-US" sz="2400" dirty="0">
-              <a:solidFill>
-                <a:schemeClr val="tx1">
-                  <a:lumMod val="75000"/>
-                  <a:lumOff val="25000"/>
-                </a:schemeClr>
-              </a:solidFill>
-            </a:endParaRPr>
           </a:p>
         </p:txBody>
       </p:sp>
@@ -22104,7 +21311,7 @@
     <a:masterClrMapping/>
   </p:clrMapOvr>
   <mc:AlternateContent xmlns:mc="http://schemas.openxmlformats.org/markup-compatibility/2006">
-    <mc:Choice xmlns:p14="http://schemas.microsoft.com/office/powerpoint/2010/main" Requires="p14">
+    <mc:Choice xmlns:p14="http://schemas.microsoft.com/office/powerpoint/2010/main" xmlns="" Requires="p14">
       <p:transition p14:dur="10"/>
     </mc:Choice>
     <mc:Fallback>
@@ -22250,7 +21457,7 @@
           <p:nvPr/>
         </p:nvPicPr>
         <p:blipFill>
-          <a:blip r:embed="rId1" cstate="print"/>
+          <a:blip r:embed="rId2" cstate="print"/>
           <a:stretch>
             <a:fillRect/>
           </a:stretch>
@@ -22271,7 +21478,7 @@
     <a:masterClrMapping/>
   </p:clrMapOvr>
   <mc:AlternateContent xmlns:mc="http://schemas.openxmlformats.org/markup-compatibility/2006">
-    <mc:Choice xmlns:p14="http://schemas.microsoft.com/office/powerpoint/2010/main" Requires="p14">
+    <mc:Choice xmlns:p14="http://schemas.microsoft.com/office/powerpoint/2010/main" xmlns="" Requires="p14">
       <p:transition spd="slow" p14:dur="2000"/>
     </mc:Choice>
     <mc:Fallback>
@@ -22393,7 +21600,7 @@
           <p:nvPr/>
         </p:nvPicPr>
         <p:blipFill>
-          <a:blip r:embed="rId1" cstate="print"/>
+          <a:blip r:embed="rId2" cstate="print"/>
           <a:stretch>
             <a:fillRect/>
           </a:stretch>
@@ -22500,11 +21707,7 @@
           <a:p>
             <a:r>
               <a:rPr lang="zh-CN" altLang="en-US" dirty="0" smtClean="0"/>
-              <a:t>优点</a:t>
-            </a:r>
-            <a:r>
-              <a:rPr lang="zh-CN" altLang="en-US" dirty="0" smtClean="0"/>
-              <a:t>：</a:t>
+              <a:t>优点：</a:t>
             </a:r>
             <a:endParaRPr lang="en-US" altLang="zh-CN" dirty="0" smtClean="0"/>
           </a:p>
@@ -22521,11 +21724,7 @@
           <a:p>
             <a:r>
               <a:rPr lang="zh-CN" altLang="en-US" dirty="0" smtClean="0"/>
-              <a:t>管理员查询、记录信息效率高效，有效减少错漏</a:t>
-            </a:r>
-            <a:r>
-              <a:rPr lang="zh-CN" altLang="en-US" dirty="0" smtClean="0"/>
-              <a:t>信息</a:t>
+              <a:t>管理员查询、记录信息效率高效，有效减少错漏信息</a:t>
             </a:r>
             <a:endParaRPr lang="zh-CN" altLang="en-US" dirty="0"/>
           </a:p>
@@ -22537,7 +21736,7 @@
     <a:masterClrMapping/>
   </p:clrMapOvr>
   <mc:AlternateContent xmlns:mc="http://schemas.openxmlformats.org/markup-compatibility/2006">
-    <mc:Choice xmlns:p14="http://schemas.microsoft.com/office/powerpoint/2010/main" Requires="p14">
+    <mc:Choice xmlns:p14="http://schemas.microsoft.com/office/powerpoint/2010/main" xmlns="" Requires="p14">
       <p:transition spd="slow" p14:dur="2000"/>
     </mc:Choice>
     <mc:Fallback>
@@ -23938,14 +23137,6 @@
               </a:rPr>
               <a:t>项目展示</a:t>
             </a:r>
-            <a:endParaRPr lang="zh-CN" altLang="en-US" sz="2400" dirty="0">
-              <a:solidFill>
-                <a:schemeClr val="tx1">
-                  <a:lumMod val="75000"/>
-                  <a:lumOff val="25000"/>
-                </a:schemeClr>
-              </a:solidFill>
-            </a:endParaRPr>
           </a:p>
         </p:txBody>
       </p:sp>
@@ -23955,7 +23146,7 @@
     <a:masterClrMapping/>
   </p:clrMapOvr>
   <mc:AlternateContent xmlns:mc="http://schemas.openxmlformats.org/markup-compatibility/2006">
-    <mc:Choice xmlns:p14="http://schemas.microsoft.com/office/powerpoint/2010/main" Requires="p14">
+    <mc:Choice xmlns:p14="http://schemas.microsoft.com/office/powerpoint/2010/main" xmlns="" Requires="p14">
       <p:transition spd="slow" p14:dur="2000"/>
     </mc:Choice>
     <mc:Fallback>
@@ -24046,11 +23237,7 @@
           <a:p>
             <a:r>
               <a:rPr lang="zh-CN" altLang="en-US" dirty="0" smtClean="0"/>
-              <a:t>负责模块： 项目构建，分工协调，</a:t>
-            </a:r>
-            <a:r>
-              <a:rPr lang="zh-CN" altLang="en-US" dirty="0" smtClean="0"/>
-              <a:t>微服务搭建，</a:t>
+              <a:t>负责模块： 项目构建，分工协调，微服务搭建，</a:t>
             </a:r>
             <a:endParaRPr lang="en-US" altLang="zh-CN" dirty="0" smtClean="0"/>
           </a:p>
@@ -24095,7 +23282,7 @@
           <p:nvPr/>
         </p:nvPicPr>
         <p:blipFill>
-          <a:blip r:embed="rId1" cstate="print"/>
+          <a:blip r:embed="rId2" cstate="print"/>
           <a:stretch>
             <a:fillRect/>
           </a:stretch>
@@ -24116,7 +23303,7 @@
     <a:masterClrMapping/>
   </p:clrMapOvr>
   <mc:AlternateContent xmlns:mc="http://schemas.openxmlformats.org/markup-compatibility/2006">
-    <mc:Choice xmlns:p14="http://schemas.microsoft.com/office/powerpoint/2010/main" Requires="p14">
+    <mc:Choice xmlns:p14="http://schemas.microsoft.com/office/powerpoint/2010/main" xmlns="" Requires="p14">
       <p:transition spd="slow" p14:dur="2000"/>
     </mc:Choice>
     <mc:Fallback>
@@ -25086,7 +24273,7 @@
           <p:nvPr/>
         </p:nvPicPr>
         <p:blipFill>
-          <a:blip r:embed="rId1" cstate="print"/>
+          <a:blip r:embed="rId2" cstate="print"/>
           <a:stretch>
             <a:fillRect/>
           </a:stretch>
@@ -25104,30 +24291,6 @@
       <p:pic>
         <p:nvPicPr>
           <p:cNvPr id="8" name="图片 7" descr="o4YBAFsqCiyAXEUZAAEZiY4ysvA630.jpg"/>
-          <p:cNvPicPr>
-            <a:picLocks noChangeAspect="1"/>
-          </p:cNvPicPr>
-          <p:nvPr/>
-        </p:nvPicPr>
-        <p:blipFill>
-          <a:blip r:embed="rId2" cstate="print"/>
-          <a:stretch>
-            <a:fillRect/>
-          </a:stretch>
-        </p:blipFill>
-        <p:spPr>
-          <a:xfrm>
-            <a:off x="4018086" y="1679330"/>
-            <a:ext cx="826478" cy="826478"/>
-          </a:xfrm>
-          <a:prstGeom prst="rect">
-            <a:avLst/>
-          </a:prstGeom>
-        </p:spPr>
-      </p:pic>
-      <p:pic>
-        <p:nvPicPr>
-          <p:cNvPr id="9" name="图片 8" descr="o4YBAFsqCiyAXEUZAAEZiY4ysvA630.jpg"/>
           <p:cNvPicPr>
             <a:picLocks noChangeAspect="1"/>
           </p:cNvPicPr>
@@ -25140,6 +24303,30 @@
           </a:stretch>
         </p:blipFill>
         <p:spPr>
+          <a:xfrm>
+            <a:off x="4018086" y="1679330"/>
+            <a:ext cx="826478" cy="826478"/>
+          </a:xfrm>
+          <a:prstGeom prst="rect">
+            <a:avLst/>
+          </a:prstGeom>
+        </p:spPr>
+      </p:pic>
+      <p:pic>
+        <p:nvPicPr>
+          <p:cNvPr id="9" name="图片 8" descr="o4YBAFsqCiyAXEUZAAEZiY4ysvA630.jpg"/>
+          <p:cNvPicPr>
+            <a:picLocks noChangeAspect="1"/>
+          </p:cNvPicPr>
+          <p:nvPr/>
+        </p:nvPicPr>
+        <p:blipFill>
+          <a:blip r:embed="rId4" cstate="print"/>
+          <a:stretch>
+            <a:fillRect/>
+          </a:stretch>
+        </p:blipFill>
+        <p:spPr>
           <a:xfrm flipH="1">
             <a:off x="6972301" y="1723293"/>
             <a:ext cx="800100" cy="800100"/>
@@ -25155,7 +24342,7 @@
     <a:masterClrMapping/>
   </p:clrMapOvr>
   <mc:AlternateContent xmlns:mc="http://schemas.openxmlformats.org/markup-compatibility/2006">
-    <mc:Choice xmlns:p14="http://schemas.microsoft.com/office/powerpoint/2010/main" Requires="p14">
+    <mc:Choice xmlns:p14="http://schemas.microsoft.com/office/powerpoint/2010/main" xmlns="" Requires="p14">
       <p:transition spd="slow" p14:dur="2000"/>
     </mc:Choice>
     <mc:Fallback>
@@ -26481,14 +25668,6 @@
               </a:rPr>
               <a:t>项目展示</a:t>
             </a:r>
-            <a:endParaRPr lang="zh-CN" altLang="en-US" sz="2400" dirty="0">
-              <a:solidFill>
-                <a:schemeClr val="tx1">
-                  <a:lumMod val="75000"/>
-                  <a:lumOff val="25000"/>
-                </a:schemeClr>
-              </a:solidFill>
-            </a:endParaRPr>
           </a:p>
         </p:txBody>
       </p:sp>
@@ -26498,7 +25677,7 @@
     <a:masterClrMapping/>
   </p:clrMapOvr>
   <mc:AlternateContent xmlns:mc="http://schemas.openxmlformats.org/markup-compatibility/2006">
-    <mc:Choice xmlns:p14="http://schemas.microsoft.com/office/powerpoint/2010/main" Requires="p14">
+    <mc:Choice xmlns:p14="http://schemas.microsoft.com/office/powerpoint/2010/main" xmlns="" Requires="p14">
       <p:transition spd="slow" p14:dur="2000"/>
     </mc:Choice>
     <mc:Fallback>
@@ -26737,9 +25916,10 @@
       </a:style>
     </a:spDef>
   </a:objectDefaults>
+  <a:extraClrSchemeLst/>
   <a:extLst>
     <a:ext uri="{05A4C25C-085E-4340-85A3-A5531E510DB2}">
-      <thm15:themeFamily xmlns:thm15="http://schemas.microsoft.com/office/thememl/2012/main" name="Office Theme" id="{62F939B6-93AF-4DB8-9C6B-D6C7DFDC589F}" vid="{4A3C46E8-61CC-4603-A589-7422A47A8E4A}"/>
+      <thm15:themeFamily xmlns:thm15="http://schemas.microsoft.com/office/thememl/2012/main" xmlns="" name="Office Theme" id="{62F939B6-93AF-4DB8-9C6B-D6C7DFDC589F}" vid="{4A3C46E8-61CC-4603-A589-7422A47A8E4A}"/>
     </a:ext>
   </a:extLst>
 </a:theme>
@@ -26996,9 +26176,11 @@
       </a:bgFillStyleLst>
     </a:fmtScheme>
   </a:themeElements>
+  <a:objectDefaults/>
+  <a:extraClrSchemeLst/>
   <a:extLst>
     <a:ext uri="{05A4C25C-085E-4340-85A3-A5531E510DB2}">
-      <thm15:themeFamily xmlns:thm15="http://schemas.microsoft.com/office/thememl/2012/main" name="Office Theme" id="{62F939B6-93AF-4DB8-9C6B-D6C7DFDC589F}" vid="{4A3C46E8-61CC-4603-A589-7422A47A8E4A}"/>
+      <thm15:themeFamily xmlns:thm15="http://schemas.microsoft.com/office/thememl/2012/main" xmlns="" name="Office Theme" id="{62F939B6-93AF-4DB8-9C6B-D6C7DFDC589F}" vid="{4A3C46E8-61CC-4603-A589-7422A47A8E4A}"/>
     </a:ext>
   </a:extLst>
 </a:theme>
@@ -27255,9 +26437,11 @@
       </a:bgFillStyleLst>
     </a:fmtScheme>
   </a:themeElements>
+  <a:objectDefaults/>
+  <a:extraClrSchemeLst/>
   <a:extLst>
     <a:ext uri="{05A4C25C-085E-4340-85A3-A5531E510DB2}">
-      <thm15:themeFamily xmlns:thm15="http://schemas.microsoft.com/office/thememl/2012/main" name="Office Theme" id="{62F939B6-93AF-4DB8-9C6B-D6C7DFDC589F}" vid="{4A3C46E8-61CC-4603-A589-7422A47A8E4A}"/>
+      <thm15:themeFamily xmlns:thm15="http://schemas.microsoft.com/office/thememl/2012/main" xmlns="" name="Office Theme" id="{62F939B6-93AF-4DB8-9C6B-D6C7DFDC589F}" vid="{4A3C46E8-61CC-4603-A589-7422A47A8E4A}"/>
     </a:ext>
   </a:extLst>
 </a:theme>
